--- a/Python Basic Data Manipulation Project Presentation.pptx
+++ b/Python Basic Data Manipulation Project Presentation.pptx
@@ -5,39 +5,45 @@
     <p:sldMasterId id="2147483756" r:id="rId1"/>
   </p:sldMasterIdLst>
   <p:notesMasterIdLst>
-    <p:notesMasterId r:id="rId32"/>
+    <p:notesMasterId r:id="rId38"/>
   </p:notesMasterIdLst>
   <p:sldIdLst>
     <p:sldId id="258" r:id="rId2"/>
     <p:sldId id="259" r:id="rId3"/>
     <p:sldId id="267" r:id="rId4"/>
     <p:sldId id="266" r:id="rId5"/>
-    <p:sldId id="263" r:id="rId6"/>
-    <p:sldId id="269" r:id="rId7"/>
-    <p:sldId id="262" r:id="rId8"/>
-    <p:sldId id="261" r:id="rId9"/>
-    <p:sldId id="270" r:id="rId10"/>
-    <p:sldId id="260" r:id="rId11"/>
-    <p:sldId id="271" r:id="rId12"/>
-    <p:sldId id="279" r:id="rId13"/>
-    <p:sldId id="268" r:id="rId14"/>
-    <p:sldId id="280" r:id="rId15"/>
-    <p:sldId id="284" r:id="rId16"/>
-    <p:sldId id="278" r:id="rId17"/>
-    <p:sldId id="282" r:id="rId18"/>
-    <p:sldId id="277" r:id="rId19"/>
-    <p:sldId id="285" r:id="rId20"/>
-    <p:sldId id="276" r:id="rId21"/>
-    <p:sldId id="294" r:id="rId22"/>
-    <p:sldId id="295" r:id="rId23"/>
-    <p:sldId id="283" r:id="rId24"/>
-    <p:sldId id="275" r:id="rId25"/>
-    <p:sldId id="281" r:id="rId26"/>
-    <p:sldId id="274" r:id="rId27"/>
-    <p:sldId id="291" r:id="rId28"/>
-    <p:sldId id="292" r:id="rId29"/>
-    <p:sldId id="293" r:id="rId30"/>
-    <p:sldId id="296" r:id="rId31"/>
+    <p:sldId id="300" r:id="rId6"/>
+    <p:sldId id="263" r:id="rId7"/>
+    <p:sldId id="269" r:id="rId8"/>
+    <p:sldId id="262" r:id="rId9"/>
+    <p:sldId id="261" r:id="rId10"/>
+    <p:sldId id="270" r:id="rId11"/>
+    <p:sldId id="297" r:id="rId12"/>
+    <p:sldId id="260" r:id="rId13"/>
+    <p:sldId id="271" r:id="rId14"/>
+    <p:sldId id="298" r:id="rId15"/>
+    <p:sldId id="279" r:id="rId16"/>
+    <p:sldId id="268" r:id="rId17"/>
+    <p:sldId id="299" r:id="rId18"/>
+    <p:sldId id="280" r:id="rId19"/>
+    <p:sldId id="284" r:id="rId20"/>
+    <p:sldId id="278" r:id="rId21"/>
+    <p:sldId id="282" r:id="rId22"/>
+    <p:sldId id="301" r:id="rId23"/>
+    <p:sldId id="277" r:id="rId24"/>
+    <p:sldId id="285" r:id="rId25"/>
+    <p:sldId id="302" r:id="rId26"/>
+    <p:sldId id="276" r:id="rId27"/>
+    <p:sldId id="294" r:id="rId28"/>
+    <p:sldId id="295" r:id="rId29"/>
+    <p:sldId id="283" r:id="rId30"/>
+    <p:sldId id="275" r:id="rId31"/>
+    <p:sldId id="281" r:id="rId32"/>
+    <p:sldId id="274" r:id="rId33"/>
+    <p:sldId id="291" r:id="rId34"/>
+    <p:sldId id="292" r:id="rId35"/>
+    <p:sldId id="293" r:id="rId36"/>
+    <p:sldId id="296" r:id="rId37"/>
   </p:sldIdLst>
   <p:sldSz cx="12192000" cy="6858000"/>
   <p:notesSz cx="6858000" cy="9144000"/>
@@ -3911,85 +3917,12 @@
           <a:chExt cx="0" cy="0"/>
         </a:xfrm>
       </p:grpSpPr>
-      <p:sp>
-        <p:nvSpPr>
-          <p:cNvPr id="2" name="TextBox 1">
-            <a:extLst>
-              <a:ext uri="{FF2B5EF4-FFF2-40B4-BE49-F238E27FC236}">
-                <a16:creationId xmlns:a16="http://schemas.microsoft.com/office/drawing/2014/main" id="{454534E5-7DA3-4DD6-9647-97A67EB7936A}"/>
-              </a:ext>
-            </a:extLst>
-          </p:cNvPr>
-          <p:cNvSpPr txBox="1"/>
-          <p:nvPr/>
-        </p:nvSpPr>
-        <p:spPr>
-          <a:xfrm>
-            <a:off x="2907709" y="255174"/>
-            <a:ext cx="6376581" cy="646331"/>
-          </a:xfrm>
-          <a:prstGeom prst="rect">
-            <a:avLst/>
-          </a:prstGeom>
-          <a:noFill/>
-        </p:spPr>
-        <p:txBody>
-          <a:bodyPr wrap="square">
-            <a:spAutoFit/>
-          </a:bodyPr>
-          <a:lstStyle/>
-          <a:p>
-            <a:pPr algn="ctr"/>
-            <a:r>
-              <a:rPr lang="en-US" sz="3600" b="1" dirty="0">
-                <a:ln w="13462">
-                  <a:solidFill>
-                    <a:schemeClr val="bg1">
-                      <a:lumMod val="85000"/>
-                    </a:schemeClr>
-                  </a:solidFill>
-                  <a:prstDash val="solid"/>
-                </a:ln>
-                <a:solidFill>
-                  <a:srgbClr val="7030A0"/>
-                </a:solidFill>
-                <a:effectLst>
-                  <a:outerShdw dist="38100" dir="2700000" algn="bl" rotWithShape="0">
-                    <a:schemeClr val="accent5"/>
-                  </a:outerShdw>
-                </a:effectLst>
-              </a:rPr>
-              <a:t>Examples of Lambda Functions -</a:t>
-            </a:r>
-            <a:endParaRPr lang="en-US" sz="3600" b="0" cap="none" spc="0" dirty="0">
-              <a:ln w="13462">
-                <a:solidFill>
-                  <a:schemeClr val="bg1">
-                    <a:lumMod val="85000"/>
-                  </a:schemeClr>
-                </a:solidFill>
-                <a:prstDash val="solid"/>
-              </a:ln>
-              <a:solidFill>
-                <a:srgbClr val="7030A0"/>
-              </a:solidFill>
-              <a:effectLst>
-                <a:outerShdw blurRad="38100" dist="25400" dir="5400000" algn="ctr" rotWithShape="0">
-                  <a:srgbClr val="6E747A">
-                    <a:alpha val="43000"/>
-                  </a:srgbClr>
-                </a:outerShdw>
-              </a:effectLst>
-            </a:endParaRPr>
-          </a:p>
-        </p:txBody>
-      </p:sp>
       <p:pic>
         <p:nvPicPr>
-          <p:cNvPr id="4" name="Picture 3">
-            <a:extLst>
-              <a:ext uri="{FF2B5EF4-FFF2-40B4-BE49-F238E27FC236}">
-                <a16:creationId xmlns:a16="http://schemas.microsoft.com/office/drawing/2014/main" id="{28B90C82-5E2B-DEAD-3522-C05E7983EB52}"/>
+          <p:cNvPr id="3" name="Picture 2">
+            <a:extLst>
+              <a:ext uri="{FF2B5EF4-FFF2-40B4-BE49-F238E27FC236}">
+                <a16:creationId xmlns:a16="http://schemas.microsoft.com/office/drawing/2014/main" id="{6AA61DFC-6864-C4D6-DCAB-E661496E9B04}"/>
               </a:ext>
             </a:extLst>
           </p:cNvPr>
@@ -4006,163 +3939,138 @@
         </p:blipFill>
         <p:spPr>
           <a:xfrm>
-            <a:off x="169867" y="1532039"/>
-            <a:ext cx="5781029" cy="1220993"/>
-          </a:xfrm>
-          <a:prstGeom prst="rect">
-            <a:avLst/>
-          </a:prstGeom>
-          <a:ln>
-            <a:solidFill>
-              <a:schemeClr val="tx1"/>
-            </a:solidFill>
-          </a:ln>
+            <a:off x="0" y="6880"/>
+            <a:ext cx="12192000" cy="1458237"/>
+          </a:xfrm>
+          <a:prstGeom prst="rect">
+            <a:avLst/>
+          </a:prstGeom>
         </p:spPr>
       </p:pic>
-      <p:pic>
-        <p:nvPicPr>
-          <p:cNvPr id="6" name="Picture 5">
-            <a:extLst>
-              <a:ext uri="{FF2B5EF4-FFF2-40B4-BE49-F238E27FC236}">
-                <a16:creationId xmlns:a16="http://schemas.microsoft.com/office/drawing/2014/main" id="{FE8EA83D-45F1-BC86-BB3D-8A501651281E}"/>
-              </a:ext>
-            </a:extLst>
-          </p:cNvPr>
-          <p:cNvPicPr>
-            <a:picLocks noChangeAspect="1"/>
-          </p:cNvPicPr>
-          <p:nvPr/>
-        </p:nvPicPr>
-        <p:blipFill>
-          <a:blip r:embed="rId3"/>
-          <a:stretch>
-            <a:fillRect/>
-          </a:stretch>
-        </p:blipFill>
-        <p:spPr>
-          <a:xfrm>
-            <a:off x="169865" y="3225305"/>
-            <a:ext cx="5781029" cy="1744135"/>
-          </a:xfrm>
-          <a:prstGeom prst="rect">
-            <a:avLst/>
-          </a:prstGeom>
-          <a:ln>
-            <a:solidFill>
-              <a:schemeClr val="tx1"/>
-            </a:solidFill>
-          </a:ln>
-        </p:spPr>
-      </p:pic>
-      <p:pic>
-        <p:nvPicPr>
-          <p:cNvPr id="8" name="Picture 7">
-            <a:extLst>
-              <a:ext uri="{FF2B5EF4-FFF2-40B4-BE49-F238E27FC236}">
-                <a16:creationId xmlns:a16="http://schemas.microsoft.com/office/drawing/2014/main" id="{D351FF72-80AE-2264-4AC4-3F158A761124}"/>
-              </a:ext>
-            </a:extLst>
-          </p:cNvPr>
-          <p:cNvPicPr>
-            <a:picLocks noChangeAspect="1"/>
-          </p:cNvPicPr>
-          <p:nvPr/>
-        </p:nvPicPr>
-        <p:blipFill>
-          <a:blip r:embed="rId4"/>
-          <a:stretch>
-            <a:fillRect/>
-          </a:stretch>
-        </p:blipFill>
-        <p:spPr>
-          <a:xfrm>
-            <a:off x="169865" y="5441713"/>
-            <a:ext cx="5781029" cy="1003319"/>
-          </a:xfrm>
-          <a:prstGeom prst="rect">
-            <a:avLst/>
-          </a:prstGeom>
-          <a:ln>
-            <a:solidFill>
-              <a:schemeClr val="tx1"/>
-            </a:solidFill>
-          </a:ln>
-        </p:spPr>
-      </p:pic>
-      <p:pic>
-        <p:nvPicPr>
-          <p:cNvPr id="10" name="Picture 9">
-            <a:extLst>
-              <a:ext uri="{FF2B5EF4-FFF2-40B4-BE49-F238E27FC236}">
-                <a16:creationId xmlns:a16="http://schemas.microsoft.com/office/drawing/2014/main" id="{3630B486-88D1-9F1E-61A1-242D87137EFD}"/>
-              </a:ext>
-            </a:extLst>
-          </p:cNvPr>
-          <p:cNvPicPr>
-            <a:picLocks noChangeAspect="1"/>
-          </p:cNvPicPr>
-          <p:nvPr/>
-        </p:nvPicPr>
-        <p:blipFill>
-          <a:blip r:embed="rId5"/>
-          <a:stretch>
-            <a:fillRect/>
-          </a:stretch>
-        </p:blipFill>
-        <p:spPr>
-          <a:xfrm>
-            <a:off x="6174822" y="2589099"/>
-            <a:ext cx="5781029" cy="1037973"/>
-          </a:xfrm>
-          <a:prstGeom prst="rect">
-            <a:avLst/>
-          </a:prstGeom>
-          <a:ln>
-            <a:solidFill>
-              <a:schemeClr val="tx1"/>
-            </a:solidFill>
-          </a:ln>
-        </p:spPr>
-      </p:pic>
-      <p:pic>
-        <p:nvPicPr>
-          <p:cNvPr id="12" name="Picture 11">
-            <a:extLst>
-              <a:ext uri="{FF2B5EF4-FFF2-40B4-BE49-F238E27FC236}">
-                <a16:creationId xmlns:a16="http://schemas.microsoft.com/office/drawing/2014/main" id="{3F14D3CE-2647-A415-7806-03018B4BA12E}"/>
-              </a:ext>
-            </a:extLst>
-          </p:cNvPr>
-          <p:cNvPicPr>
-            <a:picLocks noChangeAspect="1"/>
-          </p:cNvPicPr>
-          <p:nvPr/>
-        </p:nvPicPr>
-        <p:blipFill>
-          <a:blip r:embed="rId6"/>
-          <a:stretch>
-            <a:fillRect/>
-          </a:stretch>
-        </p:blipFill>
-        <p:spPr>
-          <a:xfrm>
-            <a:off x="6174823" y="4145653"/>
-            <a:ext cx="5781029" cy="1413135"/>
-          </a:xfrm>
-          <a:prstGeom prst="rect">
-            <a:avLst/>
-          </a:prstGeom>
-          <a:ln>
-            <a:solidFill>
-              <a:schemeClr val="tx1"/>
-            </a:solidFill>
-          </a:ln>
-        </p:spPr>
-      </p:pic>
+      <p:sp>
+        <p:nvSpPr>
+          <p:cNvPr id="4" name="Rectangle 3">
+            <a:extLst>
+              <a:ext uri="{FF2B5EF4-FFF2-40B4-BE49-F238E27FC236}">
+                <a16:creationId xmlns:a16="http://schemas.microsoft.com/office/drawing/2014/main" id="{2AC5AAD4-AC44-4912-B68F-4945E2958B33}"/>
+              </a:ext>
+            </a:extLst>
+          </p:cNvPr>
+          <p:cNvSpPr/>
+          <p:nvPr/>
+        </p:nvSpPr>
+        <p:spPr>
+          <a:xfrm>
+            <a:off x="3328157" y="1465117"/>
+            <a:ext cx="5535683" cy="2554545"/>
+          </a:xfrm>
+          <a:prstGeom prst="rect">
+            <a:avLst/>
+          </a:prstGeom>
+          <a:noFill/>
+        </p:spPr>
+        <p:txBody>
+          <a:bodyPr wrap="none" lIns="91440" tIns="45720" rIns="91440" bIns="45720">
+            <a:spAutoFit/>
+          </a:bodyPr>
+          <a:lstStyle/>
+          <a:p>
+            <a:pPr algn="ctr"/>
+            <a:r>
+              <a:rPr lang="en-US" sz="8000" b="1" spc="300" dirty="0">
+                <a:ln w="0"/>
+                <a:solidFill>
+                  <a:srgbClr val="7030A0"/>
+                </a:solidFill>
+                <a:effectLst>
+                  <a:innerShdw blurRad="63500" dist="50800" dir="13500000">
+                    <a:srgbClr val="000000">
+                      <a:alpha val="50000"/>
+                    </a:srgbClr>
+                  </a:innerShdw>
+                </a:effectLst>
+              </a:rPr>
+              <a:t>LAMBDA </a:t>
+            </a:r>
+          </a:p>
+          <a:p>
+            <a:pPr algn="ctr"/>
+            <a:r>
+              <a:rPr lang="en-US" sz="8000" b="1" spc="300" dirty="0">
+                <a:ln w="0"/>
+                <a:solidFill>
+                  <a:srgbClr val="7030A0"/>
+                </a:solidFill>
+                <a:effectLst>
+                  <a:innerShdw blurRad="63500" dist="50800" dir="13500000">
+                    <a:srgbClr val="000000">
+                      <a:alpha val="50000"/>
+                    </a:srgbClr>
+                  </a:innerShdw>
+                </a:effectLst>
+              </a:rPr>
+              <a:t>FUNCTIONS</a:t>
+            </a:r>
+          </a:p>
+        </p:txBody>
+      </p:sp>
+      <p:sp>
+        <p:nvSpPr>
+          <p:cNvPr id="5" name="Rectangle 4">
+            <a:extLst>
+              <a:ext uri="{FF2B5EF4-FFF2-40B4-BE49-F238E27FC236}">
+                <a16:creationId xmlns:a16="http://schemas.microsoft.com/office/drawing/2014/main" id="{DD4BAAC6-11B4-A99C-ABA2-3D4C6EC857AE}"/>
+              </a:ext>
+            </a:extLst>
+          </p:cNvPr>
+          <p:cNvSpPr/>
+          <p:nvPr/>
+        </p:nvSpPr>
+        <p:spPr>
+          <a:xfrm>
+            <a:off x="536863" y="4428942"/>
+            <a:ext cx="11118273" cy="1569660"/>
+          </a:xfrm>
+          <a:prstGeom prst="rect">
+            <a:avLst/>
+          </a:prstGeom>
+          <a:noFill/>
+        </p:spPr>
+        <p:txBody>
+          <a:bodyPr wrap="square" lIns="91440" tIns="45720" rIns="91440" bIns="45720">
+            <a:spAutoFit/>
+          </a:bodyPr>
+          <a:lstStyle/>
+          <a:p>
+            <a:pPr algn="ctr">
+              <a:spcAft>
+                <a:spcPts val="500"/>
+              </a:spcAft>
+            </a:pPr>
+            <a:r>
+              <a:rPr lang="en-US" sz="3200" b="0" i="0" dirty="0">
+                <a:effectLst/>
+                <a:latin typeface="-apple-system"/>
+              </a:rPr>
+              <a:t>Lambda functions are defined inline functions without a formal name. They are typically used for small, simple tasks and fit on a single line of code.</a:t>
+            </a:r>
+            <a:endParaRPr lang="en-US" sz="3200" b="0" cap="none" spc="0" dirty="0">
+              <a:ln w="0"/>
+              <a:effectLst>
+                <a:outerShdw blurRad="38100" dist="19050" dir="2700000" algn="tl" rotWithShape="0">
+                  <a:schemeClr val="dk1">
+                    <a:alpha val="40000"/>
+                  </a:schemeClr>
+                </a:outerShdw>
+              </a:effectLst>
+            </a:endParaRPr>
+          </a:p>
+        </p:txBody>
+      </p:sp>
     </p:spTree>
     <p:extLst>
       <p:ext uri="{BB962C8B-B14F-4D97-AF65-F5344CB8AC3E}">
-        <p14:creationId xmlns:p14="http://schemas.microsoft.com/office/powerpoint/2010/main" val="975359267"/>
+        <p14:creationId xmlns:p14="http://schemas.microsoft.com/office/powerpoint/2010/main" val="3015936181"/>
       </p:ext>
     </p:extLst>
   </p:cSld>
@@ -4191,10 +4099,10 @@
       </p:grpSpPr>
       <p:pic>
         <p:nvPicPr>
-          <p:cNvPr id="3" name="Picture 2">
-            <a:extLst>
-              <a:ext uri="{FF2B5EF4-FFF2-40B4-BE49-F238E27FC236}">
-                <a16:creationId xmlns:a16="http://schemas.microsoft.com/office/drawing/2014/main" id="{6AA61DFC-6864-C4D6-DCAB-E661496E9B04}"/>
+          <p:cNvPr id="4" name="Picture 3">
+            <a:extLst>
+              <a:ext uri="{FF2B5EF4-FFF2-40B4-BE49-F238E27FC236}">
+                <a16:creationId xmlns:a16="http://schemas.microsoft.com/office/drawing/2014/main" id="{1575261E-EA14-B66A-AD2B-B3886FBB4661}"/>
               </a:ext>
             </a:extLst>
           </p:cNvPr>
@@ -4203,16 +4111,15 @@
           </p:cNvPicPr>
           <p:nvPr/>
         </p:nvPicPr>
-        <p:blipFill>
+        <p:blipFill rotWithShape="1">
           <a:blip r:embed="rId2"/>
-          <a:stretch>
-            <a:fillRect/>
-          </a:stretch>
+          <a:srcRect t="1577" b="15412"/>
+          <a:stretch/>
         </p:blipFill>
         <p:spPr>
           <a:xfrm>
-            <a:off x="0" y="6880"/>
-            <a:ext cx="12192000" cy="1458237"/>
+            <a:off x="2239486" y="0"/>
+            <a:ext cx="9952514" cy="6858000"/>
           </a:xfrm>
           <a:prstGeom prst="rect">
             <a:avLst/>
@@ -4221,10 +4128,10 @@
       </p:pic>
       <p:sp>
         <p:nvSpPr>
-          <p:cNvPr id="4" name="Rectangle 3">
-            <a:extLst>
-              <a:ext uri="{FF2B5EF4-FFF2-40B4-BE49-F238E27FC236}">
-                <a16:creationId xmlns:a16="http://schemas.microsoft.com/office/drawing/2014/main" id="{2AC5AAD4-AC44-4912-B68F-4945E2958B33}"/>
+          <p:cNvPr id="5" name="Rectangle 4">
+            <a:extLst>
+              <a:ext uri="{FF2B5EF4-FFF2-40B4-BE49-F238E27FC236}">
+                <a16:creationId xmlns:a16="http://schemas.microsoft.com/office/drawing/2014/main" id="{52BC2B08-72D0-E903-704F-F067339AB428}"/>
               </a:ext>
             </a:extLst>
           </p:cNvPr>
@@ -4233,8 +4140,8 @@
         </p:nvSpPr>
         <p:spPr>
           <a:xfrm>
-            <a:off x="1901324" y="1465117"/>
-            <a:ext cx="8389349" cy="2554545"/>
+            <a:off x="250215" y="135645"/>
+            <a:ext cx="3058851" cy="2585323"/>
           </a:xfrm>
           <a:prstGeom prst="rect">
             <a:avLst/>
@@ -4244,105 +4151,71 @@
         <p:txBody>
           <a:bodyPr wrap="none" lIns="91440" tIns="45720" rIns="91440" bIns="45720">
             <a:spAutoFit/>
+            <a:scene3d>
+              <a:camera prst="orthographicFront"/>
+              <a:lightRig rig="soft" dir="t">
+                <a:rot lat="0" lon="0" rev="15600000"/>
+              </a:lightRig>
+            </a:scene3d>
+            <a:sp3d extrusionH="57150" prstMaterial="softEdge">
+              <a:bevelT w="25400" h="38100"/>
+            </a:sp3d>
           </a:bodyPr>
           <a:lstStyle/>
           <a:p>
             <a:pPr algn="ctr"/>
             <a:r>
-              <a:rPr lang="en-US" sz="8000" b="1" spc="300" dirty="0">
-                <a:ln w="0"/>
+              <a:rPr lang="en-US" sz="5400" b="1" dirty="0">
+                <a:ln>
+                  <a:solidFill>
+                    <a:srgbClr val="721B83"/>
+                  </a:solidFill>
+                </a:ln>
                 <a:solidFill>
-                  <a:srgbClr val="7030A0"/>
+                  <a:srgbClr val="C08CD0"/>
                 </a:solidFill>
-                <a:effectLst>
-                  <a:innerShdw blurRad="63500" dist="50800" dir="13500000">
-                    <a:srgbClr val="000000">
-                      <a:alpha val="50000"/>
-                    </a:srgbClr>
-                  </a:innerShdw>
-                </a:effectLst>
               </a:rPr>
-              <a:t>LIST </a:t>
+              <a:t>Syntax of</a:t>
             </a:r>
           </a:p>
           <a:p>
             <a:pPr algn="ctr"/>
             <a:r>
-              <a:rPr lang="en-US" sz="8000" b="1" spc="300" dirty="0">
-                <a:ln w="0"/>
+              <a:rPr lang="en-US" sz="5400" b="1" dirty="0">
+                <a:ln>
+                  <a:solidFill>
+                    <a:srgbClr val="721B83"/>
+                  </a:solidFill>
+                </a:ln>
                 <a:solidFill>
-                  <a:srgbClr val="7030A0"/>
+                  <a:srgbClr val="C08CD0"/>
                 </a:solidFill>
-                <a:effectLst>
-                  <a:innerShdw blurRad="63500" dist="50800" dir="13500000">
-                    <a:srgbClr val="000000">
-                      <a:alpha val="50000"/>
-                    </a:srgbClr>
-                  </a:innerShdw>
-                </a:effectLst>
               </a:rPr>
-              <a:t>COMPREHENSION</a:t>
-            </a:r>
-          </a:p>
-        </p:txBody>
-      </p:sp>
-      <p:sp>
-        <p:nvSpPr>
-          <p:cNvPr id="5" name="Rectangle 4">
-            <a:extLst>
-              <a:ext uri="{FF2B5EF4-FFF2-40B4-BE49-F238E27FC236}">
-                <a16:creationId xmlns:a16="http://schemas.microsoft.com/office/drawing/2014/main" id="{DD4BAAC6-11B4-A99C-ABA2-3D4C6EC857AE}"/>
-              </a:ext>
-            </a:extLst>
-          </p:cNvPr>
-          <p:cNvSpPr/>
-          <p:nvPr/>
-        </p:nvSpPr>
-        <p:spPr>
-          <a:xfrm>
-            <a:off x="536863" y="4420375"/>
-            <a:ext cx="11118273" cy="1569660"/>
-          </a:xfrm>
-          <a:prstGeom prst="rect">
-            <a:avLst/>
-          </a:prstGeom>
-          <a:noFill/>
-        </p:spPr>
-        <p:txBody>
-          <a:bodyPr wrap="square" lIns="91440" tIns="45720" rIns="91440" bIns="45720">
-            <a:spAutoFit/>
-          </a:bodyPr>
-          <a:lstStyle/>
-          <a:p>
-            <a:pPr algn="ctr">
-              <a:spcAft>
-                <a:spcPts val="500"/>
-              </a:spcAft>
-            </a:pPr>
-            <a:r>
-              <a:rPr lang="en-US" sz="3200" b="0" i="0" dirty="0">
-                <a:effectLst/>
-                <a:latin typeface="-apple-system"/>
+              <a:t>Lambda</a:t>
+            </a:r>
+          </a:p>
+          <a:p>
+            <a:pPr algn="ctr"/>
+            <a:r>
+              <a:rPr lang="en-US" sz="5400" b="1" dirty="0">
+                <a:ln>
+                  <a:solidFill>
+                    <a:srgbClr val="721B83"/>
+                  </a:solidFill>
+                </a:ln>
+                <a:solidFill>
+                  <a:srgbClr val="C08CD0"/>
+                </a:solidFill>
               </a:rPr>
-              <a:t>List comprehension generates a new list by applying an expression (sum, multiply etc) to each item in an existing iterable (like a list, tuple, or range) and filtering the items based on a condition.</a:t>
-            </a:r>
-            <a:endParaRPr lang="en-US" sz="3200" b="0" cap="none" spc="0" dirty="0">
-              <a:ln w="0"/>
-              <a:effectLst>
-                <a:outerShdw blurRad="38100" dist="19050" dir="2700000" algn="tl" rotWithShape="0">
-                  <a:schemeClr val="dk1">
-                    <a:alpha val="40000"/>
-                  </a:schemeClr>
-                </a:outerShdw>
-              </a:effectLst>
-            </a:endParaRPr>
+              <a:t>Function -</a:t>
+            </a:r>
           </a:p>
         </p:txBody>
       </p:sp>
     </p:spTree>
     <p:extLst>
       <p:ext uri="{BB962C8B-B14F-4D97-AF65-F5344CB8AC3E}">
-        <p14:creationId xmlns:p14="http://schemas.microsoft.com/office/powerpoint/2010/main" val="1852547105"/>
+        <p14:creationId xmlns:p14="http://schemas.microsoft.com/office/powerpoint/2010/main" val="3418800813"/>
       </p:ext>
     </p:extLst>
   </p:cSld>
@@ -4374,7 +4247,7 @@
           <p:cNvPr id="2" name="TextBox 1">
             <a:extLst>
               <a:ext uri="{FF2B5EF4-FFF2-40B4-BE49-F238E27FC236}">
-                <a16:creationId xmlns:a16="http://schemas.microsoft.com/office/drawing/2014/main" id="{2DFE2BFE-58AD-138A-1FA9-2FA556B16BA0}"/>
+                <a16:creationId xmlns:a16="http://schemas.microsoft.com/office/drawing/2014/main" id="{454534E5-7DA3-4DD6-9647-97A67EB7936A}"/>
               </a:ext>
             </a:extLst>
           </p:cNvPr>
@@ -4383,8 +4256,8 @@
         </p:nvSpPr>
         <p:spPr>
           <a:xfrm>
-            <a:off x="2697635" y="255174"/>
-            <a:ext cx="6796729" cy="646331"/>
+            <a:off x="2907709" y="255174"/>
+            <a:ext cx="6376581" cy="646331"/>
           </a:xfrm>
           <a:prstGeom prst="rect">
             <a:avLst/>
@@ -4417,7 +4290,7 @@
                   </a:outerShdw>
                 </a:effectLst>
               </a:rPr>
-              <a:t>Examples of List Comprehension -</a:t>
+              <a:t>Examples of Lambda Functions -</a:t>
             </a:r>
             <a:endParaRPr lang="en-US" sz="3600" b="0" cap="none" spc="0" dirty="0">
               <a:ln w="13462">
@@ -4447,7 +4320,7 @@
           <p:cNvPr id="4" name="Picture 3">
             <a:extLst>
               <a:ext uri="{FF2B5EF4-FFF2-40B4-BE49-F238E27FC236}">
-                <a16:creationId xmlns:a16="http://schemas.microsoft.com/office/drawing/2014/main" id="{A61313DA-8179-FD52-BB4E-67B56F6985EA}"/>
+                <a16:creationId xmlns:a16="http://schemas.microsoft.com/office/drawing/2014/main" id="{28B90C82-5E2B-DEAD-3522-C05E7983EB52}"/>
               </a:ext>
             </a:extLst>
           </p:cNvPr>
@@ -4464,8 +4337,8 @@
         </p:blipFill>
         <p:spPr>
           <a:xfrm>
-            <a:off x="938464" y="1358079"/>
-            <a:ext cx="10586963" cy="1468660"/>
+            <a:off x="169867" y="1532039"/>
+            <a:ext cx="5781029" cy="1220993"/>
           </a:xfrm>
           <a:prstGeom prst="rect">
             <a:avLst/>
@@ -4482,7 +4355,7 @@
           <p:cNvPr id="6" name="Picture 5">
             <a:extLst>
               <a:ext uri="{FF2B5EF4-FFF2-40B4-BE49-F238E27FC236}">
-                <a16:creationId xmlns:a16="http://schemas.microsoft.com/office/drawing/2014/main" id="{9A49335D-0866-18E4-AE75-258FE793394C}"/>
+                <a16:creationId xmlns:a16="http://schemas.microsoft.com/office/drawing/2014/main" id="{FE8EA83D-45F1-BC86-BB3D-8A501651281E}"/>
               </a:ext>
             </a:extLst>
           </p:cNvPr>
@@ -4499,8 +4372,8 @@
         </p:blipFill>
         <p:spPr>
           <a:xfrm>
-            <a:off x="176982" y="3275644"/>
-            <a:ext cx="5783071" cy="1173138"/>
+            <a:off x="169865" y="3225305"/>
+            <a:ext cx="5781029" cy="1744135"/>
           </a:xfrm>
           <a:prstGeom prst="rect">
             <a:avLst/>
@@ -4517,7 +4390,7 @@
           <p:cNvPr id="8" name="Picture 7">
             <a:extLst>
               <a:ext uri="{FF2B5EF4-FFF2-40B4-BE49-F238E27FC236}">
-                <a16:creationId xmlns:a16="http://schemas.microsoft.com/office/drawing/2014/main" id="{84A9C208-AEED-1662-35AD-CEB97023A1AB}"/>
+                <a16:creationId xmlns:a16="http://schemas.microsoft.com/office/drawing/2014/main" id="{D351FF72-80AE-2264-4AC4-3F158A761124}"/>
               </a:ext>
             </a:extLst>
           </p:cNvPr>
@@ -4534,8 +4407,8 @@
         </p:blipFill>
         <p:spPr>
           <a:xfrm>
-            <a:off x="176982" y="4948614"/>
-            <a:ext cx="5783071" cy="1378911"/>
+            <a:off x="169865" y="5441713"/>
+            <a:ext cx="5781029" cy="1003319"/>
           </a:xfrm>
           <a:prstGeom prst="rect">
             <a:avLst/>
@@ -4552,7 +4425,7 @@
           <p:cNvPr id="10" name="Picture 9">
             <a:extLst>
               <a:ext uri="{FF2B5EF4-FFF2-40B4-BE49-F238E27FC236}">
-                <a16:creationId xmlns:a16="http://schemas.microsoft.com/office/drawing/2014/main" id="{E24B1167-FFD8-A294-383F-70E687F32234}"/>
+                <a16:creationId xmlns:a16="http://schemas.microsoft.com/office/drawing/2014/main" id="{3630B486-88D1-9F1E-61A1-242D87137EFD}"/>
               </a:ext>
             </a:extLst>
           </p:cNvPr>
@@ -4569,8 +4442,8 @@
         </p:blipFill>
         <p:spPr>
           <a:xfrm>
-            <a:off x="6231946" y="3275644"/>
-            <a:ext cx="5783071" cy="1280270"/>
+            <a:off x="6174822" y="2589099"/>
+            <a:ext cx="5781029" cy="1037973"/>
           </a:xfrm>
           <a:prstGeom prst="rect">
             <a:avLst/>
@@ -4587,7 +4460,7 @@
           <p:cNvPr id="12" name="Picture 11">
             <a:extLst>
               <a:ext uri="{FF2B5EF4-FFF2-40B4-BE49-F238E27FC236}">
-                <a16:creationId xmlns:a16="http://schemas.microsoft.com/office/drawing/2014/main" id="{68DE47FF-D0B3-E4E6-FBE5-D6EC6492F52C}"/>
+                <a16:creationId xmlns:a16="http://schemas.microsoft.com/office/drawing/2014/main" id="{3F14D3CE-2647-A415-7806-03018B4BA12E}"/>
               </a:ext>
             </a:extLst>
           </p:cNvPr>
@@ -4604,8 +4477,8 @@
         </p:blipFill>
         <p:spPr>
           <a:xfrm>
-            <a:off x="6231946" y="4948614"/>
-            <a:ext cx="5783071" cy="1306734"/>
+            <a:off x="6174823" y="4145653"/>
+            <a:ext cx="5781029" cy="1413135"/>
           </a:xfrm>
           <a:prstGeom prst="rect">
             <a:avLst/>
@@ -4620,7 +4493,7 @@
     </p:spTree>
     <p:extLst>
       <p:ext uri="{BB962C8B-B14F-4D97-AF65-F5344CB8AC3E}">
-        <p14:creationId xmlns:p14="http://schemas.microsoft.com/office/powerpoint/2010/main" val="3412175503"/>
+        <p14:creationId xmlns:p14="http://schemas.microsoft.com/office/powerpoint/2010/main" val="975359267"/>
       </p:ext>
     </p:extLst>
   </p:cSld>
@@ -4691,8 +4564,8 @@
         </p:nvSpPr>
         <p:spPr>
           <a:xfrm>
-            <a:off x="2737643" y="1977742"/>
-            <a:ext cx="6716711" cy="1323439"/>
+            <a:off x="1901324" y="1465117"/>
+            <a:ext cx="8389349" cy="2554545"/>
           </a:xfrm>
           <a:prstGeom prst="rect">
             <a:avLst/>
@@ -4720,7 +4593,26 @@
                   </a:innerShdw>
                 </a:effectLst>
               </a:rPr>
-              <a:t>DICTIONARIES</a:t>
+              <a:t>LIST </a:t>
+            </a:r>
+          </a:p>
+          <a:p>
+            <a:pPr algn="ctr"/>
+            <a:r>
+              <a:rPr lang="en-US" sz="8000" b="1" spc="300" dirty="0">
+                <a:ln w="0"/>
+                <a:solidFill>
+                  <a:srgbClr val="7030A0"/>
+                </a:solidFill>
+                <a:effectLst>
+                  <a:innerShdw blurRad="63500" dist="50800" dir="13500000">
+                    <a:srgbClr val="000000">
+                      <a:alpha val="50000"/>
+                    </a:srgbClr>
+                  </a:innerShdw>
+                </a:effectLst>
+              </a:rPr>
+              <a:t>COMPREHENSION</a:t>
             </a:r>
           </a:p>
         </p:txBody>
@@ -4739,8 +4631,8 @@
         </p:nvSpPr>
         <p:spPr>
           <a:xfrm>
-            <a:off x="536863" y="3858673"/>
-            <a:ext cx="11118273" cy="2062103"/>
+            <a:off x="536863" y="4420375"/>
+            <a:ext cx="11118273" cy="1569660"/>
           </a:xfrm>
           <a:prstGeom prst="rect">
             <a:avLst/>
@@ -4763,7 +4655,7 @@
                 <a:effectLst/>
                 <a:latin typeface="-apple-system"/>
               </a:rPr>
-              <a:t>Dictionaries are collections of key-value pairs, where each key is unique and refers to a respective value. Value associated with a key can be accessed by using square brackets [] with the key inside.</a:t>
+              <a:t>List comprehension generates a new list by applying an expression (sum, multiply etc) to each item in an existing iterable (like a list, tuple, or range) and filtering the items based on a condition.</a:t>
             </a:r>
             <a:endParaRPr lang="en-US" sz="3200" b="0" cap="none" spc="0" dirty="0">
               <a:ln w="0"/>
@@ -4781,7 +4673,7 @@
     </p:spTree>
     <p:extLst>
       <p:ext uri="{BB962C8B-B14F-4D97-AF65-F5344CB8AC3E}">
-        <p14:creationId xmlns:p14="http://schemas.microsoft.com/office/powerpoint/2010/main" val="1794919648"/>
+        <p14:creationId xmlns:p14="http://schemas.microsoft.com/office/powerpoint/2010/main" val="1852547105"/>
       </p:ext>
     </p:extLst>
   </p:cSld>
@@ -4808,85 +4700,12 @@
           <a:chExt cx="0" cy="0"/>
         </a:xfrm>
       </p:grpSpPr>
-      <p:sp>
-        <p:nvSpPr>
-          <p:cNvPr id="2" name="TextBox 1">
-            <a:extLst>
-              <a:ext uri="{FF2B5EF4-FFF2-40B4-BE49-F238E27FC236}">
-                <a16:creationId xmlns:a16="http://schemas.microsoft.com/office/drawing/2014/main" id="{0CA8FCA6-90B0-1B24-F905-5843D401673F}"/>
-              </a:ext>
-            </a:extLst>
-          </p:cNvPr>
-          <p:cNvSpPr txBox="1"/>
-          <p:nvPr/>
-        </p:nvSpPr>
-        <p:spPr>
-          <a:xfrm>
-            <a:off x="2697635" y="255174"/>
-            <a:ext cx="6796729" cy="646331"/>
-          </a:xfrm>
-          <a:prstGeom prst="rect">
-            <a:avLst/>
-          </a:prstGeom>
-          <a:noFill/>
-        </p:spPr>
-        <p:txBody>
-          <a:bodyPr wrap="square">
-            <a:spAutoFit/>
-          </a:bodyPr>
-          <a:lstStyle/>
-          <a:p>
-            <a:pPr algn="ctr"/>
-            <a:r>
-              <a:rPr lang="en-US" sz="3600" b="1" dirty="0">
-                <a:ln w="13462">
-                  <a:solidFill>
-                    <a:schemeClr val="bg1">
-                      <a:lumMod val="85000"/>
-                    </a:schemeClr>
-                  </a:solidFill>
-                  <a:prstDash val="solid"/>
-                </a:ln>
-                <a:solidFill>
-                  <a:srgbClr val="7030A0"/>
-                </a:solidFill>
-                <a:effectLst>
-                  <a:outerShdw dist="38100" dir="2700000" algn="bl" rotWithShape="0">
-                    <a:schemeClr val="accent5"/>
-                  </a:outerShdw>
-                </a:effectLst>
-              </a:rPr>
-              <a:t>Examples of Dictionaries -</a:t>
-            </a:r>
-            <a:endParaRPr lang="en-US" sz="3600" b="0" cap="none" spc="0" dirty="0">
-              <a:ln w="13462">
-                <a:solidFill>
-                  <a:schemeClr val="bg1">
-                    <a:lumMod val="85000"/>
-                  </a:schemeClr>
-                </a:solidFill>
-                <a:prstDash val="solid"/>
-              </a:ln>
-              <a:solidFill>
-                <a:srgbClr val="7030A0"/>
-              </a:solidFill>
-              <a:effectLst>
-                <a:outerShdw blurRad="38100" dist="25400" dir="5400000" algn="ctr" rotWithShape="0">
-                  <a:srgbClr val="6E747A">
-                    <a:alpha val="43000"/>
-                  </a:srgbClr>
-                </a:outerShdw>
-              </a:effectLst>
-            </a:endParaRPr>
-          </a:p>
-        </p:txBody>
-      </p:sp>
       <p:pic>
         <p:nvPicPr>
-          <p:cNvPr id="4" name="Picture 3">
-            <a:extLst>
-              <a:ext uri="{FF2B5EF4-FFF2-40B4-BE49-F238E27FC236}">
-                <a16:creationId xmlns:a16="http://schemas.microsoft.com/office/drawing/2014/main" id="{52173FD6-43BE-C6A2-CE59-6C690AF9E166}"/>
+          <p:cNvPr id="2" name="Picture 1">
+            <a:extLst>
+              <a:ext uri="{FF2B5EF4-FFF2-40B4-BE49-F238E27FC236}">
+                <a16:creationId xmlns:a16="http://schemas.microsoft.com/office/drawing/2014/main" id="{0ACFF9BA-FC64-5F2E-6300-C06EE0E5642C}"/>
               </a:ext>
             </a:extLst>
           </p:cNvPr>
@@ -4903,163 +4722,88 @@
         </p:blipFill>
         <p:spPr>
           <a:xfrm>
-            <a:off x="217670" y="1485465"/>
-            <a:ext cx="5740678" cy="1265031"/>
-          </a:xfrm>
-          <a:prstGeom prst="rect">
-            <a:avLst/>
-          </a:prstGeom>
-          <a:ln>
-            <a:solidFill>
-              <a:schemeClr val="tx1"/>
-            </a:solidFill>
-          </a:ln>
+            <a:off x="1524000" y="857250"/>
+            <a:ext cx="10668000" cy="6000750"/>
+          </a:xfrm>
+          <a:prstGeom prst="rect">
+            <a:avLst/>
+          </a:prstGeom>
         </p:spPr>
       </p:pic>
-      <p:pic>
-        <p:nvPicPr>
-          <p:cNvPr id="6" name="Picture 5">
-            <a:extLst>
-              <a:ext uri="{FF2B5EF4-FFF2-40B4-BE49-F238E27FC236}">
-                <a16:creationId xmlns:a16="http://schemas.microsoft.com/office/drawing/2014/main" id="{3FD55CF8-CC35-160F-939C-DEFE36F54E6D}"/>
-              </a:ext>
-            </a:extLst>
-          </p:cNvPr>
-          <p:cNvPicPr>
-            <a:picLocks noChangeAspect="1"/>
-          </p:cNvPicPr>
-          <p:nvPr/>
-        </p:nvPicPr>
-        <p:blipFill>
-          <a:blip r:embed="rId3"/>
-          <a:stretch>
-            <a:fillRect/>
-          </a:stretch>
-        </p:blipFill>
-        <p:spPr>
-          <a:xfrm>
-            <a:off x="217670" y="3291021"/>
-            <a:ext cx="5740678" cy="1164383"/>
-          </a:xfrm>
-          <a:prstGeom prst="rect">
-            <a:avLst/>
-          </a:prstGeom>
-          <a:ln>
-            <a:solidFill>
-              <a:schemeClr val="tx1"/>
-            </a:solidFill>
-          </a:ln>
-        </p:spPr>
-      </p:pic>
-      <p:pic>
-        <p:nvPicPr>
-          <p:cNvPr id="8" name="Picture 7">
-            <a:extLst>
-              <a:ext uri="{FF2B5EF4-FFF2-40B4-BE49-F238E27FC236}">
-                <a16:creationId xmlns:a16="http://schemas.microsoft.com/office/drawing/2014/main" id="{B4A3F949-03BE-D75A-135F-2CEA94040B9F}"/>
-              </a:ext>
-            </a:extLst>
-          </p:cNvPr>
-          <p:cNvPicPr>
-            <a:picLocks noChangeAspect="1"/>
-          </p:cNvPicPr>
-          <p:nvPr/>
-        </p:nvPicPr>
-        <p:blipFill>
-          <a:blip r:embed="rId4"/>
-          <a:stretch>
-            <a:fillRect/>
-          </a:stretch>
-        </p:blipFill>
-        <p:spPr>
-          <a:xfrm>
-            <a:off x="217670" y="4936938"/>
-            <a:ext cx="5740678" cy="1091203"/>
-          </a:xfrm>
-          <a:prstGeom prst="rect">
-            <a:avLst/>
-          </a:prstGeom>
-          <a:ln>
-            <a:solidFill>
-              <a:schemeClr val="tx1"/>
-            </a:solidFill>
-          </a:ln>
-        </p:spPr>
-      </p:pic>
-      <p:pic>
-        <p:nvPicPr>
-          <p:cNvPr id="10" name="Picture 9">
-            <a:extLst>
-              <a:ext uri="{FF2B5EF4-FFF2-40B4-BE49-F238E27FC236}">
-                <a16:creationId xmlns:a16="http://schemas.microsoft.com/office/drawing/2014/main" id="{82722E4B-654F-9033-A143-92C52D71CEC9}"/>
-              </a:ext>
-            </a:extLst>
-          </p:cNvPr>
-          <p:cNvPicPr>
-            <a:picLocks noChangeAspect="1"/>
-          </p:cNvPicPr>
-          <p:nvPr/>
-        </p:nvPicPr>
-        <p:blipFill>
-          <a:blip r:embed="rId5"/>
-          <a:stretch>
-            <a:fillRect/>
-          </a:stretch>
-        </p:blipFill>
-        <p:spPr>
-          <a:xfrm>
-            <a:off x="6238259" y="1725018"/>
-            <a:ext cx="5736070" cy="1772812"/>
-          </a:xfrm>
-          <a:prstGeom prst="rect">
-            <a:avLst/>
-          </a:prstGeom>
-          <a:ln>
-            <a:solidFill>
-              <a:schemeClr val="tx1"/>
-            </a:solidFill>
-          </a:ln>
-        </p:spPr>
-      </p:pic>
-      <p:pic>
-        <p:nvPicPr>
-          <p:cNvPr id="12" name="Picture 11">
-            <a:extLst>
-              <a:ext uri="{FF2B5EF4-FFF2-40B4-BE49-F238E27FC236}">
-                <a16:creationId xmlns:a16="http://schemas.microsoft.com/office/drawing/2014/main" id="{1CB4426A-FC3F-DB3C-7707-681888A7181C}"/>
-              </a:ext>
-            </a:extLst>
-          </p:cNvPr>
-          <p:cNvPicPr>
-            <a:picLocks noChangeAspect="1"/>
-          </p:cNvPicPr>
-          <p:nvPr/>
-        </p:nvPicPr>
-        <p:blipFill>
-          <a:blip r:embed="rId6"/>
-          <a:stretch>
-            <a:fillRect/>
-          </a:stretch>
-        </p:blipFill>
-        <p:spPr>
-          <a:xfrm>
-            <a:off x="6238259" y="3976609"/>
-            <a:ext cx="5736070" cy="1835225"/>
-          </a:xfrm>
-          <a:prstGeom prst="rect">
-            <a:avLst/>
-          </a:prstGeom>
-          <a:ln>
-            <a:solidFill>
-              <a:schemeClr val="tx1"/>
-            </a:solidFill>
-          </a:ln>
-        </p:spPr>
-      </p:pic>
+      <p:sp>
+        <p:nvSpPr>
+          <p:cNvPr id="3" name="Rectangle 2">
+            <a:extLst>
+              <a:ext uri="{FF2B5EF4-FFF2-40B4-BE49-F238E27FC236}">
+                <a16:creationId xmlns:a16="http://schemas.microsoft.com/office/drawing/2014/main" id="{33E0DD75-E1E9-C176-9800-2CA58AB3F9F3}"/>
+              </a:ext>
+            </a:extLst>
+          </p:cNvPr>
+          <p:cNvSpPr/>
+          <p:nvPr/>
+        </p:nvSpPr>
+        <p:spPr>
+          <a:xfrm>
+            <a:off x="137648" y="58992"/>
+            <a:ext cx="5094920" cy="1754326"/>
+          </a:xfrm>
+          <a:prstGeom prst="rect">
+            <a:avLst/>
+          </a:prstGeom>
+          <a:noFill/>
+        </p:spPr>
+        <p:txBody>
+          <a:bodyPr wrap="none" lIns="91440" tIns="45720" rIns="91440" bIns="45720">
+            <a:spAutoFit/>
+            <a:scene3d>
+              <a:camera prst="orthographicFront"/>
+              <a:lightRig rig="soft" dir="t">
+                <a:rot lat="0" lon="0" rev="15600000"/>
+              </a:lightRig>
+            </a:scene3d>
+            <a:sp3d extrusionH="57150" prstMaterial="softEdge">
+              <a:bevelT w="25400" h="38100"/>
+            </a:sp3d>
+          </a:bodyPr>
+          <a:lstStyle/>
+          <a:p>
+            <a:pPr algn="ctr"/>
+            <a:r>
+              <a:rPr lang="en-US" sz="5400" b="1" dirty="0">
+                <a:ln>
+                  <a:solidFill>
+                    <a:srgbClr val="721B83"/>
+                  </a:solidFill>
+                </a:ln>
+                <a:solidFill>
+                  <a:srgbClr val="C08CD0"/>
+                </a:solidFill>
+              </a:rPr>
+              <a:t>Syntax of List</a:t>
+            </a:r>
+          </a:p>
+          <a:p>
+            <a:pPr algn="ctr"/>
+            <a:r>
+              <a:rPr lang="en-US" sz="5400" b="1" dirty="0">
+                <a:ln>
+                  <a:solidFill>
+                    <a:srgbClr val="721B83"/>
+                  </a:solidFill>
+                </a:ln>
+                <a:solidFill>
+                  <a:srgbClr val="C08CD0"/>
+                </a:solidFill>
+              </a:rPr>
+              <a:t>Comprehension -</a:t>
+            </a:r>
+          </a:p>
+        </p:txBody>
+      </p:sp>
     </p:spTree>
     <p:extLst>
       <p:ext uri="{BB962C8B-B14F-4D97-AF65-F5344CB8AC3E}">
-        <p14:creationId xmlns:p14="http://schemas.microsoft.com/office/powerpoint/2010/main" val="4265320855"/>
+        <p14:creationId xmlns:p14="http://schemas.microsoft.com/office/powerpoint/2010/main" val="1545608102"/>
       </p:ext>
     </p:extLst>
   </p:cSld>
@@ -5086,12 +4830,85 @@
           <a:chExt cx="0" cy="0"/>
         </a:xfrm>
       </p:grpSpPr>
+      <p:sp>
+        <p:nvSpPr>
+          <p:cNvPr id="2" name="TextBox 1">
+            <a:extLst>
+              <a:ext uri="{FF2B5EF4-FFF2-40B4-BE49-F238E27FC236}">
+                <a16:creationId xmlns:a16="http://schemas.microsoft.com/office/drawing/2014/main" id="{2DFE2BFE-58AD-138A-1FA9-2FA556B16BA0}"/>
+              </a:ext>
+            </a:extLst>
+          </p:cNvPr>
+          <p:cNvSpPr txBox="1"/>
+          <p:nvPr/>
+        </p:nvSpPr>
+        <p:spPr>
+          <a:xfrm>
+            <a:off x="2697635" y="255174"/>
+            <a:ext cx="6796729" cy="646331"/>
+          </a:xfrm>
+          <a:prstGeom prst="rect">
+            <a:avLst/>
+          </a:prstGeom>
+          <a:noFill/>
+        </p:spPr>
+        <p:txBody>
+          <a:bodyPr wrap="square">
+            <a:spAutoFit/>
+          </a:bodyPr>
+          <a:lstStyle/>
+          <a:p>
+            <a:pPr algn="ctr"/>
+            <a:r>
+              <a:rPr lang="en-US" sz="3600" b="1" dirty="0">
+                <a:ln w="13462">
+                  <a:solidFill>
+                    <a:schemeClr val="bg1">
+                      <a:lumMod val="85000"/>
+                    </a:schemeClr>
+                  </a:solidFill>
+                  <a:prstDash val="solid"/>
+                </a:ln>
+                <a:solidFill>
+                  <a:srgbClr val="7030A0"/>
+                </a:solidFill>
+                <a:effectLst>
+                  <a:outerShdw dist="38100" dir="2700000" algn="bl" rotWithShape="0">
+                    <a:schemeClr val="accent5"/>
+                  </a:outerShdw>
+                </a:effectLst>
+              </a:rPr>
+              <a:t>Examples of List Comprehension -</a:t>
+            </a:r>
+            <a:endParaRPr lang="en-US" sz="3600" b="0" cap="none" spc="0" dirty="0">
+              <a:ln w="13462">
+                <a:solidFill>
+                  <a:schemeClr val="bg1">
+                    <a:lumMod val="85000"/>
+                  </a:schemeClr>
+                </a:solidFill>
+                <a:prstDash val="solid"/>
+              </a:ln>
+              <a:solidFill>
+                <a:srgbClr val="7030A0"/>
+              </a:solidFill>
+              <a:effectLst>
+                <a:outerShdw blurRad="38100" dist="25400" dir="5400000" algn="ctr" rotWithShape="0">
+                  <a:srgbClr val="6E747A">
+                    <a:alpha val="43000"/>
+                  </a:srgbClr>
+                </a:outerShdw>
+              </a:effectLst>
+            </a:endParaRPr>
+          </a:p>
+        </p:txBody>
+      </p:sp>
       <p:pic>
         <p:nvPicPr>
-          <p:cNvPr id="3" name="Picture 2">
-            <a:extLst>
-              <a:ext uri="{FF2B5EF4-FFF2-40B4-BE49-F238E27FC236}">
-                <a16:creationId xmlns:a16="http://schemas.microsoft.com/office/drawing/2014/main" id="{6AA61DFC-6864-C4D6-DCAB-E661496E9B04}"/>
+          <p:cNvPr id="4" name="Picture 3">
+            <a:extLst>
+              <a:ext uri="{FF2B5EF4-FFF2-40B4-BE49-F238E27FC236}">
+                <a16:creationId xmlns:a16="http://schemas.microsoft.com/office/drawing/2014/main" id="{A61313DA-8179-FD52-BB4E-67B56F6985EA}"/>
               </a:ext>
             </a:extLst>
           </p:cNvPr>
@@ -5108,138 +4925,163 @@
         </p:blipFill>
         <p:spPr>
           <a:xfrm>
-            <a:off x="0" y="6880"/>
-            <a:ext cx="12192000" cy="1458237"/>
-          </a:xfrm>
-          <a:prstGeom prst="rect">
-            <a:avLst/>
-          </a:prstGeom>
+            <a:off x="938464" y="1358079"/>
+            <a:ext cx="10586963" cy="1468660"/>
+          </a:xfrm>
+          <a:prstGeom prst="rect">
+            <a:avLst/>
+          </a:prstGeom>
+          <a:ln>
+            <a:solidFill>
+              <a:schemeClr val="tx1"/>
+            </a:solidFill>
+          </a:ln>
         </p:spPr>
       </p:pic>
-      <p:sp>
-        <p:nvSpPr>
-          <p:cNvPr id="4" name="Rectangle 3">
-            <a:extLst>
-              <a:ext uri="{FF2B5EF4-FFF2-40B4-BE49-F238E27FC236}">
-                <a16:creationId xmlns:a16="http://schemas.microsoft.com/office/drawing/2014/main" id="{2AC5AAD4-AC44-4912-B68F-4945E2958B33}"/>
-              </a:ext>
-            </a:extLst>
-          </p:cNvPr>
-          <p:cNvSpPr/>
-          <p:nvPr/>
-        </p:nvSpPr>
-        <p:spPr>
-          <a:xfrm>
-            <a:off x="3328157" y="628651"/>
-            <a:ext cx="5535683" cy="2554545"/>
-          </a:xfrm>
-          <a:prstGeom prst="rect">
-            <a:avLst/>
-          </a:prstGeom>
-          <a:noFill/>
-        </p:spPr>
-        <p:txBody>
-          <a:bodyPr wrap="none" lIns="91440" tIns="45720" rIns="91440" bIns="45720">
-            <a:spAutoFit/>
-          </a:bodyPr>
-          <a:lstStyle/>
-          <a:p>
-            <a:pPr algn="ctr"/>
-            <a:r>
-              <a:rPr lang="en-US" sz="8000" b="1" spc="300" dirty="0">
-                <a:ln w="0"/>
-                <a:solidFill>
-                  <a:srgbClr val="7030A0"/>
-                </a:solidFill>
-                <a:effectLst>
-                  <a:innerShdw blurRad="63500" dist="50800" dir="13500000">
-                    <a:srgbClr val="000000">
-                      <a:alpha val="50000"/>
-                    </a:srgbClr>
-                  </a:innerShdw>
-                </a:effectLst>
-              </a:rPr>
-              <a:t>BUILT-IN</a:t>
-            </a:r>
-          </a:p>
-          <a:p>
-            <a:pPr algn="ctr"/>
-            <a:r>
-              <a:rPr lang="en-US" sz="8000" b="1" spc="300" dirty="0">
-                <a:ln w="0"/>
-                <a:solidFill>
-                  <a:srgbClr val="7030A0"/>
-                </a:solidFill>
-                <a:effectLst>
-                  <a:innerShdw blurRad="63500" dist="50800" dir="13500000">
-                    <a:srgbClr val="000000">
-                      <a:alpha val="50000"/>
-                    </a:srgbClr>
-                  </a:innerShdw>
-                </a:effectLst>
-              </a:rPr>
-              <a:t>FUNCTIONS</a:t>
-            </a:r>
-          </a:p>
-        </p:txBody>
-      </p:sp>
-      <p:sp>
-        <p:nvSpPr>
-          <p:cNvPr id="5" name="Rectangle 4">
-            <a:extLst>
-              <a:ext uri="{FF2B5EF4-FFF2-40B4-BE49-F238E27FC236}">
-                <a16:creationId xmlns:a16="http://schemas.microsoft.com/office/drawing/2014/main" id="{DD4BAAC6-11B4-A99C-ABA2-3D4C6EC857AE}"/>
-              </a:ext>
-            </a:extLst>
-          </p:cNvPr>
-          <p:cNvSpPr/>
-          <p:nvPr/>
-        </p:nvSpPr>
-        <p:spPr>
-          <a:xfrm>
-            <a:off x="536861" y="3062260"/>
-            <a:ext cx="11118273" cy="3539430"/>
-          </a:xfrm>
-          <a:prstGeom prst="rect">
-            <a:avLst/>
-          </a:prstGeom>
-          <a:noFill/>
-        </p:spPr>
-        <p:txBody>
-          <a:bodyPr wrap="square" lIns="91440" tIns="45720" rIns="91440" bIns="45720">
-            <a:spAutoFit/>
-          </a:bodyPr>
-          <a:lstStyle/>
-          <a:p>
-            <a:pPr algn="ctr">
-              <a:spcAft>
-                <a:spcPts val="500"/>
-              </a:spcAft>
-            </a:pPr>
-            <a:r>
-              <a:rPr lang="en-US" sz="3200" b="0" i="0" dirty="0">
-                <a:effectLst/>
-                <a:latin typeface="-apple-system"/>
-              </a:rPr>
-              <a:t>Built-in functions are pre-defined functions, they have various purposes and can perform common tasks such as mathematical calculations, string manipulation, data type conversion, input/output operations, and more. Some common examples of built-in functions len() for getting the length of a sequence (such as a string, list, or tuple), sum() for calculating the sum of elements in an iterable, sorted() to sort the sequence etc.</a:t>
-            </a:r>
-            <a:endParaRPr lang="en-US" sz="3200" b="0" cap="none" spc="0" dirty="0">
-              <a:ln w="0"/>
-              <a:effectLst>
-                <a:outerShdw blurRad="38100" dist="19050" dir="2700000" algn="tl" rotWithShape="0">
-                  <a:schemeClr val="dk1">
-                    <a:alpha val="40000"/>
-                  </a:schemeClr>
-                </a:outerShdw>
-              </a:effectLst>
-            </a:endParaRPr>
-          </a:p>
-        </p:txBody>
-      </p:sp>
+      <p:pic>
+        <p:nvPicPr>
+          <p:cNvPr id="6" name="Picture 5">
+            <a:extLst>
+              <a:ext uri="{FF2B5EF4-FFF2-40B4-BE49-F238E27FC236}">
+                <a16:creationId xmlns:a16="http://schemas.microsoft.com/office/drawing/2014/main" id="{9A49335D-0866-18E4-AE75-258FE793394C}"/>
+              </a:ext>
+            </a:extLst>
+          </p:cNvPr>
+          <p:cNvPicPr>
+            <a:picLocks noChangeAspect="1"/>
+          </p:cNvPicPr>
+          <p:nvPr/>
+        </p:nvPicPr>
+        <p:blipFill>
+          <a:blip r:embed="rId3"/>
+          <a:stretch>
+            <a:fillRect/>
+          </a:stretch>
+        </p:blipFill>
+        <p:spPr>
+          <a:xfrm>
+            <a:off x="176982" y="3275644"/>
+            <a:ext cx="5783071" cy="1173138"/>
+          </a:xfrm>
+          <a:prstGeom prst="rect">
+            <a:avLst/>
+          </a:prstGeom>
+          <a:ln>
+            <a:solidFill>
+              <a:schemeClr val="tx1"/>
+            </a:solidFill>
+          </a:ln>
+        </p:spPr>
+      </p:pic>
+      <p:pic>
+        <p:nvPicPr>
+          <p:cNvPr id="8" name="Picture 7">
+            <a:extLst>
+              <a:ext uri="{FF2B5EF4-FFF2-40B4-BE49-F238E27FC236}">
+                <a16:creationId xmlns:a16="http://schemas.microsoft.com/office/drawing/2014/main" id="{84A9C208-AEED-1662-35AD-CEB97023A1AB}"/>
+              </a:ext>
+            </a:extLst>
+          </p:cNvPr>
+          <p:cNvPicPr>
+            <a:picLocks noChangeAspect="1"/>
+          </p:cNvPicPr>
+          <p:nvPr/>
+        </p:nvPicPr>
+        <p:blipFill>
+          <a:blip r:embed="rId4"/>
+          <a:stretch>
+            <a:fillRect/>
+          </a:stretch>
+        </p:blipFill>
+        <p:spPr>
+          <a:xfrm>
+            <a:off x="176982" y="4948614"/>
+            <a:ext cx="5783071" cy="1378911"/>
+          </a:xfrm>
+          <a:prstGeom prst="rect">
+            <a:avLst/>
+          </a:prstGeom>
+          <a:ln>
+            <a:solidFill>
+              <a:schemeClr val="tx1"/>
+            </a:solidFill>
+          </a:ln>
+        </p:spPr>
+      </p:pic>
+      <p:pic>
+        <p:nvPicPr>
+          <p:cNvPr id="10" name="Picture 9">
+            <a:extLst>
+              <a:ext uri="{FF2B5EF4-FFF2-40B4-BE49-F238E27FC236}">
+                <a16:creationId xmlns:a16="http://schemas.microsoft.com/office/drawing/2014/main" id="{E24B1167-FFD8-A294-383F-70E687F32234}"/>
+              </a:ext>
+            </a:extLst>
+          </p:cNvPr>
+          <p:cNvPicPr>
+            <a:picLocks noChangeAspect="1"/>
+          </p:cNvPicPr>
+          <p:nvPr/>
+        </p:nvPicPr>
+        <p:blipFill>
+          <a:blip r:embed="rId5"/>
+          <a:stretch>
+            <a:fillRect/>
+          </a:stretch>
+        </p:blipFill>
+        <p:spPr>
+          <a:xfrm>
+            <a:off x="6231946" y="3275644"/>
+            <a:ext cx="5783071" cy="1280270"/>
+          </a:xfrm>
+          <a:prstGeom prst="rect">
+            <a:avLst/>
+          </a:prstGeom>
+          <a:ln>
+            <a:solidFill>
+              <a:schemeClr val="tx1"/>
+            </a:solidFill>
+          </a:ln>
+        </p:spPr>
+      </p:pic>
+      <p:pic>
+        <p:nvPicPr>
+          <p:cNvPr id="12" name="Picture 11">
+            <a:extLst>
+              <a:ext uri="{FF2B5EF4-FFF2-40B4-BE49-F238E27FC236}">
+                <a16:creationId xmlns:a16="http://schemas.microsoft.com/office/drawing/2014/main" id="{68DE47FF-D0B3-E4E6-FBE5-D6EC6492F52C}"/>
+              </a:ext>
+            </a:extLst>
+          </p:cNvPr>
+          <p:cNvPicPr>
+            <a:picLocks noChangeAspect="1"/>
+          </p:cNvPicPr>
+          <p:nvPr/>
+        </p:nvPicPr>
+        <p:blipFill>
+          <a:blip r:embed="rId6"/>
+          <a:stretch>
+            <a:fillRect/>
+          </a:stretch>
+        </p:blipFill>
+        <p:spPr>
+          <a:xfrm>
+            <a:off x="6231946" y="4948614"/>
+            <a:ext cx="5783071" cy="1306734"/>
+          </a:xfrm>
+          <a:prstGeom prst="rect">
+            <a:avLst/>
+          </a:prstGeom>
+          <a:ln>
+            <a:solidFill>
+              <a:schemeClr val="tx1"/>
+            </a:solidFill>
+          </a:ln>
+        </p:spPr>
+      </p:pic>
     </p:spTree>
     <p:extLst>
       <p:ext uri="{BB962C8B-B14F-4D97-AF65-F5344CB8AC3E}">
-        <p14:creationId xmlns:p14="http://schemas.microsoft.com/office/powerpoint/2010/main" val="83101824"/>
+        <p14:creationId xmlns:p14="http://schemas.microsoft.com/office/powerpoint/2010/main" val="3412175503"/>
       </p:ext>
     </p:extLst>
   </p:cSld>
@@ -5266,85 +5108,12 @@
           <a:chExt cx="0" cy="0"/>
         </a:xfrm>
       </p:grpSpPr>
-      <p:sp>
-        <p:nvSpPr>
-          <p:cNvPr id="2" name="TextBox 1">
-            <a:extLst>
-              <a:ext uri="{FF2B5EF4-FFF2-40B4-BE49-F238E27FC236}">
-                <a16:creationId xmlns:a16="http://schemas.microsoft.com/office/drawing/2014/main" id="{184CD72A-67F9-3B33-04C7-367364DA17B3}"/>
-              </a:ext>
-            </a:extLst>
-          </p:cNvPr>
-          <p:cNvSpPr txBox="1"/>
-          <p:nvPr/>
-        </p:nvSpPr>
-        <p:spPr>
-          <a:xfrm>
-            <a:off x="2697635" y="255174"/>
-            <a:ext cx="6796729" cy="646331"/>
-          </a:xfrm>
-          <a:prstGeom prst="rect">
-            <a:avLst/>
-          </a:prstGeom>
-          <a:noFill/>
-        </p:spPr>
-        <p:txBody>
-          <a:bodyPr wrap="square">
-            <a:spAutoFit/>
-          </a:bodyPr>
-          <a:lstStyle/>
-          <a:p>
-            <a:pPr algn="ctr"/>
-            <a:r>
-              <a:rPr lang="en-US" sz="3600" b="1" dirty="0">
-                <a:ln w="13462">
-                  <a:solidFill>
-                    <a:schemeClr val="bg1">
-                      <a:lumMod val="85000"/>
-                    </a:schemeClr>
-                  </a:solidFill>
-                  <a:prstDash val="solid"/>
-                </a:ln>
-                <a:solidFill>
-                  <a:srgbClr val="7030A0"/>
-                </a:solidFill>
-                <a:effectLst>
-                  <a:outerShdw dist="38100" dir="2700000" algn="bl" rotWithShape="0">
-                    <a:schemeClr val="accent5"/>
-                  </a:outerShdw>
-                </a:effectLst>
-              </a:rPr>
-              <a:t>Examples of Built-in Functions -</a:t>
-            </a:r>
-            <a:endParaRPr lang="en-US" sz="3600" b="0" cap="none" spc="0" dirty="0">
-              <a:ln w="13462">
-                <a:solidFill>
-                  <a:schemeClr val="bg1">
-                    <a:lumMod val="85000"/>
-                  </a:schemeClr>
-                </a:solidFill>
-                <a:prstDash val="solid"/>
-              </a:ln>
-              <a:solidFill>
-                <a:srgbClr val="7030A0"/>
-              </a:solidFill>
-              <a:effectLst>
-                <a:outerShdw blurRad="38100" dist="25400" dir="5400000" algn="ctr" rotWithShape="0">
-                  <a:srgbClr val="6E747A">
-                    <a:alpha val="43000"/>
-                  </a:srgbClr>
-                </a:outerShdw>
-              </a:effectLst>
-            </a:endParaRPr>
-          </a:p>
-        </p:txBody>
-      </p:sp>
       <p:pic>
         <p:nvPicPr>
-          <p:cNvPr id="4" name="Picture 3">
-            <a:extLst>
-              <a:ext uri="{FF2B5EF4-FFF2-40B4-BE49-F238E27FC236}">
-                <a16:creationId xmlns:a16="http://schemas.microsoft.com/office/drawing/2014/main" id="{19872D0D-008A-F1DD-77E5-8DEDCE37809B}"/>
+          <p:cNvPr id="3" name="Picture 2">
+            <a:extLst>
+              <a:ext uri="{FF2B5EF4-FFF2-40B4-BE49-F238E27FC236}">
+                <a16:creationId xmlns:a16="http://schemas.microsoft.com/office/drawing/2014/main" id="{6AA61DFC-6864-C4D6-DCAB-E661496E9B04}"/>
               </a:ext>
             </a:extLst>
           </p:cNvPr>
@@ -5361,163 +5130,119 @@
         </p:blipFill>
         <p:spPr>
           <a:xfrm>
-            <a:off x="143386" y="1330926"/>
-            <a:ext cx="5835081" cy="1374567"/>
-          </a:xfrm>
-          <a:prstGeom prst="rect">
-            <a:avLst/>
-          </a:prstGeom>
-          <a:ln>
-            <a:solidFill>
-              <a:schemeClr val="tx1"/>
-            </a:solidFill>
-          </a:ln>
+            <a:off x="0" y="6880"/>
+            <a:ext cx="12192000" cy="1458237"/>
+          </a:xfrm>
+          <a:prstGeom prst="rect">
+            <a:avLst/>
+          </a:prstGeom>
         </p:spPr>
       </p:pic>
-      <p:pic>
-        <p:nvPicPr>
-          <p:cNvPr id="6" name="Picture 5">
-            <a:extLst>
-              <a:ext uri="{FF2B5EF4-FFF2-40B4-BE49-F238E27FC236}">
-                <a16:creationId xmlns:a16="http://schemas.microsoft.com/office/drawing/2014/main" id="{B7705A45-A6DB-7D30-7998-05E8D5A4B7E8}"/>
-              </a:ext>
-            </a:extLst>
-          </p:cNvPr>
-          <p:cNvPicPr>
-            <a:picLocks noChangeAspect="1"/>
-          </p:cNvPicPr>
-          <p:nvPr/>
-        </p:nvPicPr>
-        <p:blipFill>
-          <a:blip r:embed="rId3"/>
-          <a:stretch>
-            <a:fillRect/>
-          </a:stretch>
-        </p:blipFill>
-        <p:spPr>
-          <a:xfrm>
-            <a:off x="143386" y="3202973"/>
-            <a:ext cx="5835080" cy="1294600"/>
-          </a:xfrm>
-          <a:prstGeom prst="rect">
-            <a:avLst/>
-          </a:prstGeom>
-          <a:ln>
-            <a:solidFill>
-              <a:schemeClr val="tx1"/>
-            </a:solidFill>
-          </a:ln>
-        </p:spPr>
-      </p:pic>
-      <p:pic>
-        <p:nvPicPr>
-          <p:cNvPr id="8" name="Picture 7">
-            <a:extLst>
-              <a:ext uri="{FF2B5EF4-FFF2-40B4-BE49-F238E27FC236}">
-                <a16:creationId xmlns:a16="http://schemas.microsoft.com/office/drawing/2014/main" id="{50718470-689F-C8E8-1B78-4A24241729AF}"/>
-              </a:ext>
-            </a:extLst>
-          </p:cNvPr>
-          <p:cNvPicPr>
-            <a:picLocks noChangeAspect="1"/>
-          </p:cNvPicPr>
-          <p:nvPr/>
-        </p:nvPicPr>
-        <p:blipFill>
-          <a:blip r:embed="rId4"/>
-          <a:stretch>
-            <a:fillRect/>
-          </a:stretch>
-        </p:blipFill>
-        <p:spPr>
-          <a:xfrm>
-            <a:off x="143386" y="5021525"/>
-            <a:ext cx="5803069" cy="1294600"/>
-          </a:xfrm>
-          <a:prstGeom prst="rect">
-            <a:avLst/>
-          </a:prstGeom>
-          <a:ln>
-            <a:solidFill>
-              <a:schemeClr val="tx1"/>
-            </a:solidFill>
-          </a:ln>
-        </p:spPr>
-      </p:pic>
-      <p:pic>
-        <p:nvPicPr>
-          <p:cNvPr id="10" name="Picture 9">
-            <a:extLst>
-              <a:ext uri="{FF2B5EF4-FFF2-40B4-BE49-F238E27FC236}">
-                <a16:creationId xmlns:a16="http://schemas.microsoft.com/office/drawing/2014/main" id="{0AF0E152-88C9-012D-290B-3A9F84F5CD83}"/>
-              </a:ext>
-            </a:extLst>
-          </p:cNvPr>
-          <p:cNvPicPr>
-            <a:picLocks noChangeAspect="1"/>
-          </p:cNvPicPr>
-          <p:nvPr/>
-        </p:nvPicPr>
-        <p:blipFill>
-          <a:blip r:embed="rId5"/>
-          <a:stretch>
-            <a:fillRect/>
-          </a:stretch>
-        </p:blipFill>
-        <p:spPr>
-          <a:xfrm>
-            <a:off x="6213534" y="1990166"/>
-            <a:ext cx="5835080" cy="1566653"/>
-          </a:xfrm>
-          <a:prstGeom prst="rect">
-            <a:avLst/>
-          </a:prstGeom>
-          <a:ln>
-            <a:solidFill>
-              <a:schemeClr val="tx1"/>
-            </a:solidFill>
-          </a:ln>
-        </p:spPr>
-      </p:pic>
-      <p:pic>
-        <p:nvPicPr>
-          <p:cNvPr id="12" name="Picture 11">
-            <a:extLst>
-              <a:ext uri="{FF2B5EF4-FFF2-40B4-BE49-F238E27FC236}">
-                <a16:creationId xmlns:a16="http://schemas.microsoft.com/office/drawing/2014/main" id="{819CC094-D8E7-505E-2B3B-7515E64DD689}"/>
-              </a:ext>
-            </a:extLst>
-          </p:cNvPr>
-          <p:cNvPicPr>
-            <a:picLocks noChangeAspect="1"/>
-          </p:cNvPicPr>
-          <p:nvPr/>
-        </p:nvPicPr>
-        <p:blipFill>
-          <a:blip r:embed="rId6"/>
-          <a:stretch>
-            <a:fillRect/>
-          </a:stretch>
-        </p:blipFill>
-        <p:spPr>
-          <a:xfrm>
-            <a:off x="6213534" y="4058173"/>
-            <a:ext cx="5835080" cy="1245180"/>
-          </a:xfrm>
-          <a:prstGeom prst="rect">
-            <a:avLst/>
-          </a:prstGeom>
-          <a:ln>
-            <a:solidFill>
-              <a:schemeClr val="tx1"/>
-            </a:solidFill>
-          </a:ln>
-        </p:spPr>
-      </p:pic>
+      <p:sp>
+        <p:nvSpPr>
+          <p:cNvPr id="4" name="Rectangle 3">
+            <a:extLst>
+              <a:ext uri="{FF2B5EF4-FFF2-40B4-BE49-F238E27FC236}">
+                <a16:creationId xmlns:a16="http://schemas.microsoft.com/office/drawing/2014/main" id="{2AC5AAD4-AC44-4912-B68F-4945E2958B33}"/>
+              </a:ext>
+            </a:extLst>
+          </p:cNvPr>
+          <p:cNvSpPr/>
+          <p:nvPr/>
+        </p:nvSpPr>
+        <p:spPr>
+          <a:xfrm>
+            <a:off x="2737643" y="1977742"/>
+            <a:ext cx="6716711" cy="1323439"/>
+          </a:xfrm>
+          <a:prstGeom prst="rect">
+            <a:avLst/>
+          </a:prstGeom>
+          <a:noFill/>
+        </p:spPr>
+        <p:txBody>
+          <a:bodyPr wrap="none" lIns="91440" tIns="45720" rIns="91440" bIns="45720">
+            <a:spAutoFit/>
+          </a:bodyPr>
+          <a:lstStyle/>
+          <a:p>
+            <a:pPr algn="ctr"/>
+            <a:r>
+              <a:rPr lang="en-US" sz="8000" b="1" spc="300" dirty="0">
+                <a:ln w="0"/>
+                <a:solidFill>
+                  <a:srgbClr val="7030A0"/>
+                </a:solidFill>
+                <a:effectLst>
+                  <a:innerShdw blurRad="63500" dist="50800" dir="13500000">
+                    <a:srgbClr val="000000">
+                      <a:alpha val="50000"/>
+                    </a:srgbClr>
+                  </a:innerShdw>
+                </a:effectLst>
+              </a:rPr>
+              <a:t>DICTIONARIES</a:t>
+            </a:r>
+          </a:p>
+        </p:txBody>
+      </p:sp>
+      <p:sp>
+        <p:nvSpPr>
+          <p:cNvPr id="5" name="Rectangle 4">
+            <a:extLst>
+              <a:ext uri="{FF2B5EF4-FFF2-40B4-BE49-F238E27FC236}">
+                <a16:creationId xmlns:a16="http://schemas.microsoft.com/office/drawing/2014/main" id="{DD4BAAC6-11B4-A99C-ABA2-3D4C6EC857AE}"/>
+              </a:ext>
+            </a:extLst>
+          </p:cNvPr>
+          <p:cNvSpPr/>
+          <p:nvPr/>
+        </p:nvSpPr>
+        <p:spPr>
+          <a:xfrm>
+            <a:off x="536863" y="3858673"/>
+            <a:ext cx="11118273" cy="2062103"/>
+          </a:xfrm>
+          <a:prstGeom prst="rect">
+            <a:avLst/>
+          </a:prstGeom>
+          <a:noFill/>
+        </p:spPr>
+        <p:txBody>
+          <a:bodyPr wrap="square" lIns="91440" tIns="45720" rIns="91440" bIns="45720">
+            <a:spAutoFit/>
+          </a:bodyPr>
+          <a:lstStyle/>
+          <a:p>
+            <a:pPr algn="ctr">
+              <a:spcAft>
+                <a:spcPts val="500"/>
+              </a:spcAft>
+            </a:pPr>
+            <a:r>
+              <a:rPr lang="en-US" sz="3200" b="0" i="0" dirty="0">
+                <a:effectLst/>
+                <a:latin typeface="-apple-system"/>
+              </a:rPr>
+              <a:t>Dictionaries are collections of key-value pairs, where each key is unique and refers to a respective value. Value associated with a key can be accessed by using square brackets [] with the key inside.</a:t>
+            </a:r>
+            <a:endParaRPr lang="en-US" sz="3200" b="0" cap="none" spc="0" dirty="0">
+              <a:ln w="0"/>
+              <a:effectLst>
+                <a:outerShdw blurRad="38100" dist="19050" dir="2700000" algn="tl" rotWithShape="0">
+                  <a:schemeClr val="dk1">
+                    <a:alpha val="40000"/>
+                  </a:schemeClr>
+                </a:outerShdw>
+              </a:effectLst>
+            </a:endParaRPr>
+          </a:p>
+        </p:txBody>
+      </p:sp>
     </p:spTree>
     <p:extLst>
       <p:ext uri="{BB962C8B-B14F-4D97-AF65-F5344CB8AC3E}">
-        <p14:creationId xmlns:p14="http://schemas.microsoft.com/office/powerpoint/2010/main" val="3117331291"/>
+        <p14:creationId xmlns:p14="http://schemas.microsoft.com/office/powerpoint/2010/main" val="1794919648"/>
       </p:ext>
     </p:extLst>
   </p:cSld>
@@ -5546,10 +5271,10 @@
       </p:grpSpPr>
       <p:pic>
         <p:nvPicPr>
-          <p:cNvPr id="3" name="Picture 2">
-            <a:extLst>
-              <a:ext uri="{FF2B5EF4-FFF2-40B4-BE49-F238E27FC236}">
-                <a16:creationId xmlns:a16="http://schemas.microsoft.com/office/drawing/2014/main" id="{6AA61DFC-6864-C4D6-DCAB-E661496E9B04}"/>
+          <p:cNvPr id="2" name="Picture 1">
+            <a:extLst>
+              <a:ext uri="{FF2B5EF4-FFF2-40B4-BE49-F238E27FC236}">
+                <a16:creationId xmlns:a16="http://schemas.microsoft.com/office/drawing/2014/main" id="{6F259D20-2823-7968-51D9-06CCB5A69001}"/>
               </a:ext>
             </a:extLst>
           </p:cNvPr>
@@ -5558,16 +5283,15 @@
           </p:cNvPicPr>
           <p:nvPr/>
         </p:nvPicPr>
-        <p:blipFill>
+        <p:blipFill rotWithShape="1">
           <a:blip r:embed="rId2"/>
-          <a:stretch>
-            <a:fillRect/>
-          </a:stretch>
+          <a:srcRect l="10321" t="27978" r="12601" b="28102"/>
+          <a:stretch/>
         </p:blipFill>
         <p:spPr>
           <a:xfrm>
-            <a:off x="0" y="6880"/>
-            <a:ext cx="12192000" cy="1458237"/>
+            <a:off x="3433131" y="2910348"/>
+            <a:ext cx="8758869" cy="3057833"/>
           </a:xfrm>
           <a:prstGeom prst="rect">
             <a:avLst/>
@@ -5576,10 +5300,10 @@
       </p:pic>
       <p:sp>
         <p:nvSpPr>
-          <p:cNvPr id="4" name="Rectangle 3">
-            <a:extLst>
-              <a:ext uri="{FF2B5EF4-FFF2-40B4-BE49-F238E27FC236}">
-                <a16:creationId xmlns:a16="http://schemas.microsoft.com/office/drawing/2014/main" id="{2AC5AAD4-AC44-4912-B68F-4945E2958B33}"/>
+          <p:cNvPr id="3" name="Rectangle 2">
+            <a:extLst>
+              <a:ext uri="{FF2B5EF4-FFF2-40B4-BE49-F238E27FC236}">
+                <a16:creationId xmlns:a16="http://schemas.microsoft.com/office/drawing/2014/main" id="{18411565-3DEF-3685-56DC-6EFA005093D2}"/>
               </a:ext>
             </a:extLst>
           </p:cNvPr>
@@ -5588,8 +5312,8 @@
         </p:nvSpPr>
         <p:spPr>
           <a:xfrm>
-            <a:off x="3891098" y="1465117"/>
-            <a:ext cx="4409797" cy="1323439"/>
+            <a:off x="705367" y="570270"/>
+            <a:ext cx="3959481" cy="1754326"/>
           </a:xfrm>
           <a:prstGeom prst="rect">
             <a:avLst/>
@@ -5599,86 +5323,55 @@
         <p:txBody>
           <a:bodyPr wrap="none" lIns="91440" tIns="45720" rIns="91440" bIns="45720">
             <a:spAutoFit/>
+            <a:scene3d>
+              <a:camera prst="orthographicFront"/>
+              <a:lightRig rig="soft" dir="t">
+                <a:rot lat="0" lon="0" rev="15600000"/>
+              </a:lightRig>
+            </a:scene3d>
+            <a:sp3d extrusionH="57150" prstMaterial="softEdge">
+              <a:bevelT w="25400" h="38100"/>
+            </a:sp3d>
           </a:bodyPr>
           <a:lstStyle/>
           <a:p>
             <a:pPr algn="ctr"/>
             <a:r>
-              <a:rPr lang="en-US" sz="8000" b="1" spc="300" dirty="0">
-                <a:ln w="0"/>
+              <a:rPr lang="en-US" sz="5400" b="1" dirty="0">
+                <a:ln>
+                  <a:solidFill>
+                    <a:srgbClr val="721B83"/>
+                  </a:solidFill>
+                </a:ln>
                 <a:solidFill>
-                  <a:srgbClr val="7030A0"/>
+                  <a:srgbClr val="C08CD0"/>
                 </a:solidFill>
-                <a:effectLst>
-                  <a:innerShdw blurRad="63500" dist="50800" dir="13500000">
-                    <a:srgbClr val="000000">
-                      <a:alpha val="50000"/>
-                    </a:srgbClr>
-                  </a:innerShdw>
-                </a:effectLst>
               </a:rPr>
-              <a:t>LOOPING</a:t>
-            </a:r>
-          </a:p>
-        </p:txBody>
-      </p:sp>
-      <p:sp>
-        <p:nvSpPr>
-          <p:cNvPr id="5" name="Rectangle 4">
-            <a:extLst>
-              <a:ext uri="{FF2B5EF4-FFF2-40B4-BE49-F238E27FC236}">
-                <a16:creationId xmlns:a16="http://schemas.microsoft.com/office/drawing/2014/main" id="{DD4BAAC6-11B4-A99C-ABA2-3D4C6EC857AE}"/>
-              </a:ext>
-            </a:extLst>
-          </p:cNvPr>
-          <p:cNvSpPr/>
-          <p:nvPr/>
-        </p:nvSpPr>
-        <p:spPr>
-          <a:xfrm>
-            <a:off x="536859" y="3429000"/>
-            <a:ext cx="11118273" cy="3046988"/>
-          </a:xfrm>
-          <a:prstGeom prst="rect">
-            <a:avLst/>
-          </a:prstGeom>
-          <a:noFill/>
-        </p:spPr>
-        <p:txBody>
-          <a:bodyPr wrap="square" lIns="91440" tIns="45720" rIns="91440" bIns="45720">
-            <a:spAutoFit/>
-          </a:bodyPr>
-          <a:lstStyle/>
-          <a:p>
-            <a:pPr algn="ctr">
-              <a:spcAft>
-                <a:spcPts val="500"/>
-              </a:spcAft>
-            </a:pPr>
-            <a:r>
-              <a:rPr lang="en-US" sz="3200" b="0" i="0" dirty="0">
-                <a:effectLst/>
-                <a:latin typeface="-apple-system"/>
+              <a:t>Syntax of List</a:t>
+            </a:r>
+          </a:p>
+          <a:p>
+            <a:pPr algn="ctr"/>
+            <a:r>
+              <a:rPr lang="en-US" sz="5400" b="1" dirty="0">
+                <a:ln>
+                  <a:solidFill>
+                    <a:srgbClr val="721B83"/>
+                  </a:solidFill>
+                </a:ln>
+                <a:solidFill>
+                  <a:srgbClr val="C08CD0"/>
+                </a:solidFill>
               </a:rPr>
-              <a:t>Looping is a technique used to repeat a block of code multiple times. It allows us to automate repetitive tasks and process large amounts of data efficiently. For loop is used when we know in advance how many times we want to repeat the code. While loop repeatedly executes the code block as long as the specific condition remains true.</a:t>
-            </a:r>
-            <a:endParaRPr lang="en-US" sz="3200" b="0" cap="none" spc="0" dirty="0">
-              <a:ln w="0"/>
-              <a:effectLst>
-                <a:outerShdw blurRad="38100" dist="19050" dir="2700000" algn="tl" rotWithShape="0">
-                  <a:schemeClr val="dk1">
-                    <a:alpha val="40000"/>
-                  </a:schemeClr>
-                </a:outerShdw>
-              </a:effectLst>
-            </a:endParaRPr>
+              <a:t>Dictionaries -</a:t>
+            </a:r>
           </a:p>
         </p:txBody>
       </p:sp>
     </p:spTree>
     <p:extLst>
       <p:ext uri="{BB962C8B-B14F-4D97-AF65-F5344CB8AC3E}">
-        <p14:creationId xmlns:p14="http://schemas.microsoft.com/office/powerpoint/2010/main" val="981520346"/>
+        <p14:creationId xmlns:p14="http://schemas.microsoft.com/office/powerpoint/2010/main" val="890514873"/>
       </p:ext>
     </p:extLst>
   </p:cSld>
@@ -5710,7 +5403,7 @@
           <p:cNvPr id="2" name="TextBox 1">
             <a:extLst>
               <a:ext uri="{FF2B5EF4-FFF2-40B4-BE49-F238E27FC236}">
-                <a16:creationId xmlns:a16="http://schemas.microsoft.com/office/drawing/2014/main" id="{B312D476-3089-D784-B30C-C11DCBD94A65}"/>
+                <a16:creationId xmlns:a16="http://schemas.microsoft.com/office/drawing/2014/main" id="{0CA8FCA6-90B0-1B24-F905-5843D401673F}"/>
               </a:ext>
             </a:extLst>
           </p:cNvPr>
@@ -5753,7 +5446,7 @@
                   </a:outerShdw>
                 </a:effectLst>
               </a:rPr>
-              <a:t>Examples of Looping -</a:t>
+              <a:t>Examples of Dictionaries -</a:t>
             </a:r>
             <a:endParaRPr lang="en-US" sz="3600" b="0" cap="none" spc="0" dirty="0">
               <a:ln w="13462">
@@ -5783,7 +5476,7 @@
           <p:cNvPr id="4" name="Picture 3">
             <a:extLst>
               <a:ext uri="{FF2B5EF4-FFF2-40B4-BE49-F238E27FC236}">
-                <a16:creationId xmlns:a16="http://schemas.microsoft.com/office/drawing/2014/main" id="{8FE1434B-E525-CDA8-3E02-1AC3BD2AF0F1}"/>
+                <a16:creationId xmlns:a16="http://schemas.microsoft.com/office/drawing/2014/main" id="{52173FD6-43BE-C6A2-CE59-6C690AF9E166}"/>
               </a:ext>
             </a:extLst>
           </p:cNvPr>
@@ -5792,15 +5485,16 @@
           </p:cNvPicPr>
           <p:nvPr/>
         </p:nvPicPr>
-        <p:blipFill rotWithShape="1">
+        <p:blipFill>
           <a:blip r:embed="rId2"/>
-          <a:srcRect r="12594"/>
-          <a:stretch/>
+          <a:stretch>
+            <a:fillRect/>
+          </a:stretch>
         </p:blipFill>
         <p:spPr>
           <a:xfrm>
-            <a:off x="186812" y="1253878"/>
-            <a:ext cx="4015713" cy="2256709"/>
+            <a:off x="217670" y="1485465"/>
+            <a:ext cx="5740678" cy="1265031"/>
           </a:xfrm>
           <a:prstGeom prst="rect">
             <a:avLst/>
@@ -5817,7 +5511,7 @@
           <p:cNvPr id="6" name="Picture 5">
             <a:extLst>
               <a:ext uri="{FF2B5EF4-FFF2-40B4-BE49-F238E27FC236}">
-                <a16:creationId xmlns:a16="http://schemas.microsoft.com/office/drawing/2014/main" id="{A6B39484-835C-5BEF-BDB5-8EC12011CD8D}"/>
+                <a16:creationId xmlns:a16="http://schemas.microsoft.com/office/drawing/2014/main" id="{3FD55CF8-CC35-160F-939C-DEFE36F54E6D}"/>
               </a:ext>
             </a:extLst>
           </p:cNvPr>
@@ -5826,15 +5520,16 @@
           </p:cNvPicPr>
           <p:nvPr/>
         </p:nvPicPr>
-        <p:blipFill rotWithShape="1">
+        <p:blipFill>
           <a:blip r:embed="rId3"/>
-          <a:srcRect r="20337"/>
-          <a:stretch/>
+          <a:stretch>
+            <a:fillRect/>
+          </a:stretch>
         </p:blipFill>
         <p:spPr>
           <a:xfrm>
-            <a:off x="7989474" y="4110428"/>
-            <a:ext cx="3779739" cy="2528263"/>
+            <a:off x="217670" y="3291021"/>
+            <a:ext cx="5740678" cy="1164383"/>
           </a:xfrm>
           <a:prstGeom prst="rect">
             <a:avLst/>
@@ -5851,7 +5546,7 @@
           <p:cNvPr id="8" name="Picture 7">
             <a:extLst>
               <a:ext uri="{FF2B5EF4-FFF2-40B4-BE49-F238E27FC236}">
-                <a16:creationId xmlns:a16="http://schemas.microsoft.com/office/drawing/2014/main" id="{3C71F349-A515-99D7-F528-24F63FFE46F6}"/>
+                <a16:creationId xmlns:a16="http://schemas.microsoft.com/office/drawing/2014/main" id="{B4A3F949-03BE-D75A-135F-2CEA94040B9F}"/>
               </a:ext>
             </a:extLst>
           </p:cNvPr>
@@ -5860,15 +5555,16 @@
           </p:cNvPicPr>
           <p:nvPr/>
         </p:nvPicPr>
-        <p:blipFill rotWithShape="1">
+        <p:blipFill>
           <a:blip r:embed="rId4"/>
-          <a:srcRect r="12927"/>
-          <a:stretch/>
+          <a:stretch>
+            <a:fillRect/>
+          </a:stretch>
         </p:blipFill>
         <p:spPr>
           <a:xfrm>
-            <a:off x="7989474" y="1253878"/>
-            <a:ext cx="3779739" cy="2620643"/>
+            <a:off x="217670" y="4936938"/>
+            <a:ext cx="5740678" cy="1091203"/>
           </a:xfrm>
           <a:prstGeom prst="rect">
             <a:avLst/>
@@ -5885,7 +5581,7 @@
           <p:cNvPr id="10" name="Picture 9">
             <a:extLst>
               <a:ext uri="{FF2B5EF4-FFF2-40B4-BE49-F238E27FC236}">
-                <a16:creationId xmlns:a16="http://schemas.microsoft.com/office/drawing/2014/main" id="{CA55CEBA-1113-443C-56B5-10085D2ECDA5}"/>
+                <a16:creationId xmlns:a16="http://schemas.microsoft.com/office/drawing/2014/main" id="{82722E4B-654F-9033-A143-92C52D71CEC9}"/>
               </a:ext>
             </a:extLst>
           </p:cNvPr>
@@ -5902,8 +5598,8 @@
         </p:blipFill>
         <p:spPr>
           <a:xfrm>
-            <a:off x="4392065" y="2297012"/>
-            <a:ext cx="3407870" cy="2976018"/>
+            <a:off x="6238259" y="1725018"/>
+            <a:ext cx="5736070" cy="1772812"/>
           </a:xfrm>
           <a:prstGeom prst="rect">
             <a:avLst/>
@@ -5920,7 +5616,7 @@
           <p:cNvPr id="12" name="Picture 11">
             <a:extLst>
               <a:ext uri="{FF2B5EF4-FFF2-40B4-BE49-F238E27FC236}">
-                <a16:creationId xmlns:a16="http://schemas.microsoft.com/office/drawing/2014/main" id="{2C2BE3C1-6CF0-05BF-E50D-8500511F16F3}"/>
+                <a16:creationId xmlns:a16="http://schemas.microsoft.com/office/drawing/2014/main" id="{1CB4426A-FC3F-DB3C-7707-681888A7181C}"/>
               </a:ext>
             </a:extLst>
           </p:cNvPr>
@@ -5929,15 +5625,16 @@
           </p:cNvPicPr>
           <p:nvPr/>
         </p:nvPicPr>
-        <p:blipFill rotWithShape="1">
+        <p:blipFill>
           <a:blip r:embed="rId6"/>
-          <a:srcRect r="3741"/>
-          <a:stretch/>
+          <a:stretch>
+            <a:fillRect/>
+          </a:stretch>
         </p:blipFill>
         <p:spPr>
           <a:xfrm>
-            <a:off x="214586" y="3943852"/>
-            <a:ext cx="3955619" cy="2658974"/>
+            <a:off x="6238259" y="3976609"/>
+            <a:ext cx="5736070" cy="1835225"/>
           </a:xfrm>
           <a:prstGeom prst="rect">
             <a:avLst/>
@@ -5952,7 +5649,7 @@
     </p:spTree>
     <p:extLst>
       <p:ext uri="{BB962C8B-B14F-4D97-AF65-F5344CB8AC3E}">
-        <p14:creationId xmlns:p14="http://schemas.microsoft.com/office/powerpoint/2010/main" val="1134924127"/>
+        <p14:creationId xmlns:p14="http://schemas.microsoft.com/office/powerpoint/2010/main" val="4265320855"/>
       </p:ext>
     </p:extLst>
   </p:cSld>
@@ -6023,8 +5720,8 @@
         </p:nvSpPr>
         <p:spPr>
           <a:xfrm>
-            <a:off x="2932568" y="1465117"/>
-            <a:ext cx="6326861" cy="2554545"/>
+            <a:off x="3328157" y="628651"/>
+            <a:ext cx="5535683" cy="2554545"/>
           </a:xfrm>
           <a:prstGeom prst="rect">
             <a:avLst/>
@@ -6052,24 +5749,27 @@
                   </a:innerShdw>
                 </a:effectLst>
               </a:rPr>
-              <a:t>INHERITANCE</a:t>
+              <a:t>BUILT-IN</a:t>
             </a:r>
           </a:p>
           <a:p>
             <a:pPr algn="ctr"/>
-            <a:endParaRPr lang="en-US" sz="8000" b="1" spc="300" dirty="0">
-              <a:ln w="0"/>
-              <a:solidFill>
-                <a:srgbClr val="7030A0"/>
-              </a:solidFill>
-              <a:effectLst>
-                <a:innerShdw blurRad="63500" dist="50800" dir="13500000">
-                  <a:srgbClr val="000000">
-                    <a:alpha val="50000"/>
-                  </a:srgbClr>
-                </a:innerShdw>
-              </a:effectLst>
-            </a:endParaRPr>
+            <a:r>
+              <a:rPr lang="en-US" sz="8000" b="1" spc="300" dirty="0">
+                <a:ln w="0"/>
+                <a:solidFill>
+                  <a:srgbClr val="7030A0"/>
+                </a:solidFill>
+                <a:effectLst>
+                  <a:innerShdw blurRad="63500" dist="50800" dir="13500000">
+                    <a:srgbClr val="000000">
+                      <a:alpha val="50000"/>
+                    </a:srgbClr>
+                  </a:innerShdw>
+                </a:effectLst>
+              </a:rPr>
+              <a:t>FUNCTIONS</a:t>
+            </a:r>
           </a:p>
         </p:txBody>
       </p:sp>
@@ -6087,7 +5787,7 @@
         </p:nvSpPr>
         <p:spPr>
           <a:xfrm>
-            <a:off x="536863" y="2983602"/>
+            <a:off x="536861" y="3062260"/>
             <a:ext cx="11118273" cy="3539430"/>
           </a:xfrm>
           <a:prstGeom prst="rect">
@@ -6129,7 +5829,7 @@
     </p:spTree>
     <p:extLst>
       <p:ext uri="{BB962C8B-B14F-4D97-AF65-F5344CB8AC3E}">
-        <p14:creationId xmlns:p14="http://schemas.microsoft.com/office/powerpoint/2010/main" val="2395435037"/>
+        <p14:creationId xmlns:p14="http://schemas.microsoft.com/office/powerpoint/2010/main" val="83101824"/>
       </p:ext>
     </p:extLst>
   </p:cSld>
@@ -6314,7 +6014,7 @@
           <p:cNvPr id="2" name="TextBox 1">
             <a:extLst>
               <a:ext uri="{FF2B5EF4-FFF2-40B4-BE49-F238E27FC236}">
-                <a16:creationId xmlns:a16="http://schemas.microsoft.com/office/drawing/2014/main" id="{15D65FCB-0A5B-AFCD-2C87-F1F1E7D4DA9C}"/>
+                <a16:creationId xmlns:a16="http://schemas.microsoft.com/office/drawing/2014/main" id="{184CD72A-67F9-3B33-04C7-367364DA17B3}"/>
               </a:ext>
             </a:extLst>
           </p:cNvPr>
@@ -6323,8 +6023,8 @@
         </p:nvSpPr>
         <p:spPr>
           <a:xfrm>
-            <a:off x="2697635" y="255174"/>
-            <a:ext cx="6796729" cy="646331"/>
+            <a:off x="143387" y="255174"/>
+            <a:ext cx="11905228" cy="646331"/>
           </a:xfrm>
           <a:prstGeom prst="rect">
             <a:avLst/>
@@ -6357,7 +6057,7 @@
                   </a:outerShdw>
                 </a:effectLst>
               </a:rPr>
-              <a:t>Examples of Inheritance -</a:t>
+              <a:t>Examples of Built-in Functions (len, max, sum, sorted, abs) -</a:t>
             </a:r>
             <a:endParaRPr lang="en-US" sz="3600" b="0" cap="none" spc="0" dirty="0">
               <a:ln w="13462">
@@ -6387,7 +6087,7 @@
           <p:cNvPr id="4" name="Picture 3">
             <a:extLst>
               <a:ext uri="{FF2B5EF4-FFF2-40B4-BE49-F238E27FC236}">
-                <a16:creationId xmlns:a16="http://schemas.microsoft.com/office/drawing/2014/main" id="{ACCE939C-0BD2-E4CB-DB88-DA90B61EAD67}"/>
+                <a16:creationId xmlns:a16="http://schemas.microsoft.com/office/drawing/2014/main" id="{19872D0D-008A-F1DD-77E5-8DEDCE37809B}"/>
               </a:ext>
             </a:extLst>
           </p:cNvPr>
@@ -6404,8 +6104,8 @@
         </p:blipFill>
         <p:spPr>
           <a:xfrm>
-            <a:off x="3372465" y="4036608"/>
-            <a:ext cx="5456903" cy="2712955"/>
+            <a:off x="143386" y="1330926"/>
+            <a:ext cx="5835081" cy="1374567"/>
           </a:xfrm>
           <a:prstGeom prst="rect">
             <a:avLst/>
@@ -6422,7 +6122,7 @@
           <p:cNvPr id="6" name="Picture 5">
             <a:extLst>
               <a:ext uri="{FF2B5EF4-FFF2-40B4-BE49-F238E27FC236}">
-                <a16:creationId xmlns:a16="http://schemas.microsoft.com/office/drawing/2014/main" id="{32CB7092-5F5B-D7AD-A7BB-060033F18FF7}"/>
+                <a16:creationId xmlns:a16="http://schemas.microsoft.com/office/drawing/2014/main" id="{B7705A45-A6DB-7D30-7998-05E8D5A4B7E8}"/>
               </a:ext>
             </a:extLst>
           </p:cNvPr>
@@ -6431,15 +6131,16 @@
           </p:cNvPicPr>
           <p:nvPr/>
         </p:nvPicPr>
-        <p:blipFill rotWithShape="1">
+        <p:blipFill>
           <a:blip r:embed="rId3"/>
-          <a:srcRect r="5226"/>
-          <a:stretch/>
+          <a:stretch>
+            <a:fillRect/>
+          </a:stretch>
         </p:blipFill>
         <p:spPr>
           <a:xfrm>
-            <a:off x="322669" y="901505"/>
-            <a:ext cx="4278829" cy="3017782"/>
+            <a:off x="143386" y="3202973"/>
+            <a:ext cx="5835080" cy="1294600"/>
           </a:xfrm>
           <a:prstGeom prst="rect">
             <a:avLst/>
@@ -6456,7 +6157,7 @@
           <p:cNvPr id="8" name="Picture 7">
             <a:extLst>
               <a:ext uri="{FF2B5EF4-FFF2-40B4-BE49-F238E27FC236}">
-                <a16:creationId xmlns:a16="http://schemas.microsoft.com/office/drawing/2014/main" id="{1205E6E7-663B-B0E8-19FB-189187119B86}"/>
+                <a16:creationId xmlns:a16="http://schemas.microsoft.com/office/drawing/2014/main" id="{50718470-689F-C8E8-1B78-4A24241729AF}"/>
               </a:ext>
             </a:extLst>
           </p:cNvPr>
@@ -6473,8 +6174,8 @@
         </p:blipFill>
         <p:spPr>
           <a:xfrm>
-            <a:off x="7590503" y="897695"/>
-            <a:ext cx="4278829" cy="3025402"/>
+            <a:off x="143386" y="5021525"/>
+            <a:ext cx="5803069" cy="1294600"/>
           </a:xfrm>
           <a:prstGeom prst="rect">
             <a:avLst/>
@@ -6486,10 +6187,80 @@
           </a:ln>
         </p:spPr>
       </p:pic>
+      <p:pic>
+        <p:nvPicPr>
+          <p:cNvPr id="10" name="Picture 9">
+            <a:extLst>
+              <a:ext uri="{FF2B5EF4-FFF2-40B4-BE49-F238E27FC236}">
+                <a16:creationId xmlns:a16="http://schemas.microsoft.com/office/drawing/2014/main" id="{0AF0E152-88C9-012D-290B-3A9F84F5CD83}"/>
+              </a:ext>
+            </a:extLst>
+          </p:cNvPr>
+          <p:cNvPicPr>
+            <a:picLocks noChangeAspect="1"/>
+          </p:cNvPicPr>
+          <p:nvPr/>
+        </p:nvPicPr>
+        <p:blipFill>
+          <a:blip r:embed="rId5"/>
+          <a:stretch>
+            <a:fillRect/>
+          </a:stretch>
+        </p:blipFill>
+        <p:spPr>
+          <a:xfrm>
+            <a:off x="6213534" y="1990166"/>
+            <a:ext cx="5835080" cy="1566653"/>
+          </a:xfrm>
+          <a:prstGeom prst="rect">
+            <a:avLst/>
+          </a:prstGeom>
+          <a:ln>
+            <a:solidFill>
+              <a:schemeClr val="tx1"/>
+            </a:solidFill>
+          </a:ln>
+        </p:spPr>
+      </p:pic>
+      <p:pic>
+        <p:nvPicPr>
+          <p:cNvPr id="12" name="Picture 11">
+            <a:extLst>
+              <a:ext uri="{FF2B5EF4-FFF2-40B4-BE49-F238E27FC236}">
+                <a16:creationId xmlns:a16="http://schemas.microsoft.com/office/drawing/2014/main" id="{819CC094-D8E7-505E-2B3B-7515E64DD689}"/>
+              </a:ext>
+            </a:extLst>
+          </p:cNvPr>
+          <p:cNvPicPr>
+            <a:picLocks noChangeAspect="1"/>
+          </p:cNvPicPr>
+          <p:nvPr/>
+        </p:nvPicPr>
+        <p:blipFill>
+          <a:blip r:embed="rId6"/>
+          <a:stretch>
+            <a:fillRect/>
+          </a:stretch>
+        </p:blipFill>
+        <p:spPr>
+          <a:xfrm>
+            <a:off x="6213534" y="4058173"/>
+            <a:ext cx="5835080" cy="1245180"/>
+          </a:xfrm>
+          <a:prstGeom prst="rect">
+            <a:avLst/>
+          </a:prstGeom>
+          <a:ln>
+            <a:solidFill>
+              <a:schemeClr val="tx1"/>
+            </a:solidFill>
+          </a:ln>
+        </p:spPr>
+      </p:pic>
     </p:spTree>
     <p:extLst>
       <p:ext uri="{BB962C8B-B14F-4D97-AF65-F5344CB8AC3E}">
-        <p14:creationId xmlns:p14="http://schemas.microsoft.com/office/powerpoint/2010/main" val="2023110930"/>
+        <p14:creationId xmlns:p14="http://schemas.microsoft.com/office/powerpoint/2010/main" val="3117331291"/>
       </p:ext>
     </p:extLst>
   </p:cSld>
@@ -6516,85 +6287,12 @@
           <a:chExt cx="0" cy="0"/>
         </a:xfrm>
       </p:grpSpPr>
-      <p:sp>
-        <p:nvSpPr>
-          <p:cNvPr id="2" name="TextBox 1">
-            <a:extLst>
-              <a:ext uri="{FF2B5EF4-FFF2-40B4-BE49-F238E27FC236}">
-                <a16:creationId xmlns:a16="http://schemas.microsoft.com/office/drawing/2014/main" id="{15D65FCB-0A5B-AFCD-2C87-F1F1E7D4DA9C}"/>
-              </a:ext>
-            </a:extLst>
-          </p:cNvPr>
-          <p:cNvSpPr txBox="1"/>
-          <p:nvPr/>
-        </p:nvSpPr>
-        <p:spPr>
-          <a:xfrm>
-            <a:off x="2697635" y="255174"/>
-            <a:ext cx="6796729" cy="646331"/>
-          </a:xfrm>
-          <a:prstGeom prst="rect">
-            <a:avLst/>
-          </a:prstGeom>
-          <a:noFill/>
-        </p:spPr>
-        <p:txBody>
-          <a:bodyPr wrap="square">
-            <a:spAutoFit/>
-          </a:bodyPr>
-          <a:lstStyle/>
-          <a:p>
-            <a:pPr algn="ctr"/>
-            <a:r>
-              <a:rPr lang="en-US" sz="3600" b="1" dirty="0">
-                <a:ln w="13462">
-                  <a:solidFill>
-                    <a:schemeClr val="bg1">
-                      <a:lumMod val="85000"/>
-                    </a:schemeClr>
-                  </a:solidFill>
-                  <a:prstDash val="solid"/>
-                </a:ln>
-                <a:solidFill>
-                  <a:srgbClr val="7030A0"/>
-                </a:solidFill>
-                <a:effectLst>
-                  <a:outerShdw dist="38100" dir="2700000" algn="bl" rotWithShape="0">
-                    <a:schemeClr val="accent5"/>
-                  </a:outerShdw>
-                </a:effectLst>
-              </a:rPr>
-              <a:t>Examples of Inheritance -</a:t>
-            </a:r>
-            <a:endParaRPr lang="en-US" sz="3600" b="0" cap="none" spc="0" dirty="0">
-              <a:ln w="13462">
-                <a:solidFill>
-                  <a:schemeClr val="bg1">
-                    <a:lumMod val="85000"/>
-                  </a:schemeClr>
-                </a:solidFill>
-                <a:prstDash val="solid"/>
-              </a:ln>
-              <a:solidFill>
-                <a:srgbClr val="7030A0"/>
-              </a:solidFill>
-              <a:effectLst>
-                <a:outerShdw blurRad="38100" dist="25400" dir="5400000" algn="ctr" rotWithShape="0">
-                  <a:srgbClr val="6E747A">
-                    <a:alpha val="43000"/>
-                  </a:srgbClr>
-                </a:outerShdw>
-              </a:effectLst>
-            </a:endParaRPr>
-          </a:p>
-        </p:txBody>
-      </p:sp>
       <p:pic>
         <p:nvPicPr>
-          <p:cNvPr id="11" name="Picture 10">
-            <a:extLst>
-              <a:ext uri="{FF2B5EF4-FFF2-40B4-BE49-F238E27FC236}">
-                <a16:creationId xmlns:a16="http://schemas.microsoft.com/office/drawing/2014/main" id="{3FA566CC-FF1B-D6D9-6CBF-917D9A8205BA}"/>
+          <p:cNvPr id="3" name="Picture 2">
+            <a:extLst>
+              <a:ext uri="{FF2B5EF4-FFF2-40B4-BE49-F238E27FC236}">
+                <a16:creationId xmlns:a16="http://schemas.microsoft.com/office/drawing/2014/main" id="{6AA61DFC-6864-C4D6-DCAB-E661496E9B04}"/>
               </a:ext>
             </a:extLst>
           </p:cNvPr>
@@ -6611,23 +6309,119 @@
         </p:blipFill>
         <p:spPr>
           <a:xfrm>
-            <a:off x="771207" y="1113784"/>
-            <a:ext cx="10649586" cy="5375505"/>
-          </a:xfrm>
-          <a:prstGeom prst="rect">
-            <a:avLst/>
-          </a:prstGeom>
-          <a:ln>
-            <a:solidFill>
-              <a:schemeClr val="tx1"/>
-            </a:solidFill>
-          </a:ln>
+            <a:off x="0" y="6880"/>
+            <a:ext cx="12192000" cy="1458237"/>
+          </a:xfrm>
+          <a:prstGeom prst="rect">
+            <a:avLst/>
+          </a:prstGeom>
         </p:spPr>
       </p:pic>
+      <p:sp>
+        <p:nvSpPr>
+          <p:cNvPr id="4" name="Rectangle 3">
+            <a:extLst>
+              <a:ext uri="{FF2B5EF4-FFF2-40B4-BE49-F238E27FC236}">
+                <a16:creationId xmlns:a16="http://schemas.microsoft.com/office/drawing/2014/main" id="{2AC5AAD4-AC44-4912-B68F-4945E2958B33}"/>
+              </a:ext>
+            </a:extLst>
+          </p:cNvPr>
+          <p:cNvSpPr/>
+          <p:nvPr/>
+        </p:nvSpPr>
+        <p:spPr>
+          <a:xfrm>
+            <a:off x="3891098" y="1465117"/>
+            <a:ext cx="4409797" cy="1323439"/>
+          </a:xfrm>
+          <a:prstGeom prst="rect">
+            <a:avLst/>
+          </a:prstGeom>
+          <a:noFill/>
+        </p:spPr>
+        <p:txBody>
+          <a:bodyPr wrap="none" lIns="91440" tIns="45720" rIns="91440" bIns="45720">
+            <a:spAutoFit/>
+          </a:bodyPr>
+          <a:lstStyle/>
+          <a:p>
+            <a:pPr algn="ctr"/>
+            <a:r>
+              <a:rPr lang="en-US" sz="8000" b="1" spc="300" dirty="0">
+                <a:ln w="0"/>
+                <a:solidFill>
+                  <a:srgbClr val="7030A0"/>
+                </a:solidFill>
+                <a:effectLst>
+                  <a:innerShdw blurRad="63500" dist="50800" dir="13500000">
+                    <a:srgbClr val="000000">
+                      <a:alpha val="50000"/>
+                    </a:srgbClr>
+                  </a:innerShdw>
+                </a:effectLst>
+              </a:rPr>
+              <a:t>LOOPING</a:t>
+            </a:r>
+          </a:p>
+        </p:txBody>
+      </p:sp>
+      <p:sp>
+        <p:nvSpPr>
+          <p:cNvPr id="5" name="Rectangle 4">
+            <a:extLst>
+              <a:ext uri="{FF2B5EF4-FFF2-40B4-BE49-F238E27FC236}">
+                <a16:creationId xmlns:a16="http://schemas.microsoft.com/office/drawing/2014/main" id="{DD4BAAC6-11B4-A99C-ABA2-3D4C6EC857AE}"/>
+              </a:ext>
+            </a:extLst>
+          </p:cNvPr>
+          <p:cNvSpPr/>
+          <p:nvPr/>
+        </p:nvSpPr>
+        <p:spPr>
+          <a:xfrm>
+            <a:off x="536859" y="3429000"/>
+            <a:ext cx="11118273" cy="3046988"/>
+          </a:xfrm>
+          <a:prstGeom prst="rect">
+            <a:avLst/>
+          </a:prstGeom>
+          <a:noFill/>
+        </p:spPr>
+        <p:txBody>
+          <a:bodyPr wrap="square" lIns="91440" tIns="45720" rIns="91440" bIns="45720">
+            <a:spAutoFit/>
+          </a:bodyPr>
+          <a:lstStyle/>
+          <a:p>
+            <a:pPr algn="ctr">
+              <a:spcAft>
+                <a:spcPts val="500"/>
+              </a:spcAft>
+            </a:pPr>
+            <a:r>
+              <a:rPr lang="en-US" sz="3200" b="0" i="0" dirty="0">
+                <a:effectLst/>
+                <a:latin typeface="-apple-system"/>
+              </a:rPr>
+              <a:t>Looping is a technique used to repeat a block of code multiple times. It allows us to automate repetitive tasks and process large amounts of data efficiently. For loop is used when we know in advance how many times we want to repeat the code. While loop repeatedly executes the code block as long as the specific condition remains true.</a:t>
+            </a:r>
+            <a:endParaRPr lang="en-US" sz="3200" b="0" cap="none" spc="0" dirty="0">
+              <a:ln w="0"/>
+              <a:effectLst>
+                <a:outerShdw blurRad="38100" dist="19050" dir="2700000" algn="tl" rotWithShape="0">
+                  <a:schemeClr val="dk1">
+                    <a:alpha val="40000"/>
+                  </a:schemeClr>
+                </a:outerShdw>
+              </a:effectLst>
+            </a:endParaRPr>
+          </a:p>
+        </p:txBody>
+      </p:sp>
     </p:spTree>
     <p:extLst>
       <p:ext uri="{BB962C8B-B14F-4D97-AF65-F5344CB8AC3E}">
-        <p14:creationId xmlns:p14="http://schemas.microsoft.com/office/powerpoint/2010/main" val="959751912"/>
+        <p14:creationId xmlns:p14="http://schemas.microsoft.com/office/powerpoint/2010/main" val="981520346"/>
       </p:ext>
     </p:extLst>
   </p:cSld>
@@ -6654,85 +6448,12 @@
           <a:chExt cx="0" cy="0"/>
         </a:xfrm>
       </p:grpSpPr>
-      <p:sp>
-        <p:nvSpPr>
-          <p:cNvPr id="2" name="TextBox 1">
-            <a:extLst>
-              <a:ext uri="{FF2B5EF4-FFF2-40B4-BE49-F238E27FC236}">
-                <a16:creationId xmlns:a16="http://schemas.microsoft.com/office/drawing/2014/main" id="{15D65FCB-0A5B-AFCD-2C87-F1F1E7D4DA9C}"/>
-              </a:ext>
-            </a:extLst>
-          </p:cNvPr>
-          <p:cNvSpPr txBox="1"/>
-          <p:nvPr/>
-        </p:nvSpPr>
-        <p:spPr>
-          <a:xfrm>
-            <a:off x="2697635" y="255174"/>
-            <a:ext cx="6796729" cy="646331"/>
-          </a:xfrm>
-          <a:prstGeom prst="rect">
-            <a:avLst/>
-          </a:prstGeom>
-          <a:noFill/>
-        </p:spPr>
-        <p:txBody>
-          <a:bodyPr wrap="square">
-            <a:spAutoFit/>
-          </a:bodyPr>
-          <a:lstStyle/>
-          <a:p>
-            <a:pPr algn="ctr"/>
-            <a:r>
-              <a:rPr lang="en-US" sz="3600" b="1" dirty="0">
-                <a:ln w="13462">
-                  <a:solidFill>
-                    <a:schemeClr val="bg1">
-                      <a:lumMod val="85000"/>
-                    </a:schemeClr>
-                  </a:solidFill>
-                  <a:prstDash val="solid"/>
-                </a:ln>
-                <a:solidFill>
-                  <a:srgbClr val="7030A0"/>
-                </a:solidFill>
-                <a:effectLst>
-                  <a:outerShdw dist="38100" dir="2700000" algn="bl" rotWithShape="0">
-                    <a:schemeClr val="accent5"/>
-                  </a:outerShdw>
-                </a:effectLst>
-              </a:rPr>
-              <a:t>continued -</a:t>
-            </a:r>
-            <a:endParaRPr lang="en-US" sz="3600" b="0" cap="none" spc="0" dirty="0">
-              <a:ln w="13462">
-                <a:solidFill>
-                  <a:schemeClr val="bg1">
-                    <a:lumMod val="85000"/>
-                  </a:schemeClr>
-                </a:solidFill>
-                <a:prstDash val="solid"/>
-              </a:ln>
-              <a:solidFill>
-                <a:srgbClr val="7030A0"/>
-              </a:solidFill>
-              <a:effectLst>
-                <a:outerShdw blurRad="38100" dist="25400" dir="5400000" algn="ctr" rotWithShape="0">
-                  <a:srgbClr val="6E747A">
-                    <a:alpha val="43000"/>
-                  </a:srgbClr>
-                </a:outerShdw>
-              </a:effectLst>
-            </a:endParaRPr>
-          </a:p>
-        </p:txBody>
-      </p:sp>
       <p:pic>
         <p:nvPicPr>
-          <p:cNvPr id="6" name="Picture 5">
-            <a:extLst>
-              <a:ext uri="{FF2B5EF4-FFF2-40B4-BE49-F238E27FC236}">
-                <a16:creationId xmlns:a16="http://schemas.microsoft.com/office/drawing/2014/main" id="{4E219FD8-53E9-2563-CE4D-7AE99F933953}"/>
+          <p:cNvPr id="2" name="Picture 1">
+            <a:extLst>
+              <a:ext uri="{FF2B5EF4-FFF2-40B4-BE49-F238E27FC236}">
+                <a16:creationId xmlns:a16="http://schemas.microsoft.com/office/drawing/2014/main" id="{3B667F9B-9699-FC42-6029-EC27B60F2630}"/>
               </a:ext>
             </a:extLst>
           </p:cNvPr>
@@ -6749,23 +6470,264 @@
         </p:blipFill>
         <p:spPr>
           <a:xfrm>
-            <a:off x="628196" y="1253675"/>
-            <a:ext cx="10935606" cy="4881654"/>
+            <a:off x="648927" y="787441"/>
+            <a:ext cx="4132175" cy="2746412"/>
           </a:xfrm>
           <a:prstGeom prst="rect">
             <a:avLst/>
           </a:prstGeom>
           <a:ln>
             <a:solidFill>
-              <a:schemeClr val="tx1"/>
+              <a:schemeClr val="bg1"/>
             </a:solidFill>
           </a:ln>
+        </p:spPr>
+      </p:pic>
+      <p:pic>
+        <p:nvPicPr>
+          <p:cNvPr id="3" name="Picture 2">
+            <a:extLst>
+              <a:ext uri="{FF2B5EF4-FFF2-40B4-BE49-F238E27FC236}">
+                <a16:creationId xmlns:a16="http://schemas.microsoft.com/office/drawing/2014/main" id="{6D7FE7E2-2832-FAF2-B1CC-F7D63DB53777}"/>
+              </a:ext>
+            </a:extLst>
+          </p:cNvPr>
+          <p:cNvPicPr>
+            <a:picLocks noChangeAspect="1"/>
+          </p:cNvPicPr>
+          <p:nvPr/>
+        </p:nvPicPr>
+        <p:blipFill rotWithShape="1">
+          <a:blip r:embed="rId3"/>
+          <a:srcRect l="3179" t="4281" r="3085" b="4145"/>
+          <a:stretch/>
+        </p:blipFill>
+        <p:spPr>
+          <a:xfrm>
+            <a:off x="648927" y="4254909"/>
+            <a:ext cx="4132175" cy="2480773"/>
+          </a:xfrm>
+          <a:prstGeom prst="rect">
+            <a:avLst/>
+          </a:prstGeom>
+          <a:ln>
+            <a:solidFill>
+              <a:schemeClr val="bg1"/>
+            </a:solidFill>
+          </a:ln>
+        </p:spPr>
+      </p:pic>
+      <p:sp>
+        <p:nvSpPr>
+          <p:cNvPr id="4" name="Rectangle 3">
+            <a:extLst>
+              <a:ext uri="{FF2B5EF4-FFF2-40B4-BE49-F238E27FC236}">
+                <a16:creationId xmlns:a16="http://schemas.microsoft.com/office/drawing/2014/main" id="{0D72EA3E-BCE0-81B4-6966-AB980A4C20B8}"/>
+              </a:ext>
+            </a:extLst>
+          </p:cNvPr>
+          <p:cNvSpPr/>
+          <p:nvPr/>
+        </p:nvSpPr>
+        <p:spPr>
+          <a:xfrm>
+            <a:off x="531341" y="79555"/>
+            <a:ext cx="3851567" cy="707886"/>
+          </a:xfrm>
+          <a:prstGeom prst="rect">
+            <a:avLst/>
+          </a:prstGeom>
+          <a:noFill/>
+        </p:spPr>
+        <p:txBody>
+          <a:bodyPr wrap="none" lIns="91440" tIns="45720" rIns="91440" bIns="45720">
+            <a:spAutoFit/>
+            <a:scene3d>
+              <a:camera prst="orthographicFront"/>
+              <a:lightRig rig="soft" dir="t">
+                <a:rot lat="0" lon="0" rev="15600000"/>
+              </a:lightRig>
+            </a:scene3d>
+            <a:sp3d extrusionH="57150" prstMaterial="softEdge">
+              <a:bevelT w="25400" h="38100"/>
+            </a:sp3d>
+          </a:bodyPr>
+          <a:lstStyle/>
+          <a:p>
+            <a:pPr algn="ctr"/>
+            <a:r>
+              <a:rPr lang="en-US" sz="4000" b="1" dirty="0">
+                <a:ln>
+                  <a:solidFill>
+                    <a:srgbClr val="721B83"/>
+                  </a:solidFill>
+                </a:ln>
+                <a:solidFill>
+                  <a:srgbClr val="C08CD0"/>
+                </a:solidFill>
+              </a:rPr>
+              <a:t>For loop Syntax - </a:t>
+            </a:r>
+          </a:p>
+        </p:txBody>
+      </p:sp>
+      <p:sp>
+        <p:nvSpPr>
+          <p:cNvPr id="5" name="Rectangle 4">
+            <a:extLst>
+              <a:ext uri="{FF2B5EF4-FFF2-40B4-BE49-F238E27FC236}">
+                <a16:creationId xmlns:a16="http://schemas.microsoft.com/office/drawing/2014/main" id="{AA62D2B8-139B-5026-E95F-71A6F72B23C2}"/>
+              </a:ext>
+            </a:extLst>
+          </p:cNvPr>
+          <p:cNvSpPr/>
+          <p:nvPr/>
+        </p:nvSpPr>
+        <p:spPr>
+          <a:xfrm>
+            <a:off x="6096000" y="79555"/>
+            <a:ext cx="4664931" cy="707886"/>
+          </a:xfrm>
+          <a:prstGeom prst="rect">
+            <a:avLst/>
+          </a:prstGeom>
+          <a:noFill/>
+        </p:spPr>
+        <p:txBody>
+          <a:bodyPr wrap="none" lIns="91440" tIns="45720" rIns="91440" bIns="45720">
+            <a:spAutoFit/>
+            <a:scene3d>
+              <a:camera prst="orthographicFront"/>
+              <a:lightRig rig="soft" dir="t">
+                <a:rot lat="0" lon="0" rev="15600000"/>
+              </a:lightRig>
+            </a:scene3d>
+            <a:sp3d extrusionH="57150" prstMaterial="softEdge">
+              <a:bevelT w="25400" h="38100"/>
+            </a:sp3d>
+          </a:bodyPr>
+          <a:lstStyle/>
+          <a:p>
+            <a:pPr algn="ctr"/>
+            <a:r>
+              <a:rPr lang="en-US" sz="4000" b="1" dirty="0">
+                <a:ln>
+                  <a:solidFill>
+                    <a:srgbClr val="721B83"/>
+                  </a:solidFill>
+                </a:ln>
+                <a:solidFill>
+                  <a:srgbClr val="C08CD0"/>
+                </a:solidFill>
+              </a:rPr>
+              <a:t>Nested loop Syntax - </a:t>
+            </a:r>
+          </a:p>
+        </p:txBody>
+      </p:sp>
+      <p:sp>
+        <p:nvSpPr>
+          <p:cNvPr id="6" name="Rectangle 5">
+            <a:extLst>
+              <a:ext uri="{FF2B5EF4-FFF2-40B4-BE49-F238E27FC236}">
+                <a16:creationId xmlns:a16="http://schemas.microsoft.com/office/drawing/2014/main" id="{5F0F87A5-D7FA-B524-E832-37058EDDD1E2}"/>
+              </a:ext>
+            </a:extLst>
+          </p:cNvPr>
+          <p:cNvSpPr/>
+          <p:nvPr/>
+        </p:nvSpPr>
+        <p:spPr>
+          <a:xfrm>
+            <a:off x="531341" y="3533853"/>
+            <a:ext cx="4415697" cy="707886"/>
+          </a:xfrm>
+          <a:prstGeom prst="rect">
+            <a:avLst/>
+          </a:prstGeom>
+          <a:noFill/>
+        </p:spPr>
+        <p:txBody>
+          <a:bodyPr wrap="none" lIns="91440" tIns="45720" rIns="91440" bIns="45720">
+            <a:spAutoFit/>
+            <a:scene3d>
+              <a:camera prst="orthographicFront"/>
+              <a:lightRig rig="soft" dir="t">
+                <a:rot lat="0" lon="0" rev="15600000"/>
+              </a:lightRig>
+            </a:scene3d>
+            <a:sp3d extrusionH="57150" prstMaterial="softEdge">
+              <a:bevelT w="25400" h="38100"/>
+            </a:sp3d>
+          </a:bodyPr>
+          <a:lstStyle/>
+          <a:p>
+            <a:pPr algn="ctr"/>
+            <a:r>
+              <a:rPr lang="en-US" sz="4000" b="1" dirty="0">
+                <a:ln>
+                  <a:solidFill>
+                    <a:srgbClr val="721B83"/>
+                  </a:solidFill>
+                </a:ln>
+                <a:solidFill>
+                  <a:srgbClr val="C08CD0"/>
+                </a:solidFill>
+              </a:rPr>
+              <a:t>While loop Syntax - </a:t>
+            </a:r>
+          </a:p>
+        </p:txBody>
+      </p:sp>
+      <p:pic>
+        <p:nvPicPr>
+          <p:cNvPr id="6146" name="Picture 2" descr="Nested Loop in C | Examples to Create Nested Loop in C Programming">
+            <a:extLst>
+              <a:ext uri="{FF2B5EF4-FFF2-40B4-BE49-F238E27FC236}">
+                <a16:creationId xmlns:a16="http://schemas.microsoft.com/office/drawing/2014/main" id="{2E05ADA0-FFE8-BB90-97F9-4399C225B4E1}"/>
+              </a:ext>
+            </a:extLst>
+          </p:cNvPr>
+          <p:cNvPicPr>
+            <a:picLocks noChangeAspect="1" noChangeArrowheads="1"/>
+          </p:cNvPicPr>
+          <p:nvPr/>
+        </p:nvPicPr>
+        <p:blipFill rotWithShape="1">
+          <a:blip r:embed="rId4">
+            <a:extLst>
+              <a:ext uri="{28A0092B-C50C-407E-A947-70E740481C1C}">
+                <a14:useLocalDpi xmlns:a14="http://schemas.microsoft.com/office/drawing/2010/main" val="0"/>
+              </a:ext>
+            </a:extLst>
+          </a:blip>
+          <a:srcRect b="6451"/>
+          <a:stretch/>
+        </p:blipFill>
+        <p:spPr bwMode="auto">
+          <a:xfrm>
+            <a:off x="6407026" y="771983"/>
+            <a:ext cx="4831662" cy="5963699"/>
+          </a:xfrm>
+          <a:prstGeom prst="rect">
+            <a:avLst/>
+          </a:prstGeom>
+          <a:noFill/>
+          <a:extLst>
+            <a:ext uri="{909E8E84-426E-40DD-AFC4-6F175D3DCCD1}">
+              <a14:hiddenFill xmlns:a14="http://schemas.microsoft.com/office/drawing/2010/main">
+                <a:solidFill>
+                  <a:srgbClr val="FFFFFF"/>
+                </a:solidFill>
+              </a14:hiddenFill>
+            </a:ext>
+          </a:extLst>
         </p:spPr>
       </p:pic>
     </p:spTree>
     <p:extLst>
       <p:ext uri="{BB962C8B-B14F-4D97-AF65-F5344CB8AC3E}">
-        <p14:creationId xmlns:p14="http://schemas.microsoft.com/office/powerpoint/2010/main" val="4157637619"/>
+        <p14:creationId xmlns:p14="http://schemas.microsoft.com/office/powerpoint/2010/main" val="4176158656"/>
       </p:ext>
     </p:extLst>
   </p:cSld>
@@ -6792,12 +6754,85 @@
           <a:chExt cx="0" cy="0"/>
         </a:xfrm>
       </p:grpSpPr>
+      <p:sp>
+        <p:nvSpPr>
+          <p:cNvPr id="2" name="TextBox 1">
+            <a:extLst>
+              <a:ext uri="{FF2B5EF4-FFF2-40B4-BE49-F238E27FC236}">
+                <a16:creationId xmlns:a16="http://schemas.microsoft.com/office/drawing/2014/main" id="{B312D476-3089-D784-B30C-C11DCBD94A65}"/>
+              </a:ext>
+            </a:extLst>
+          </p:cNvPr>
+          <p:cNvSpPr txBox="1"/>
+          <p:nvPr/>
+        </p:nvSpPr>
+        <p:spPr>
+          <a:xfrm>
+            <a:off x="1658534" y="255174"/>
+            <a:ext cx="8874932" cy="646331"/>
+          </a:xfrm>
+          <a:prstGeom prst="rect">
+            <a:avLst/>
+          </a:prstGeom>
+          <a:noFill/>
+        </p:spPr>
+        <p:txBody>
+          <a:bodyPr wrap="square">
+            <a:spAutoFit/>
+          </a:bodyPr>
+          <a:lstStyle/>
+          <a:p>
+            <a:pPr algn="ctr"/>
+            <a:r>
+              <a:rPr lang="en-US" sz="3600" b="1" dirty="0">
+                <a:ln w="13462">
+                  <a:solidFill>
+                    <a:schemeClr val="bg1">
+                      <a:lumMod val="85000"/>
+                    </a:schemeClr>
+                  </a:solidFill>
+                  <a:prstDash val="solid"/>
+                </a:ln>
+                <a:solidFill>
+                  <a:srgbClr val="7030A0"/>
+                </a:solidFill>
+                <a:effectLst>
+                  <a:outerShdw dist="38100" dir="2700000" algn="bl" rotWithShape="0">
+                    <a:schemeClr val="accent5"/>
+                  </a:outerShdw>
+                </a:effectLst>
+              </a:rPr>
+              <a:t>Examples of Looping (for, while, nested) -</a:t>
+            </a:r>
+            <a:endParaRPr lang="en-US" sz="3600" b="0" cap="none" spc="0" dirty="0">
+              <a:ln w="13462">
+                <a:solidFill>
+                  <a:schemeClr val="bg1">
+                    <a:lumMod val="85000"/>
+                  </a:schemeClr>
+                </a:solidFill>
+                <a:prstDash val="solid"/>
+              </a:ln>
+              <a:solidFill>
+                <a:srgbClr val="7030A0"/>
+              </a:solidFill>
+              <a:effectLst>
+                <a:outerShdw blurRad="38100" dist="25400" dir="5400000" algn="ctr" rotWithShape="0">
+                  <a:srgbClr val="6E747A">
+                    <a:alpha val="43000"/>
+                  </a:srgbClr>
+                </a:outerShdw>
+              </a:effectLst>
+            </a:endParaRPr>
+          </a:p>
+        </p:txBody>
+      </p:sp>
       <p:pic>
         <p:nvPicPr>
-          <p:cNvPr id="3" name="Picture 2">
-            <a:extLst>
-              <a:ext uri="{FF2B5EF4-FFF2-40B4-BE49-F238E27FC236}">
-                <a16:creationId xmlns:a16="http://schemas.microsoft.com/office/drawing/2014/main" id="{6AA61DFC-6864-C4D6-DCAB-E661496E9B04}"/>
+          <p:cNvPr id="4" name="Picture 3">
+            <a:extLst>
+              <a:ext uri="{FF2B5EF4-FFF2-40B4-BE49-F238E27FC236}">
+                <a16:creationId xmlns:a16="http://schemas.microsoft.com/office/drawing/2014/main" id="{8FE1434B-E525-CDA8-3E02-1AC3BD2AF0F1}"/>
               </a:ext>
             </a:extLst>
           </p:cNvPr>
@@ -6806,146 +6841,167 @@
           </p:cNvPicPr>
           <p:nvPr/>
         </p:nvPicPr>
+        <p:blipFill rotWithShape="1">
+          <a:blip r:embed="rId2"/>
+          <a:srcRect r="12594"/>
+          <a:stretch/>
+        </p:blipFill>
+        <p:spPr>
+          <a:xfrm>
+            <a:off x="186812" y="1253878"/>
+            <a:ext cx="4015713" cy="2256709"/>
+          </a:xfrm>
+          <a:prstGeom prst="rect">
+            <a:avLst/>
+          </a:prstGeom>
+          <a:ln>
+            <a:solidFill>
+              <a:schemeClr val="tx1"/>
+            </a:solidFill>
+          </a:ln>
+        </p:spPr>
+      </p:pic>
+      <p:pic>
+        <p:nvPicPr>
+          <p:cNvPr id="6" name="Picture 5">
+            <a:extLst>
+              <a:ext uri="{FF2B5EF4-FFF2-40B4-BE49-F238E27FC236}">
+                <a16:creationId xmlns:a16="http://schemas.microsoft.com/office/drawing/2014/main" id="{A6B39484-835C-5BEF-BDB5-8EC12011CD8D}"/>
+              </a:ext>
+            </a:extLst>
+          </p:cNvPr>
+          <p:cNvPicPr>
+            <a:picLocks noChangeAspect="1"/>
+          </p:cNvPicPr>
+          <p:nvPr/>
+        </p:nvPicPr>
+        <p:blipFill rotWithShape="1">
+          <a:blip r:embed="rId3"/>
+          <a:srcRect r="20337"/>
+          <a:stretch/>
+        </p:blipFill>
+        <p:spPr>
+          <a:xfrm>
+            <a:off x="7989474" y="4110428"/>
+            <a:ext cx="3779739" cy="2528263"/>
+          </a:xfrm>
+          <a:prstGeom prst="rect">
+            <a:avLst/>
+          </a:prstGeom>
+          <a:ln>
+            <a:solidFill>
+              <a:schemeClr val="tx1"/>
+            </a:solidFill>
+          </a:ln>
+        </p:spPr>
+      </p:pic>
+      <p:pic>
+        <p:nvPicPr>
+          <p:cNvPr id="8" name="Picture 7">
+            <a:extLst>
+              <a:ext uri="{FF2B5EF4-FFF2-40B4-BE49-F238E27FC236}">
+                <a16:creationId xmlns:a16="http://schemas.microsoft.com/office/drawing/2014/main" id="{3C71F349-A515-99D7-F528-24F63FFE46F6}"/>
+              </a:ext>
+            </a:extLst>
+          </p:cNvPr>
+          <p:cNvPicPr>
+            <a:picLocks noChangeAspect="1"/>
+          </p:cNvPicPr>
+          <p:nvPr/>
+        </p:nvPicPr>
+        <p:blipFill rotWithShape="1">
+          <a:blip r:embed="rId4"/>
+          <a:srcRect r="12927"/>
+          <a:stretch/>
+        </p:blipFill>
+        <p:spPr>
+          <a:xfrm>
+            <a:off x="7989474" y="1253878"/>
+            <a:ext cx="3779739" cy="2620643"/>
+          </a:xfrm>
+          <a:prstGeom prst="rect">
+            <a:avLst/>
+          </a:prstGeom>
+          <a:ln>
+            <a:solidFill>
+              <a:schemeClr val="tx1"/>
+            </a:solidFill>
+          </a:ln>
+        </p:spPr>
+      </p:pic>
+      <p:pic>
+        <p:nvPicPr>
+          <p:cNvPr id="10" name="Picture 9">
+            <a:extLst>
+              <a:ext uri="{FF2B5EF4-FFF2-40B4-BE49-F238E27FC236}">
+                <a16:creationId xmlns:a16="http://schemas.microsoft.com/office/drawing/2014/main" id="{CA55CEBA-1113-443C-56B5-10085D2ECDA5}"/>
+              </a:ext>
+            </a:extLst>
+          </p:cNvPr>
+          <p:cNvPicPr>
+            <a:picLocks noChangeAspect="1"/>
+          </p:cNvPicPr>
+          <p:nvPr/>
+        </p:nvPicPr>
         <p:blipFill>
-          <a:blip r:embed="rId2"/>
+          <a:blip r:embed="rId5"/>
           <a:stretch>
             <a:fillRect/>
           </a:stretch>
         </p:blipFill>
         <p:spPr>
           <a:xfrm>
-            <a:off x="0" y="6880"/>
-            <a:ext cx="12192000" cy="1458237"/>
-          </a:xfrm>
-          <a:prstGeom prst="rect">
-            <a:avLst/>
-          </a:prstGeom>
+            <a:off x="4392065" y="2297012"/>
+            <a:ext cx="3407870" cy="2976018"/>
+          </a:xfrm>
+          <a:prstGeom prst="rect">
+            <a:avLst/>
+          </a:prstGeom>
+          <a:ln>
+            <a:solidFill>
+              <a:schemeClr val="tx1"/>
+            </a:solidFill>
+          </a:ln>
         </p:spPr>
       </p:pic>
-      <p:sp>
-        <p:nvSpPr>
-          <p:cNvPr id="4" name="Rectangle 3">
-            <a:extLst>
-              <a:ext uri="{FF2B5EF4-FFF2-40B4-BE49-F238E27FC236}">
-                <a16:creationId xmlns:a16="http://schemas.microsoft.com/office/drawing/2014/main" id="{2AC5AAD4-AC44-4912-B68F-4945E2958B33}"/>
-              </a:ext>
-            </a:extLst>
-          </p:cNvPr>
-          <p:cNvSpPr/>
-          <p:nvPr/>
-        </p:nvSpPr>
-        <p:spPr>
-          <a:xfrm>
-            <a:off x="604681" y="1021939"/>
-            <a:ext cx="10982632" cy="2554545"/>
-          </a:xfrm>
-          <a:prstGeom prst="rect">
-            <a:avLst/>
-          </a:prstGeom>
-          <a:noFill/>
-        </p:spPr>
-        <p:txBody>
-          <a:bodyPr wrap="square" lIns="91440" tIns="45720" rIns="91440" bIns="45720">
-            <a:spAutoFit/>
-          </a:bodyPr>
-          <a:lstStyle/>
-          <a:p>
-            <a:pPr algn="ctr"/>
-            <a:r>
-              <a:rPr lang="en-US" sz="8000" b="1" spc="300" dirty="0">
-                <a:ln w="0"/>
-                <a:solidFill>
-                  <a:srgbClr val="7030A0"/>
-                </a:solidFill>
-                <a:effectLst>
-                  <a:innerShdw blurRad="63500" dist="50800" dir="13500000">
-                    <a:srgbClr val="000000">
-                      <a:alpha val="50000"/>
-                    </a:srgbClr>
-                  </a:innerShdw>
-                </a:effectLst>
-              </a:rPr>
-              <a:t>UDF </a:t>
-            </a:r>
-          </a:p>
-          <a:p>
-            <a:pPr algn="ctr"/>
-            <a:r>
-              <a:rPr lang="en-US" sz="8000" b="1" spc="300" dirty="0">
-                <a:ln w="0"/>
-                <a:solidFill>
-                  <a:srgbClr val="7030A0"/>
-                </a:solidFill>
-                <a:effectLst>
-                  <a:innerShdw blurRad="63500" dist="50800" dir="13500000">
-                    <a:srgbClr val="000000">
-                      <a:alpha val="50000"/>
-                    </a:srgbClr>
-                  </a:innerShdw>
-                </a:effectLst>
-              </a:rPr>
-              <a:t>User Defined Functions</a:t>
-            </a:r>
-          </a:p>
-        </p:txBody>
-      </p:sp>
-      <p:sp>
-        <p:nvSpPr>
-          <p:cNvPr id="5" name="Rectangle 4">
-            <a:extLst>
-              <a:ext uri="{FF2B5EF4-FFF2-40B4-BE49-F238E27FC236}">
-                <a16:creationId xmlns:a16="http://schemas.microsoft.com/office/drawing/2014/main" id="{DD4BAAC6-11B4-A99C-ABA2-3D4C6EC857AE}"/>
-              </a:ext>
-            </a:extLst>
-          </p:cNvPr>
-          <p:cNvSpPr/>
-          <p:nvPr/>
-        </p:nvSpPr>
-        <p:spPr>
-          <a:xfrm>
-            <a:off x="536861" y="3927499"/>
-            <a:ext cx="11118273" cy="2554545"/>
-          </a:xfrm>
-          <a:prstGeom prst="rect">
-            <a:avLst/>
-          </a:prstGeom>
-          <a:noFill/>
-        </p:spPr>
-        <p:txBody>
-          <a:bodyPr wrap="square" lIns="91440" tIns="45720" rIns="91440" bIns="45720">
-            <a:spAutoFit/>
-          </a:bodyPr>
-          <a:lstStyle/>
-          <a:p>
-            <a:pPr algn="ctr">
-              <a:spcAft>
-                <a:spcPts val="500"/>
-              </a:spcAft>
-            </a:pPr>
-            <a:r>
-              <a:rPr lang="en-US" sz="3200" b="0" i="0" dirty="0">
-                <a:effectLst/>
-                <a:latin typeface="-apple-system"/>
-              </a:rPr>
-              <a:t>User-Defined Function (UDF) is a custom function created by a programmer to perform a specific task in a program. Arguments are the values that you provide to a function when you call it. Parameters are variables defined within the function that receive the values passed as arguments.</a:t>
-            </a:r>
-            <a:endParaRPr lang="en-US" sz="3200" b="0" cap="none" spc="0" dirty="0">
-              <a:ln w="0"/>
-              <a:effectLst>
-                <a:outerShdw blurRad="38100" dist="19050" dir="2700000" algn="tl" rotWithShape="0">
-                  <a:schemeClr val="dk1">
-                    <a:alpha val="40000"/>
-                  </a:schemeClr>
-                </a:outerShdw>
-              </a:effectLst>
-            </a:endParaRPr>
-          </a:p>
-        </p:txBody>
-      </p:sp>
+      <p:pic>
+        <p:nvPicPr>
+          <p:cNvPr id="12" name="Picture 11">
+            <a:extLst>
+              <a:ext uri="{FF2B5EF4-FFF2-40B4-BE49-F238E27FC236}">
+                <a16:creationId xmlns:a16="http://schemas.microsoft.com/office/drawing/2014/main" id="{2C2BE3C1-6CF0-05BF-E50D-8500511F16F3}"/>
+              </a:ext>
+            </a:extLst>
+          </p:cNvPr>
+          <p:cNvPicPr>
+            <a:picLocks noChangeAspect="1"/>
+          </p:cNvPicPr>
+          <p:nvPr/>
+        </p:nvPicPr>
+        <p:blipFill rotWithShape="1">
+          <a:blip r:embed="rId6"/>
+          <a:srcRect r="3741"/>
+          <a:stretch/>
+        </p:blipFill>
+        <p:spPr>
+          <a:xfrm>
+            <a:off x="214586" y="3943852"/>
+            <a:ext cx="3955619" cy="2658974"/>
+          </a:xfrm>
+          <a:prstGeom prst="rect">
+            <a:avLst/>
+          </a:prstGeom>
+          <a:ln>
+            <a:solidFill>
+              <a:schemeClr val="tx1"/>
+            </a:solidFill>
+          </a:ln>
+        </p:spPr>
+      </p:pic>
     </p:spTree>
     <p:extLst>
       <p:ext uri="{BB962C8B-B14F-4D97-AF65-F5344CB8AC3E}">
-        <p14:creationId xmlns:p14="http://schemas.microsoft.com/office/powerpoint/2010/main" val="3423355555"/>
+        <p14:creationId xmlns:p14="http://schemas.microsoft.com/office/powerpoint/2010/main" val="1134924127"/>
       </p:ext>
     </p:extLst>
   </p:cSld>
@@ -6972,85 +7028,12 @@
           <a:chExt cx="0" cy="0"/>
         </a:xfrm>
       </p:grpSpPr>
-      <p:sp>
-        <p:nvSpPr>
-          <p:cNvPr id="2" name="TextBox 1">
-            <a:extLst>
-              <a:ext uri="{FF2B5EF4-FFF2-40B4-BE49-F238E27FC236}">
-                <a16:creationId xmlns:a16="http://schemas.microsoft.com/office/drawing/2014/main" id="{05A32C7C-79EC-4446-8563-B8833BCE16F9}"/>
-              </a:ext>
-            </a:extLst>
-          </p:cNvPr>
-          <p:cNvSpPr txBox="1"/>
-          <p:nvPr/>
-        </p:nvSpPr>
-        <p:spPr>
-          <a:xfrm>
-            <a:off x="2697635" y="255174"/>
-            <a:ext cx="6796729" cy="646331"/>
-          </a:xfrm>
-          <a:prstGeom prst="rect">
-            <a:avLst/>
-          </a:prstGeom>
-          <a:noFill/>
-        </p:spPr>
-        <p:txBody>
-          <a:bodyPr wrap="square">
-            <a:spAutoFit/>
-          </a:bodyPr>
-          <a:lstStyle/>
-          <a:p>
-            <a:pPr algn="ctr"/>
-            <a:r>
-              <a:rPr lang="en-US" sz="3600" b="1" dirty="0">
-                <a:ln w="13462">
-                  <a:solidFill>
-                    <a:schemeClr val="bg1">
-                      <a:lumMod val="85000"/>
-                    </a:schemeClr>
-                  </a:solidFill>
-                  <a:prstDash val="solid"/>
-                </a:ln>
-                <a:solidFill>
-                  <a:srgbClr val="7030A0"/>
-                </a:solidFill>
-                <a:effectLst>
-                  <a:outerShdw dist="38100" dir="2700000" algn="bl" rotWithShape="0">
-                    <a:schemeClr val="accent5"/>
-                  </a:outerShdw>
-                </a:effectLst>
-              </a:rPr>
-              <a:t>Examples of UDFs -</a:t>
-            </a:r>
-            <a:endParaRPr lang="en-US" sz="3600" b="0" cap="none" spc="0" dirty="0">
-              <a:ln w="13462">
-                <a:solidFill>
-                  <a:schemeClr val="bg1">
-                    <a:lumMod val="85000"/>
-                  </a:schemeClr>
-                </a:solidFill>
-                <a:prstDash val="solid"/>
-              </a:ln>
-              <a:solidFill>
-                <a:srgbClr val="7030A0"/>
-              </a:solidFill>
-              <a:effectLst>
-                <a:outerShdw blurRad="38100" dist="25400" dir="5400000" algn="ctr" rotWithShape="0">
-                  <a:srgbClr val="6E747A">
-                    <a:alpha val="43000"/>
-                  </a:srgbClr>
-                </a:outerShdw>
-              </a:effectLst>
-            </a:endParaRPr>
-          </a:p>
-        </p:txBody>
-      </p:sp>
       <p:pic>
         <p:nvPicPr>
-          <p:cNvPr id="4" name="Picture 3">
-            <a:extLst>
-              <a:ext uri="{FF2B5EF4-FFF2-40B4-BE49-F238E27FC236}">
-                <a16:creationId xmlns:a16="http://schemas.microsoft.com/office/drawing/2014/main" id="{126E99F0-4C39-5416-8F57-B0D98D1E2753}"/>
+          <p:cNvPr id="3" name="Picture 2">
+            <a:extLst>
+              <a:ext uri="{FF2B5EF4-FFF2-40B4-BE49-F238E27FC236}">
+                <a16:creationId xmlns:a16="http://schemas.microsoft.com/office/drawing/2014/main" id="{6AA61DFC-6864-C4D6-DCAB-E661496E9B04}"/>
               </a:ext>
             </a:extLst>
           </p:cNvPr>
@@ -7067,93 +7050,135 @@
         </p:blipFill>
         <p:spPr>
           <a:xfrm>
-            <a:off x="130709" y="1179038"/>
-            <a:ext cx="5786042" cy="1505040"/>
-          </a:xfrm>
-          <a:prstGeom prst="rect">
-            <a:avLst/>
-          </a:prstGeom>
-          <a:ln>
-            <a:solidFill>
-              <a:schemeClr val="tx1"/>
-            </a:solidFill>
-          </a:ln>
+            <a:off x="0" y="6880"/>
+            <a:ext cx="12192000" cy="1458237"/>
+          </a:xfrm>
+          <a:prstGeom prst="rect">
+            <a:avLst/>
+          </a:prstGeom>
         </p:spPr>
       </p:pic>
-      <p:pic>
-        <p:nvPicPr>
-          <p:cNvPr id="6" name="Picture 5">
-            <a:extLst>
-              <a:ext uri="{FF2B5EF4-FFF2-40B4-BE49-F238E27FC236}">
-                <a16:creationId xmlns:a16="http://schemas.microsoft.com/office/drawing/2014/main" id="{5B7FF8BF-0251-26FE-5199-BF6CD83E690D}"/>
-              </a:ext>
-            </a:extLst>
-          </p:cNvPr>
-          <p:cNvPicPr>
-            <a:picLocks noChangeAspect="1"/>
-          </p:cNvPicPr>
-          <p:nvPr/>
-        </p:nvPicPr>
-        <p:blipFill>
-          <a:blip r:embed="rId3"/>
-          <a:stretch>
-            <a:fillRect/>
-          </a:stretch>
-        </p:blipFill>
-        <p:spPr>
-          <a:xfrm>
-            <a:off x="6275251" y="1161786"/>
-            <a:ext cx="5729937" cy="1859936"/>
-          </a:xfrm>
-          <a:prstGeom prst="rect">
-            <a:avLst/>
-          </a:prstGeom>
-          <a:ln>
-            <a:solidFill>
-              <a:schemeClr val="tx1"/>
-            </a:solidFill>
-          </a:ln>
-        </p:spPr>
-      </p:pic>
-      <p:pic>
-        <p:nvPicPr>
-          <p:cNvPr id="8" name="Picture 7">
-            <a:extLst>
-              <a:ext uri="{FF2B5EF4-FFF2-40B4-BE49-F238E27FC236}">
-                <a16:creationId xmlns:a16="http://schemas.microsoft.com/office/drawing/2014/main" id="{FC2D7BDB-C3BD-65A0-7642-A82588A5132C}"/>
-              </a:ext>
-            </a:extLst>
-          </p:cNvPr>
-          <p:cNvPicPr>
-            <a:picLocks noChangeAspect="1"/>
-          </p:cNvPicPr>
-          <p:nvPr/>
-        </p:nvPicPr>
-        <p:blipFill>
-          <a:blip r:embed="rId4"/>
-          <a:stretch>
-            <a:fillRect/>
-          </a:stretch>
-        </p:blipFill>
-        <p:spPr>
-          <a:xfrm>
-            <a:off x="903185" y="3359366"/>
-            <a:ext cx="10380889" cy="3272956"/>
-          </a:xfrm>
-          <a:prstGeom prst="rect">
-            <a:avLst/>
-          </a:prstGeom>
-          <a:ln>
-            <a:solidFill>
-              <a:schemeClr val="tx1"/>
-            </a:solidFill>
-          </a:ln>
-        </p:spPr>
-      </p:pic>
+      <p:sp>
+        <p:nvSpPr>
+          <p:cNvPr id="4" name="Rectangle 3">
+            <a:extLst>
+              <a:ext uri="{FF2B5EF4-FFF2-40B4-BE49-F238E27FC236}">
+                <a16:creationId xmlns:a16="http://schemas.microsoft.com/office/drawing/2014/main" id="{2AC5AAD4-AC44-4912-B68F-4945E2958B33}"/>
+              </a:ext>
+            </a:extLst>
+          </p:cNvPr>
+          <p:cNvSpPr/>
+          <p:nvPr/>
+        </p:nvSpPr>
+        <p:spPr>
+          <a:xfrm>
+            <a:off x="2932568" y="1465117"/>
+            <a:ext cx="6326861" cy="2554545"/>
+          </a:xfrm>
+          <a:prstGeom prst="rect">
+            <a:avLst/>
+          </a:prstGeom>
+          <a:noFill/>
+        </p:spPr>
+        <p:txBody>
+          <a:bodyPr wrap="none" lIns="91440" tIns="45720" rIns="91440" bIns="45720">
+            <a:spAutoFit/>
+          </a:bodyPr>
+          <a:lstStyle/>
+          <a:p>
+            <a:pPr algn="ctr"/>
+            <a:r>
+              <a:rPr lang="en-US" sz="8000" b="1" spc="300" dirty="0">
+                <a:ln w="0"/>
+                <a:solidFill>
+                  <a:srgbClr val="7030A0"/>
+                </a:solidFill>
+                <a:effectLst>
+                  <a:innerShdw blurRad="63500" dist="50800" dir="13500000">
+                    <a:srgbClr val="000000">
+                      <a:alpha val="50000"/>
+                    </a:srgbClr>
+                  </a:innerShdw>
+                </a:effectLst>
+              </a:rPr>
+              <a:t>INHERITANCE</a:t>
+            </a:r>
+          </a:p>
+          <a:p>
+            <a:pPr algn="ctr"/>
+            <a:endParaRPr lang="en-US" sz="8000" b="1" spc="300" dirty="0">
+              <a:ln w="0"/>
+              <a:solidFill>
+                <a:srgbClr val="7030A0"/>
+              </a:solidFill>
+              <a:effectLst>
+                <a:innerShdw blurRad="63500" dist="50800" dir="13500000">
+                  <a:srgbClr val="000000">
+                    <a:alpha val="50000"/>
+                  </a:srgbClr>
+                </a:innerShdw>
+              </a:effectLst>
+            </a:endParaRPr>
+          </a:p>
+        </p:txBody>
+      </p:sp>
+      <p:sp>
+        <p:nvSpPr>
+          <p:cNvPr id="5" name="Rectangle 4">
+            <a:extLst>
+              <a:ext uri="{FF2B5EF4-FFF2-40B4-BE49-F238E27FC236}">
+                <a16:creationId xmlns:a16="http://schemas.microsoft.com/office/drawing/2014/main" id="{DD4BAAC6-11B4-A99C-ABA2-3D4C6EC857AE}"/>
+              </a:ext>
+            </a:extLst>
+          </p:cNvPr>
+          <p:cNvSpPr/>
+          <p:nvPr/>
+        </p:nvSpPr>
+        <p:spPr>
+          <a:xfrm>
+            <a:off x="536863" y="2983602"/>
+            <a:ext cx="11118273" cy="3539430"/>
+          </a:xfrm>
+          <a:prstGeom prst="rect">
+            <a:avLst/>
+          </a:prstGeom>
+          <a:noFill/>
+        </p:spPr>
+        <p:txBody>
+          <a:bodyPr wrap="square" lIns="91440" tIns="45720" rIns="91440" bIns="45720">
+            <a:spAutoFit/>
+          </a:bodyPr>
+          <a:lstStyle/>
+          <a:p>
+            <a:pPr algn="ctr">
+              <a:spcAft>
+                <a:spcPts val="500"/>
+              </a:spcAft>
+            </a:pPr>
+            <a:r>
+              <a:rPr lang="en-US" sz="3200" b="0" i="0" dirty="0">
+                <a:effectLst/>
+                <a:latin typeface="-apple-system"/>
+              </a:rPr>
+              <a:t>Built-in functions are pre-defined functions, they have various purposes and can perform common tasks such as mathematical calculations, string manipulation, data type conversion, input/output operations, and more. Some common examples of built-in functions len() for getting the length of a sequence (such as a string, list, or tuple), sum() for calculating the sum of elements in an iterable, sorted() to sort the sequence etc.</a:t>
+            </a:r>
+            <a:endParaRPr lang="en-US" sz="3200" b="0" cap="none" spc="0" dirty="0">
+              <a:ln w="0"/>
+              <a:effectLst>
+                <a:outerShdw blurRad="38100" dist="19050" dir="2700000" algn="tl" rotWithShape="0">
+                  <a:schemeClr val="dk1">
+                    <a:alpha val="40000"/>
+                  </a:schemeClr>
+                </a:outerShdw>
+              </a:effectLst>
+            </a:endParaRPr>
+          </a:p>
+        </p:txBody>
+      </p:sp>
     </p:spTree>
     <p:extLst>
       <p:ext uri="{BB962C8B-B14F-4D97-AF65-F5344CB8AC3E}">
-        <p14:creationId xmlns:p14="http://schemas.microsoft.com/office/powerpoint/2010/main" val="3237738332"/>
+        <p14:creationId xmlns:p14="http://schemas.microsoft.com/office/powerpoint/2010/main" val="2395435037"/>
       </p:ext>
     </p:extLst>
   </p:cSld>
@@ -7182,10 +7207,10 @@
       </p:grpSpPr>
       <p:pic>
         <p:nvPicPr>
-          <p:cNvPr id="3" name="Picture 2">
-            <a:extLst>
-              <a:ext uri="{FF2B5EF4-FFF2-40B4-BE49-F238E27FC236}">
-                <a16:creationId xmlns:a16="http://schemas.microsoft.com/office/drawing/2014/main" id="{6AA61DFC-6864-C4D6-DCAB-E661496E9B04}"/>
+          <p:cNvPr id="2" name="Picture 1">
+            <a:extLst>
+              <a:ext uri="{FF2B5EF4-FFF2-40B4-BE49-F238E27FC236}">
+                <a16:creationId xmlns:a16="http://schemas.microsoft.com/office/drawing/2014/main" id="{7AB35C14-8D0F-5695-80FC-A6ED7CA758B5}"/>
               </a:ext>
             </a:extLst>
           </p:cNvPr>
@@ -7194,16 +7219,15 @@
           </p:cNvPicPr>
           <p:nvPr/>
         </p:nvPicPr>
-        <p:blipFill>
+        <p:blipFill rotWithShape="1">
           <a:blip r:embed="rId2"/>
-          <a:stretch>
-            <a:fillRect/>
-          </a:stretch>
+          <a:srcRect l="1812" t="1976" r="1580" b="6734"/>
+          <a:stretch/>
         </p:blipFill>
         <p:spPr>
           <a:xfrm>
-            <a:off x="0" y="6880"/>
-            <a:ext cx="12192000" cy="1458237"/>
+            <a:off x="3650233" y="840662"/>
+            <a:ext cx="8541767" cy="5810866"/>
           </a:xfrm>
           <a:prstGeom prst="rect">
             <a:avLst/>
@@ -7212,10 +7236,10 @@
       </p:pic>
       <p:sp>
         <p:nvSpPr>
-          <p:cNvPr id="4" name="Rectangle 3">
-            <a:extLst>
-              <a:ext uri="{FF2B5EF4-FFF2-40B4-BE49-F238E27FC236}">
-                <a16:creationId xmlns:a16="http://schemas.microsoft.com/office/drawing/2014/main" id="{2AC5AAD4-AC44-4912-B68F-4945E2958B33}"/>
+          <p:cNvPr id="3" name="Rectangle 2">
+            <a:extLst>
+              <a:ext uri="{FF2B5EF4-FFF2-40B4-BE49-F238E27FC236}">
+                <a16:creationId xmlns:a16="http://schemas.microsoft.com/office/drawing/2014/main" id="{ACA6B6DD-700F-BC69-EB7B-FF395A5C4B69}"/>
               </a:ext>
             </a:extLst>
           </p:cNvPr>
@@ -7224,8 +7248,8 @@
         </p:nvSpPr>
         <p:spPr>
           <a:xfrm>
-            <a:off x="3341464" y="1136843"/>
-            <a:ext cx="5509072" cy="5016758"/>
+            <a:off x="336904" y="324464"/>
+            <a:ext cx="3831178" cy="1754326"/>
           </a:xfrm>
           <a:prstGeom prst="rect">
             <a:avLst/>
@@ -7235,82 +7259,47 @@
         <p:txBody>
           <a:bodyPr wrap="none" lIns="91440" tIns="45720" rIns="91440" bIns="45720">
             <a:spAutoFit/>
+            <a:scene3d>
+              <a:camera prst="orthographicFront"/>
+              <a:lightRig rig="soft" dir="t">
+                <a:rot lat="0" lon="0" rev="15600000"/>
+              </a:lightRig>
+            </a:scene3d>
+            <a:sp3d extrusionH="57150" prstMaterial="softEdge">
+              <a:bevelT w="25400" h="38100"/>
+            </a:sp3d>
           </a:bodyPr>
           <a:lstStyle/>
           <a:p>
             <a:pPr algn="ctr"/>
             <a:r>
-              <a:rPr lang="en-US" sz="8000" b="1" spc="300" dirty="0">
-                <a:ln w="0"/>
+              <a:rPr lang="en-US" sz="5400" b="1" dirty="0">
+                <a:ln>
+                  <a:solidFill>
+                    <a:srgbClr val="721B83"/>
+                  </a:solidFill>
+                </a:ln>
                 <a:solidFill>
-                  <a:srgbClr val="7030A0"/>
+                  <a:srgbClr val="C08CD0"/>
                 </a:solidFill>
-                <a:effectLst>
-                  <a:innerShdw blurRad="63500" dist="50800" dir="13500000">
-                    <a:srgbClr val="000000">
-                      <a:alpha val="50000"/>
-                    </a:srgbClr>
-                  </a:innerShdw>
-                </a:effectLst>
               </a:rPr>
-              <a:t>PATTERNS</a:t>
+              <a:t>Types of</a:t>
             </a:r>
           </a:p>
           <a:p>
             <a:pPr algn="ctr"/>
             <a:r>
-              <a:rPr lang="en-US" sz="8000" b="1" spc="300" dirty="0">
-                <a:ln w="0"/>
+              <a:rPr lang="en-US" sz="5400" b="1" dirty="0">
+                <a:ln>
+                  <a:solidFill>
+                    <a:srgbClr val="721B83"/>
+                  </a:solidFill>
+                </a:ln>
                 <a:solidFill>
-                  <a:srgbClr val="7030A0"/>
+                  <a:srgbClr val="C08CD0"/>
                 </a:solidFill>
-                <a:effectLst>
-                  <a:innerShdw blurRad="63500" dist="50800" dir="13500000">
-                    <a:srgbClr val="000000">
-                      <a:alpha val="50000"/>
-                    </a:srgbClr>
-                  </a:innerShdw>
-                </a:effectLst>
               </a:rPr>
-              <a:t>AND</a:t>
-            </a:r>
-          </a:p>
-          <a:p>
-            <a:pPr algn="ctr"/>
-            <a:r>
-              <a:rPr lang="en-US" sz="8000" b="1" spc="300" dirty="0">
-                <a:ln w="0"/>
-                <a:solidFill>
-                  <a:srgbClr val="7030A0"/>
-                </a:solidFill>
-                <a:effectLst>
-                  <a:innerShdw blurRad="63500" dist="50800" dir="13500000">
-                    <a:srgbClr val="000000">
-                      <a:alpha val="50000"/>
-                    </a:srgbClr>
-                  </a:innerShdw>
-                </a:effectLst>
-              </a:rPr>
-              <a:t>LOGICAL</a:t>
-            </a:r>
-          </a:p>
-          <a:p>
-            <a:pPr algn="ctr"/>
-            <a:r>
-              <a:rPr lang="en-US" sz="8000" b="1" spc="300" dirty="0">
-                <a:ln w="0"/>
-                <a:solidFill>
-                  <a:srgbClr val="7030A0"/>
-                </a:solidFill>
-                <a:effectLst>
-                  <a:innerShdw blurRad="63500" dist="50800" dir="13500000">
-                    <a:srgbClr val="000000">
-                      <a:alpha val="50000"/>
-                    </a:srgbClr>
-                  </a:innerShdw>
-                </a:effectLst>
-              </a:rPr>
-              <a:t>QUESTIONS</a:t>
+              <a:t>Inheritance -</a:t>
             </a:r>
           </a:p>
         </p:txBody>
@@ -7318,7 +7307,7 @@
     </p:spTree>
     <p:extLst>
       <p:ext uri="{BB962C8B-B14F-4D97-AF65-F5344CB8AC3E}">
-        <p14:creationId xmlns:p14="http://schemas.microsoft.com/office/powerpoint/2010/main" val="3822599273"/>
+        <p14:creationId xmlns:p14="http://schemas.microsoft.com/office/powerpoint/2010/main" val="213270516"/>
       </p:ext>
     </p:extLst>
   </p:cSld>
@@ -7350,7 +7339,7 @@
           <p:cNvPr id="2" name="TextBox 1">
             <a:extLst>
               <a:ext uri="{FF2B5EF4-FFF2-40B4-BE49-F238E27FC236}">
-                <a16:creationId xmlns:a16="http://schemas.microsoft.com/office/drawing/2014/main" id="{09A2C8D5-9857-C28B-C755-AC04629BDA59}"/>
+                <a16:creationId xmlns:a16="http://schemas.microsoft.com/office/drawing/2014/main" id="{15D65FCB-0A5B-AFCD-2C87-F1F1E7D4DA9C}"/>
               </a:ext>
             </a:extLst>
           </p:cNvPr>
@@ -7359,8 +7348,8 @@
         </p:nvSpPr>
         <p:spPr>
           <a:xfrm>
-            <a:off x="2697635" y="255174"/>
-            <a:ext cx="6796729" cy="646331"/>
+            <a:off x="322668" y="196182"/>
+            <a:ext cx="11546663" cy="646331"/>
           </a:xfrm>
           <a:prstGeom prst="rect">
             <a:avLst/>
@@ -7393,7 +7382,7 @@
                   </a:outerShdw>
                 </a:effectLst>
               </a:rPr>
-              <a:t>Examples of Patterns -</a:t>
+              <a:t>Examples of Inheritance (single, multiple, multilevel) -</a:t>
             </a:r>
             <a:endParaRPr lang="en-US" sz="3600" b="0" cap="none" spc="0" dirty="0">
               <a:ln w="13462">
@@ -7423,7 +7412,7 @@
           <p:cNvPr id="4" name="Picture 3">
             <a:extLst>
               <a:ext uri="{FF2B5EF4-FFF2-40B4-BE49-F238E27FC236}">
-                <a16:creationId xmlns:a16="http://schemas.microsoft.com/office/drawing/2014/main" id="{BCE208B9-1593-1CC7-1465-88A6F39489BB}"/>
+                <a16:creationId xmlns:a16="http://schemas.microsoft.com/office/drawing/2014/main" id="{ACCE939C-0BD2-E4CB-DB88-DA90B61EAD67}"/>
               </a:ext>
             </a:extLst>
           </p:cNvPr>
@@ -7440,8 +7429,8 @@
         </p:blipFill>
         <p:spPr>
           <a:xfrm>
-            <a:off x="1510947" y="1296736"/>
-            <a:ext cx="3867300" cy="2439375"/>
+            <a:off x="3372465" y="4036608"/>
+            <a:ext cx="5456903" cy="2712955"/>
           </a:xfrm>
           <a:prstGeom prst="rect">
             <a:avLst/>
@@ -7458,7 +7447,7 @@
           <p:cNvPr id="6" name="Picture 5">
             <a:extLst>
               <a:ext uri="{FF2B5EF4-FFF2-40B4-BE49-F238E27FC236}">
-                <a16:creationId xmlns:a16="http://schemas.microsoft.com/office/drawing/2014/main" id="{D49F3C14-AE84-4E6C-F605-E0C9446A0FD0}"/>
+                <a16:creationId xmlns:a16="http://schemas.microsoft.com/office/drawing/2014/main" id="{32CB7092-5F5B-D7AD-A7BB-060033F18FF7}"/>
               </a:ext>
             </a:extLst>
           </p:cNvPr>
@@ -7469,13 +7458,13 @@
         </p:nvPicPr>
         <p:blipFill rotWithShape="1">
           <a:blip r:embed="rId3"/>
-          <a:srcRect r="2570"/>
+          <a:srcRect r="5226"/>
           <a:stretch/>
         </p:blipFill>
         <p:spPr>
           <a:xfrm>
-            <a:off x="1510947" y="3831969"/>
-            <a:ext cx="3867300" cy="2770857"/>
+            <a:off x="322669" y="901505"/>
+            <a:ext cx="4278829" cy="3017782"/>
           </a:xfrm>
           <a:prstGeom prst="rect">
             <a:avLst/>
@@ -7492,7 +7481,7 @@
           <p:cNvPr id="8" name="Picture 7">
             <a:extLst>
               <a:ext uri="{FF2B5EF4-FFF2-40B4-BE49-F238E27FC236}">
-                <a16:creationId xmlns:a16="http://schemas.microsoft.com/office/drawing/2014/main" id="{2C05630D-A6A7-61C8-5060-308935F6D331}"/>
+                <a16:creationId xmlns:a16="http://schemas.microsoft.com/office/drawing/2014/main" id="{1205E6E7-663B-B0E8-19FB-189187119B86}"/>
               </a:ext>
             </a:extLst>
           </p:cNvPr>
@@ -7509,8 +7498,8 @@
         </p:blipFill>
         <p:spPr>
           <a:xfrm>
-            <a:off x="6590942" y="1299380"/>
-            <a:ext cx="4090111" cy="5303446"/>
+            <a:off x="7590503" y="897695"/>
+            <a:ext cx="4278829" cy="3025402"/>
           </a:xfrm>
           <a:prstGeom prst="rect">
             <a:avLst/>
@@ -7525,7 +7514,7 @@
     </p:spTree>
     <p:extLst>
       <p:ext uri="{BB962C8B-B14F-4D97-AF65-F5344CB8AC3E}">
-        <p14:creationId xmlns:p14="http://schemas.microsoft.com/office/powerpoint/2010/main" val="1926838372"/>
+        <p14:creationId xmlns:p14="http://schemas.microsoft.com/office/powerpoint/2010/main" val="2023110930"/>
       </p:ext>
     </p:extLst>
   </p:cSld>
@@ -7557,7 +7546,7 @@
           <p:cNvPr id="2" name="TextBox 1">
             <a:extLst>
               <a:ext uri="{FF2B5EF4-FFF2-40B4-BE49-F238E27FC236}">
-                <a16:creationId xmlns:a16="http://schemas.microsoft.com/office/drawing/2014/main" id="{09A2C8D5-9857-C28B-C755-AC04629BDA59}"/>
+                <a16:creationId xmlns:a16="http://schemas.microsoft.com/office/drawing/2014/main" id="{15D65FCB-0A5B-AFCD-2C87-F1F1E7D4DA9C}"/>
               </a:ext>
             </a:extLst>
           </p:cNvPr>
@@ -7600,7 +7589,7 @@
                   </a:outerShdw>
                 </a:effectLst>
               </a:rPr>
-              <a:t>Examples of Logical Questions -</a:t>
+              <a:t>Examples of Inheritance (hybrid) -</a:t>
             </a:r>
             <a:endParaRPr lang="en-US" sz="3600" b="0" cap="none" spc="0" dirty="0">
               <a:ln w="13462">
@@ -7627,10 +7616,10 @@
       </p:sp>
       <p:pic>
         <p:nvPicPr>
-          <p:cNvPr id="4" name="Picture 3">
-            <a:extLst>
-              <a:ext uri="{FF2B5EF4-FFF2-40B4-BE49-F238E27FC236}">
-                <a16:creationId xmlns:a16="http://schemas.microsoft.com/office/drawing/2014/main" id="{241A9F32-79F7-591B-E202-EA49C0606FCF}"/>
+          <p:cNvPr id="11" name="Picture 10">
+            <a:extLst>
+              <a:ext uri="{FF2B5EF4-FFF2-40B4-BE49-F238E27FC236}">
+                <a16:creationId xmlns:a16="http://schemas.microsoft.com/office/drawing/2014/main" id="{3FA566CC-FF1B-D6D9-6CBF-917D9A8205BA}"/>
               </a:ext>
             </a:extLst>
           </p:cNvPr>
@@ -7647,8 +7636,8 @@
         </p:blipFill>
         <p:spPr>
           <a:xfrm>
-            <a:off x="233044" y="1312412"/>
-            <a:ext cx="5722389" cy="2659820"/>
+            <a:off x="771207" y="1113784"/>
+            <a:ext cx="10649586" cy="5375505"/>
           </a:xfrm>
           <a:prstGeom prst="rect">
             <a:avLst/>
@@ -7660,80 +7649,10 @@
           </a:ln>
         </p:spPr>
       </p:pic>
-      <p:pic>
-        <p:nvPicPr>
-          <p:cNvPr id="8" name="Picture 7">
-            <a:extLst>
-              <a:ext uri="{FF2B5EF4-FFF2-40B4-BE49-F238E27FC236}">
-                <a16:creationId xmlns:a16="http://schemas.microsoft.com/office/drawing/2014/main" id="{C0222741-E797-DF37-81C2-45DB384415C0}"/>
-              </a:ext>
-            </a:extLst>
-          </p:cNvPr>
-          <p:cNvPicPr>
-            <a:picLocks noChangeAspect="1"/>
-          </p:cNvPicPr>
-          <p:nvPr/>
-        </p:nvPicPr>
-        <p:blipFill>
-          <a:blip r:embed="rId3"/>
-          <a:stretch>
-            <a:fillRect/>
-          </a:stretch>
-        </p:blipFill>
-        <p:spPr>
-          <a:xfrm>
-            <a:off x="6236569" y="2255418"/>
-            <a:ext cx="5779305" cy="3201485"/>
-          </a:xfrm>
-          <a:prstGeom prst="rect">
-            <a:avLst/>
-          </a:prstGeom>
-          <a:ln>
-            <a:solidFill>
-              <a:schemeClr val="tx1"/>
-            </a:solidFill>
-          </a:ln>
-        </p:spPr>
-      </p:pic>
-      <p:pic>
-        <p:nvPicPr>
-          <p:cNvPr id="10" name="Picture 9">
-            <a:extLst>
-              <a:ext uri="{FF2B5EF4-FFF2-40B4-BE49-F238E27FC236}">
-                <a16:creationId xmlns:a16="http://schemas.microsoft.com/office/drawing/2014/main" id="{A5B98367-9279-884B-E713-B33C3689590C}"/>
-              </a:ext>
-            </a:extLst>
-          </p:cNvPr>
-          <p:cNvPicPr>
-            <a:picLocks noChangeAspect="1"/>
-          </p:cNvPicPr>
-          <p:nvPr/>
-        </p:nvPicPr>
-        <p:blipFill>
-          <a:blip r:embed="rId4"/>
-          <a:stretch>
-            <a:fillRect/>
-          </a:stretch>
-        </p:blipFill>
-        <p:spPr>
-          <a:xfrm>
-            <a:off x="233044" y="4104122"/>
-            <a:ext cx="5722388" cy="2502799"/>
-          </a:xfrm>
-          <a:prstGeom prst="rect">
-            <a:avLst/>
-          </a:prstGeom>
-          <a:ln>
-            <a:solidFill>
-              <a:schemeClr val="tx1"/>
-            </a:solidFill>
-          </a:ln>
-        </p:spPr>
-      </p:pic>
     </p:spTree>
     <p:extLst>
       <p:ext uri="{BB962C8B-B14F-4D97-AF65-F5344CB8AC3E}">
-        <p14:creationId xmlns:p14="http://schemas.microsoft.com/office/powerpoint/2010/main" val="410115191"/>
+        <p14:creationId xmlns:p14="http://schemas.microsoft.com/office/powerpoint/2010/main" val="959751912"/>
       </p:ext>
     </p:extLst>
   </p:cSld>
@@ -7765,7 +7684,7 @@
           <p:cNvPr id="2" name="TextBox 1">
             <a:extLst>
               <a:ext uri="{FF2B5EF4-FFF2-40B4-BE49-F238E27FC236}">
-                <a16:creationId xmlns:a16="http://schemas.microsoft.com/office/drawing/2014/main" id="{09A2C8D5-9857-C28B-C755-AC04629BDA59}"/>
+                <a16:creationId xmlns:a16="http://schemas.microsoft.com/office/drawing/2014/main" id="{15D65FCB-0A5B-AFCD-2C87-F1F1E7D4DA9C}"/>
               </a:ext>
             </a:extLst>
           </p:cNvPr>
@@ -7808,7 +7727,7 @@
                   </a:outerShdw>
                 </a:effectLst>
               </a:rPr>
-              <a:t>Examples of Logical Questions -</a:t>
+              <a:t>continued -</a:t>
             </a:r>
             <a:endParaRPr lang="en-US" sz="3600" b="0" cap="none" spc="0" dirty="0">
               <a:ln w="13462">
@@ -7838,7 +7757,7 @@
           <p:cNvPr id="6" name="Picture 5">
             <a:extLst>
               <a:ext uri="{FF2B5EF4-FFF2-40B4-BE49-F238E27FC236}">
-                <a16:creationId xmlns:a16="http://schemas.microsoft.com/office/drawing/2014/main" id="{871AA424-563A-F49E-2161-283AEBC19FA0}"/>
+                <a16:creationId xmlns:a16="http://schemas.microsoft.com/office/drawing/2014/main" id="{4E219FD8-53E9-2563-CE4D-7AE99F933953}"/>
               </a:ext>
             </a:extLst>
           </p:cNvPr>
@@ -7855,8 +7774,8 @@
         </p:blipFill>
         <p:spPr>
           <a:xfrm>
-            <a:off x="1125008" y="1635121"/>
-            <a:ext cx="9941983" cy="4276019"/>
+            <a:off x="628196" y="1253675"/>
+            <a:ext cx="10935606" cy="4881654"/>
           </a:xfrm>
           <a:prstGeom prst="rect">
             <a:avLst/>
@@ -7871,7 +7790,7 @@
     </p:spTree>
     <p:extLst>
       <p:ext uri="{BB962C8B-B14F-4D97-AF65-F5344CB8AC3E}">
-        <p14:creationId xmlns:p14="http://schemas.microsoft.com/office/powerpoint/2010/main" val="3197834547"/>
+        <p14:creationId xmlns:p14="http://schemas.microsoft.com/office/powerpoint/2010/main" val="4157637619"/>
       </p:ext>
     </p:extLst>
   </p:cSld>
@@ -7898,85 +7817,12 @@
           <a:chExt cx="0" cy="0"/>
         </a:xfrm>
       </p:grpSpPr>
-      <p:sp>
-        <p:nvSpPr>
-          <p:cNvPr id="2" name="TextBox 1">
-            <a:extLst>
-              <a:ext uri="{FF2B5EF4-FFF2-40B4-BE49-F238E27FC236}">
-                <a16:creationId xmlns:a16="http://schemas.microsoft.com/office/drawing/2014/main" id="{09A2C8D5-9857-C28B-C755-AC04629BDA59}"/>
-              </a:ext>
-            </a:extLst>
-          </p:cNvPr>
-          <p:cNvSpPr txBox="1"/>
-          <p:nvPr/>
-        </p:nvSpPr>
-        <p:spPr>
-          <a:xfrm>
-            <a:off x="2697635" y="255174"/>
-            <a:ext cx="6796729" cy="646331"/>
-          </a:xfrm>
-          <a:prstGeom prst="rect">
-            <a:avLst/>
-          </a:prstGeom>
-          <a:noFill/>
-        </p:spPr>
-        <p:txBody>
-          <a:bodyPr wrap="square">
-            <a:spAutoFit/>
-          </a:bodyPr>
-          <a:lstStyle/>
-          <a:p>
-            <a:pPr algn="ctr"/>
-            <a:r>
-              <a:rPr lang="en-US" sz="3600" b="1" dirty="0">
-                <a:ln w="13462">
-                  <a:solidFill>
-                    <a:schemeClr val="bg1">
-                      <a:lumMod val="85000"/>
-                    </a:schemeClr>
-                  </a:solidFill>
-                  <a:prstDash val="solid"/>
-                </a:ln>
-                <a:solidFill>
-                  <a:srgbClr val="7030A0"/>
-                </a:solidFill>
-                <a:effectLst>
-                  <a:outerShdw dist="38100" dir="2700000" algn="bl" rotWithShape="0">
-                    <a:schemeClr val="accent5"/>
-                  </a:outerShdw>
-                </a:effectLst>
-              </a:rPr>
-              <a:t>Examples of Logical Questions -</a:t>
-            </a:r>
-            <a:endParaRPr lang="en-US" sz="3600" b="0" cap="none" spc="0" dirty="0">
-              <a:ln w="13462">
-                <a:solidFill>
-                  <a:schemeClr val="bg1">
-                    <a:lumMod val="85000"/>
-                  </a:schemeClr>
-                </a:solidFill>
-                <a:prstDash val="solid"/>
-              </a:ln>
-              <a:solidFill>
-                <a:srgbClr val="7030A0"/>
-              </a:solidFill>
-              <a:effectLst>
-                <a:outerShdw blurRad="38100" dist="25400" dir="5400000" algn="ctr" rotWithShape="0">
-                  <a:srgbClr val="6E747A">
-                    <a:alpha val="43000"/>
-                  </a:srgbClr>
-                </a:outerShdw>
-              </a:effectLst>
-            </a:endParaRPr>
-          </a:p>
-        </p:txBody>
-      </p:sp>
       <p:pic>
         <p:nvPicPr>
-          <p:cNvPr id="12" name="Picture 11">
-            <a:extLst>
-              <a:ext uri="{FF2B5EF4-FFF2-40B4-BE49-F238E27FC236}">
-                <a16:creationId xmlns:a16="http://schemas.microsoft.com/office/drawing/2014/main" id="{B9602501-399D-3B3E-D8F3-F20A494936ED}"/>
+          <p:cNvPr id="3" name="Picture 2">
+            <a:extLst>
+              <a:ext uri="{FF2B5EF4-FFF2-40B4-BE49-F238E27FC236}">
+                <a16:creationId xmlns:a16="http://schemas.microsoft.com/office/drawing/2014/main" id="{6AA61DFC-6864-C4D6-DCAB-E661496E9B04}"/>
               </a:ext>
             </a:extLst>
           </p:cNvPr>
@@ -7993,23 +7839,138 @@
         </p:blipFill>
         <p:spPr>
           <a:xfrm>
-            <a:off x="373626" y="1534632"/>
-            <a:ext cx="11444748" cy="4398338"/>
-          </a:xfrm>
-          <a:prstGeom prst="rect">
-            <a:avLst/>
-          </a:prstGeom>
-          <a:ln>
-            <a:solidFill>
-              <a:schemeClr val="tx1"/>
-            </a:solidFill>
-          </a:ln>
+            <a:off x="0" y="6880"/>
+            <a:ext cx="12192000" cy="1458237"/>
+          </a:xfrm>
+          <a:prstGeom prst="rect">
+            <a:avLst/>
+          </a:prstGeom>
         </p:spPr>
       </p:pic>
+      <p:sp>
+        <p:nvSpPr>
+          <p:cNvPr id="4" name="Rectangle 3">
+            <a:extLst>
+              <a:ext uri="{FF2B5EF4-FFF2-40B4-BE49-F238E27FC236}">
+                <a16:creationId xmlns:a16="http://schemas.microsoft.com/office/drawing/2014/main" id="{2AC5AAD4-AC44-4912-B68F-4945E2958B33}"/>
+              </a:ext>
+            </a:extLst>
+          </p:cNvPr>
+          <p:cNvSpPr/>
+          <p:nvPr/>
+        </p:nvSpPr>
+        <p:spPr>
+          <a:xfrm>
+            <a:off x="604681" y="1021939"/>
+            <a:ext cx="10982632" cy="2554545"/>
+          </a:xfrm>
+          <a:prstGeom prst="rect">
+            <a:avLst/>
+          </a:prstGeom>
+          <a:noFill/>
+        </p:spPr>
+        <p:txBody>
+          <a:bodyPr wrap="square" lIns="91440" tIns="45720" rIns="91440" bIns="45720">
+            <a:spAutoFit/>
+          </a:bodyPr>
+          <a:lstStyle/>
+          <a:p>
+            <a:pPr algn="ctr"/>
+            <a:r>
+              <a:rPr lang="en-US" sz="8000" b="1" spc="300" dirty="0">
+                <a:ln w="0"/>
+                <a:solidFill>
+                  <a:srgbClr val="7030A0"/>
+                </a:solidFill>
+                <a:effectLst>
+                  <a:innerShdw blurRad="63500" dist="50800" dir="13500000">
+                    <a:srgbClr val="000000">
+                      <a:alpha val="50000"/>
+                    </a:srgbClr>
+                  </a:innerShdw>
+                </a:effectLst>
+              </a:rPr>
+              <a:t>UDF </a:t>
+            </a:r>
+          </a:p>
+          <a:p>
+            <a:pPr algn="ctr"/>
+            <a:r>
+              <a:rPr lang="en-US" sz="8000" b="1" spc="300" dirty="0">
+                <a:ln w="0"/>
+                <a:solidFill>
+                  <a:srgbClr val="7030A0"/>
+                </a:solidFill>
+                <a:effectLst>
+                  <a:innerShdw blurRad="63500" dist="50800" dir="13500000">
+                    <a:srgbClr val="000000">
+                      <a:alpha val="50000"/>
+                    </a:srgbClr>
+                  </a:innerShdw>
+                </a:effectLst>
+              </a:rPr>
+              <a:t>User Defined Functions</a:t>
+            </a:r>
+          </a:p>
+        </p:txBody>
+      </p:sp>
+      <p:sp>
+        <p:nvSpPr>
+          <p:cNvPr id="5" name="Rectangle 4">
+            <a:extLst>
+              <a:ext uri="{FF2B5EF4-FFF2-40B4-BE49-F238E27FC236}">
+                <a16:creationId xmlns:a16="http://schemas.microsoft.com/office/drawing/2014/main" id="{DD4BAAC6-11B4-A99C-ABA2-3D4C6EC857AE}"/>
+              </a:ext>
+            </a:extLst>
+          </p:cNvPr>
+          <p:cNvSpPr/>
+          <p:nvPr/>
+        </p:nvSpPr>
+        <p:spPr>
+          <a:xfrm>
+            <a:off x="536861" y="3927499"/>
+            <a:ext cx="11118273" cy="2554545"/>
+          </a:xfrm>
+          <a:prstGeom prst="rect">
+            <a:avLst/>
+          </a:prstGeom>
+          <a:noFill/>
+        </p:spPr>
+        <p:txBody>
+          <a:bodyPr wrap="square" lIns="91440" tIns="45720" rIns="91440" bIns="45720">
+            <a:spAutoFit/>
+          </a:bodyPr>
+          <a:lstStyle/>
+          <a:p>
+            <a:pPr algn="ctr">
+              <a:spcAft>
+                <a:spcPts val="500"/>
+              </a:spcAft>
+            </a:pPr>
+            <a:r>
+              <a:rPr lang="en-US" sz="3200" b="0" i="0" dirty="0">
+                <a:effectLst/>
+                <a:latin typeface="-apple-system"/>
+              </a:rPr>
+              <a:t>User-Defined Function (UDF) is a custom function created by a programmer to perform a specific task in a program. Arguments are the values that you provide to a function when you call it. Parameters are variables defined within the function that receive the values passed as arguments.</a:t>
+            </a:r>
+            <a:endParaRPr lang="en-US" sz="3200" b="0" cap="none" spc="0" dirty="0">
+              <a:ln w="0"/>
+              <a:effectLst>
+                <a:outerShdw blurRad="38100" dist="19050" dir="2700000" algn="tl" rotWithShape="0">
+                  <a:schemeClr val="dk1">
+                    <a:alpha val="40000"/>
+                  </a:schemeClr>
+                </a:outerShdw>
+              </a:effectLst>
+            </a:endParaRPr>
+          </a:p>
+        </p:txBody>
+      </p:sp>
     </p:spTree>
     <p:extLst>
       <p:ext uri="{BB962C8B-B14F-4D97-AF65-F5344CB8AC3E}">
-        <p14:creationId xmlns:p14="http://schemas.microsoft.com/office/powerpoint/2010/main" val="1576289154"/>
+        <p14:creationId xmlns:p14="http://schemas.microsoft.com/office/powerpoint/2010/main" val="3423355555"/>
       </p:ext>
     </p:extLst>
   </p:cSld>
@@ -8312,6 +8273,1070 @@
 </file>
 
 <file path=ppt/slides/slide30.xml><?xml version="1.0" encoding="utf-8"?>
+<p:sld xmlns:a="http://schemas.openxmlformats.org/drawingml/2006/main" xmlns:r="http://schemas.openxmlformats.org/officeDocument/2006/relationships" xmlns:p="http://schemas.openxmlformats.org/presentationml/2006/main">
+  <p:cSld>
+    <p:spTree>
+      <p:nvGrpSpPr>
+        <p:cNvPr id="1" name=""/>
+        <p:cNvGrpSpPr/>
+        <p:nvPr/>
+      </p:nvGrpSpPr>
+      <p:grpSpPr>
+        <a:xfrm>
+          <a:off x="0" y="0"/>
+          <a:ext cx="0" cy="0"/>
+          <a:chOff x="0" y="0"/>
+          <a:chExt cx="0" cy="0"/>
+        </a:xfrm>
+      </p:grpSpPr>
+      <p:sp>
+        <p:nvSpPr>
+          <p:cNvPr id="2" name="TextBox 1">
+            <a:extLst>
+              <a:ext uri="{FF2B5EF4-FFF2-40B4-BE49-F238E27FC236}">
+                <a16:creationId xmlns:a16="http://schemas.microsoft.com/office/drawing/2014/main" id="{05A32C7C-79EC-4446-8563-B8833BCE16F9}"/>
+              </a:ext>
+            </a:extLst>
+          </p:cNvPr>
+          <p:cNvSpPr txBox="1"/>
+          <p:nvPr/>
+        </p:nvSpPr>
+        <p:spPr>
+          <a:xfrm>
+            <a:off x="2697635" y="255174"/>
+            <a:ext cx="6796729" cy="646331"/>
+          </a:xfrm>
+          <a:prstGeom prst="rect">
+            <a:avLst/>
+          </a:prstGeom>
+          <a:noFill/>
+        </p:spPr>
+        <p:txBody>
+          <a:bodyPr wrap="square">
+            <a:spAutoFit/>
+          </a:bodyPr>
+          <a:lstStyle/>
+          <a:p>
+            <a:pPr algn="ctr"/>
+            <a:r>
+              <a:rPr lang="en-US" sz="3600" b="1" dirty="0">
+                <a:ln w="13462">
+                  <a:solidFill>
+                    <a:schemeClr val="bg1">
+                      <a:lumMod val="85000"/>
+                    </a:schemeClr>
+                  </a:solidFill>
+                  <a:prstDash val="solid"/>
+                </a:ln>
+                <a:solidFill>
+                  <a:srgbClr val="7030A0"/>
+                </a:solidFill>
+                <a:effectLst>
+                  <a:outerShdw dist="38100" dir="2700000" algn="bl" rotWithShape="0">
+                    <a:schemeClr val="accent5"/>
+                  </a:outerShdw>
+                </a:effectLst>
+              </a:rPr>
+              <a:t>Examples of UDFs -</a:t>
+            </a:r>
+            <a:endParaRPr lang="en-US" sz="3600" b="0" cap="none" spc="0" dirty="0">
+              <a:ln w="13462">
+                <a:solidFill>
+                  <a:schemeClr val="bg1">
+                    <a:lumMod val="85000"/>
+                  </a:schemeClr>
+                </a:solidFill>
+                <a:prstDash val="solid"/>
+              </a:ln>
+              <a:solidFill>
+                <a:srgbClr val="7030A0"/>
+              </a:solidFill>
+              <a:effectLst>
+                <a:outerShdw blurRad="38100" dist="25400" dir="5400000" algn="ctr" rotWithShape="0">
+                  <a:srgbClr val="6E747A">
+                    <a:alpha val="43000"/>
+                  </a:srgbClr>
+                </a:outerShdw>
+              </a:effectLst>
+            </a:endParaRPr>
+          </a:p>
+        </p:txBody>
+      </p:sp>
+      <p:pic>
+        <p:nvPicPr>
+          <p:cNvPr id="4" name="Picture 3">
+            <a:extLst>
+              <a:ext uri="{FF2B5EF4-FFF2-40B4-BE49-F238E27FC236}">
+                <a16:creationId xmlns:a16="http://schemas.microsoft.com/office/drawing/2014/main" id="{126E99F0-4C39-5416-8F57-B0D98D1E2753}"/>
+              </a:ext>
+            </a:extLst>
+          </p:cNvPr>
+          <p:cNvPicPr>
+            <a:picLocks noChangeAspect="1"/>
+          </p:cNvPicPr>
+          <p:nvPr/>
+        </p:nvPicPr>
+        <p:blipFill>
+          <a:blip r:embed="rId2"/>
+          <a:stretch>
+            <a:fillRect/>
+          </a:stretch>
+        </p:blipFill>
+        <p:spPr>
+          <a:xfrm>
+            <a:off x="130709" y="1179038"/>
+            <a:ext cx="5786042" cy="1505040"/>
+          </a:xfrm>
+          <a:prstGeom prst="rect">
+            <a:avLst/>
+          </a:prstGeom>
+          <a:ln>
+            <a:solidFill>
+              <a:schemeClr val="tx1"/>
+            </a:solidFill>
+          </a:ln>
+        </p:spPr>
+      </p:pic>
+      <p:pic>
+        <p:nvPicPr>
+          <p:cNvPr id="6" name="Picture 5">
+            <a:extLst>
+              <a:ext uri="{FF2B5EF4-FFF2-40B4-BE49-F238E27FC236}">
+                <a16:creationId xmlns:a16="http://schemas.microsoft.com/office/drawing/2014/main" id="{5B7FF8BF-0251-26FE-5199-BF6CD83E690D}"/>
+              </a:ext>
+            </a:extLst>
+          </p:cNvPr>
+          <p:cNvPicPr>
+            <a:picLocks noChangeAspect="1"/>
+          </p:cNvPicPr>
+          <p:nvPr/>
+        </p:nvPicPr>
+        <p:blipFill>
+          <a:blip r:embed="rId3"/>
+          <a:stretch>
+            <a:fillRect/>
+          </a:stretch>
+        </p:blipFill>
+        <p:spPr>
+          <a:xfrm>
+            <a:off x="6275251" y="1161786"/>
+            <a:ext cx="5729937" cy="1859936"/>
+          </a:xfrm>
+          <a:prstGeom prst="rect">
+            <a:avLst/>
+          </a:prstGeom>
+          <a:ln>
+            <a:solidFill>
+              <a:schemeClr val="tx1"/>
+            </a:solidFill>
+          </a:ln>
+        </p:spPr>
+      </p:pic>
+      <p:pic>
+        <p:nvPicPr>
+          <p:cNvPr id="8" name="Picture 7">
+            <a:extLst>
+              <a:ext uri="{FF2B5EF4-FFF2-40B4-BE49-F238E27FC236}">
+                <a16:creationId xmlns:a16="http://schemas.microsoft.com/office/drawing/2014/main" id="{FC2D7BDB-C3BD-65A0-7642-A82588A5132C}"/>
+              </a:ext>
+            </a:extLst>
+          </p:cNvPr>
+          <p:cNvPicPr>
+            <a:picLocks noChangeAspect="1"/>
+          </p:cNvPicPr>
+          <p:nvPr/>
+        </p:nvPicPr>
+        <p:blipFill>
+          <a:blip r:embed="rId4"/>
+          <a:stretch>
+            <a:fillRect/>
+          </a:stretch>
+        </p:blipFill>
+        <p:spPr>
+          <a:xfrm>
+            <a:off x="903185" y="3359366"/>
+            <a:ext cx="10380889" cy="3272956"/>
+          </a:xfrm>
+          <a:prstGeom prst="rect">
+            <a:avLst/>
+          </a:prstGeom>
+          <a:ln>
+            <a:solidFill>
+              <a:schemeClr val="tx1"/>
+            </a:solidFill>
+          </a:ln>
+        </p:spPr>
+      </p:pic>
+    </p:spTree>
+    <p:extLst>
+      <p:ext uri="{BB962C8B-B14F-4D97-AF65-F5344CB8AC3E}">
+        <p14:creationId xmlns:p14="http://schemas.microsoft.com/office/powerpoint/2010/main" val="3237738332"/>
+      </p:ext>
+    </p:extLst>
+  </p:cSld>
+  <p:clrMapOvr>
+    <a:masterClrMapping/>
+  </p:clrMapOvr>
+</p:sld>
+</file>
+
+<file path=ppt/slides/slide31.xml><?xml version="1.0" encoding="utf-8"?>
+<p:sld xmlns:a="http://schemas.openxmlformats.org/drawingml/2006/main" xmlns:r="http://schemas.openxmlformats.org/officeDocument/2006/relationships" xmlns:p="http://schemas.openxmlformats.org/presentationml/2006/main">
+  <p:cSld>
+    <p:spTree>
+      <p:nvGrpSpPr>
+        <p:cNvPr id="1" name=""/>
+        <p:cNvGrpSpPr/>
+        <p:nvPr/>
+      </p:nvGrpSpPr>
+      <p:grpSpPr>
+        <a:xfrm>
+          <a:off x="0" y="0"/>
+          <a:ext cx="0" cy="0"/>
+          <a:chOff x="0" y="0"/>
+          <a:chExt cx="0" cy="0"/>
+        </a:xfrm>
+      </p:grpSpPr>
+      <p:pic>
+        <p:nvPicPr>
+          <p:cNvPr id="3" name="Picture 2">
+            <a:extLst>
+              <a:ext uri="{FF2B5EF4-FFF2-40B4-BE49-F238E27FC236}">
+                <a16:creationId xmlns:a16="http://schemas.microsoft.com/office/drawing/2014/main" id="{6AA61DFC-6864-C4D6-DCAB-E661496E9B04}"/>
+              </a:ext>
+            </a:extLst>
+          </p:cNvPr>
+          <p:cNvPicPr>
+            <a:picLocks noChangeAspect="1"/>
+          </p:cNvPicPr>
+          <p:nvPr/>
+        </p:nvPicPr>
+        <p:blipFill>
+          <a:blip r:embed="rId2"/>
+          <a:stretch>
+            <a:fillRect/>
+          </a:stretch>
+        </p:blipFill>
+        <p:spPr>
+          <a:xfrm>
+            <a:off x="0" y="6880"/>
+            <a:ext cx="12192000" cy="1458237"/>
+          </a:xfrm>
+          <a:prstGeom prst="rect">
+            <a:avLst/>
+          </a:prstGeom>
+        </p:spPr>
+      </p:pic>
+      <p:sp>
+        <p:nvSpPr>
+          <p:cNvPr id="4" name="Rectangle 3">
+            <a:extLst>
+              <a:ext uri="{FF2B5EF4-FFF2-40B4-BE49-F238E27FC236}">
+                <a16:creationId xmlns:a16="http://schemas.microsoft.com/office/drawing/2014/main" id="{2AC5AAD4-AC44-4912-B68F-4945E2958B33}"/>
+              </a:ext>
+            </a:extLst>
+          </p:cNvPr>
+          <p:cNvSpPr/>
+          <p:nvPr/>
+        </p:nvSpPr>
+        <p:spPr>
+          <a:xfrm>
+            <a:off x="3341464" y="1136843"/>
+            <a:ext cx="5509072" cy="5016758"/>
+          </a:xfrm>
+          <a:prstGeom prst="rect">
+            <a:avLst/>
+          </a:prstGeom>
+          <a:noFill/>
+        </p:spPr>
+        <p:txBody>
+          <a:bodyPr wrap="none" lIns="91440" tIns="45720" rIns="91440" bIns="45720">
+            <a:spAutoFit/>
+          </a:bodyPr>
+          <a:lstStyle/>
+          <a:p>
+            <a:pPr algn="ctr"/>
+            <a:r>
+              <a:rPr lang="en-US" sz="8000" b="1" spc="300" dirty="0">
+                <a:ln w="0"/>
+                <a:solidFill>
+                  <a:srgbClr val="7030A0"/>
+                </a:solidFill>
+                <a:effectLst>
+                  <a:innerShdw blurRad="63500" dist="50800" dir="13500000">
+                    <a:srgbClr val="000000">
+                      <a:alpha val="50000"/>
+                    </a:srgbClr>
+                  </a:innerShdw>
+                </a:effectLst>
+              </a:rPr>
+              <a:t>PATTERNS</a:t>
+            </a:r>
+          </a:p>
+          <a:p>
+            <a:pPr algn="ctr"/>
+            <a:r>
+              <a:rPr lang="en-US" sz="8000" b="1" spc="300" dirty="0">
+                <a:ln w="0"/>
+                <a:solidFill>
+                  <a:srgbClr val="7030A0"/>
+                </a:solidFill>
+                <a:effectLst>
+                  <a:innerShdw blurRad="63500" dist="50800" dir="13500000">
+                    <a:srgbClr val="000000">
+                      <a:alpha val="50000"/>
+                    </a:srgbClr>
+                  </a:innerShdw>
+                </a:effectLst>
+              </a:rPr>
+              <a:t>AND</a:t>
+            </a:r>
+          </a:p>
+          <a:p>
+            <a:pPr algn="ctr"/>
+            <a:r>
+              <a:rPr lang="en-US" sz="8000" b="1" spc="300" dirty="0">
+                <a:ln w="0"/>
+                <a:solidFill>
+                  <a:srgbClr val="7030A0"/>
+                </a:solidFill>
+                <a:effectLst>
+                  <a:innerShdw blurRad="63500" dist="50800" dir="13500000">
+                    <a:srgbClr val="000000">
+                      <a:alpha val="50000"/>
+                    </a:srgbClr>
+                  </a:innerShdw>
+                </a:effectLst>
+              </a:rPr>
+              <a:t>LOGICAL</a:t>
+            </a:r>
+          </a:p>
+          <a:p>
+            <a:pPr algn="ctr"/>
+            <a:r>
+              <a:rPr lang="en-US" sz="8000" b="1" spc="300" dirty="0">
+                <a:ln w="0"/>
+                <a:solidFill>
+                  <a:srgbClr val="7030A0"/>
+                </a:solidFill>
+                <a:effectLst>
+                  <a:innerShdw blurRad="63500" dist="50800" dir="13500000">
+                    <a:srgbClr val="000000">
+                      <a:alpha val="50000"/>
+                    </a:srgbClr>
+                  </a:innerShdw>
+                </a:effectLst>
+              </a:rPr>
+              <a:t>QUESTIONS</a:t>
+            </a:r>
+          </a:p>
+        </p:txBody>
+      </p:sp>
+    </p:spTree>
+    <p:extLst>
+      <p:ext uri="{BB962C8B-B14F-4D97-AF65-F5344CB8AC3E}">
+        <p14:creationId xmlns:p14="http://schemas.microsoft.com/office/powerpoint/2010/main" val="3822599273"/>
+      </p:ext>
+    </p:extLst>
+  </p:cSld>
+  <p:clrMapOvr>
+    <a:masterClrMapping/>
+  </p:clrMapOvr>
+</p:sld>
+</file>
+
+<file path=ppt/slides/slide32.xml><?xml version="1.0" encoding="utf-8"?>
+<p:sld xmlns:a="http://schemas.openxmlformats.org/drawingml/2006/main" xmlns:r="http://schemas.openxmlformats.org/officeDocument/2006/relationships" xmlns:p="http://schemas.openxmlformats.org/presentationml/2006/main">
+  <p:cSld>
+    <p:spTree>
+      <p:nvGrpSpPr>
+        <p:cNvPr id="1" name=""/>
+        <p:cNvGrpSpPr/>
+        <p:nvPr/>
+      </p:nvGrpSpPr>
+      <p:grpSpPr>
+        <a:xfrm>
+          <a:off x="0" y="0"/>
+          <a:ext cx="0" cy="0"/>
+          <a:chOff x="0" y="0"/>
+          <a:chExt cx="0" cy="0"/>
+        </a:xfrm>
+      </p:grpSpPr>
+      <p:sp>
+        <p:nvSpPr>
+          <p:cNvPr id="2" name="TextBox 1">
+            <a:extLst>
+              <a:ext uri="{FF2B5EF4-FFF2-40B4-BE49-F238E27FC236}">
+                <a16:creationId xmlns:a16="http://schemas.microsoft.com/office/drawing/2014/main" id="{09A2C8D5-9857-C28B-C755-AC04629BDA59}"/>
+              </a:ext>
+            </a:extLst>
+          </p:cNvPr>
+          <p:cNvSpPr txBox="1"/>
+          <p:nvPr/>
+        </p:nvSpPr>
+        <p:spPr>
+          <a:xfrm>
+            <a:off x="2697635" y="255174"/>
+            <a:ext cx="6796729" cy="646331"/>
+          </a:xfrm>
+          <a:prstGeom prst="rect">
+            <a:avLst/>
+          </a:prstGeom>
+          <a:noFill/>
+        </p:spPr>
+        <p:txBody>
+          <a:bodyPr wrap="square">
+            <a:spAutoFit/>
+          </a:bodyPr>
+          <a:lstStyle/>
+          <a:p>
+            <a:pPr algn="ctr"/>
+            <a:r>
+              <a:rPr lang="en-US" sz="3600" b="1" dirty="0">
+                <a:ln w="13462">
+                  <a:solidFill>
+                    <a:schemeClr val="bg1">
+                      <a:lumMod val="85000"/>
+                    </a:schemeClr>
+                  </a:solidFill>
+                  <a:prstDash val="solid"/>
+                </a:ln>
+                <a:solidFill>
+                  <a:srgbClr val="7030A0"/>
+                </a:solidFill>
+                <a:effectLst>
+                  <a:outerShdw dist="38100" dir="2700000" algn="bl" rotWithShape="0">
+                    <a:schemeClr val="accent5"/>
+                  </a:outerShdw>
+                </a:effectLst>
+              </a:rPr>
+              <a:t>Examples of Patterns -</a:t>
+            </a:r>
+            <a:endParaRPr lang="en-US" sz="3600" b="0" cap="none" spc="0" dirty="0">
+              <a:ln w="13462">
+                <a:solidFill>
+                  <a:schemeClr val="bg1">
+                    <a:lumMod val="85000"/>
+                  </a:schemeClr>
+                </a:solidFill>
+                <a:prstDash val="solid"/>
+              </a:ln>
+              <a:solidFill>
+                <a:srgbClr val="7030A0"/>
+              </a:solidFill>
+              <a:effectLst>
+                <a:outerShdw blurRad="38100" dist="25400" dir="5400000" algn="ctr" rotWithShape="0">
+                  <a:srgbClr val="6E747A">
+                    <a:alpha val="43000"/>
+                  </a:srgbClr>
+                </a:outerShdw>
+              </a:effectLst>
+            </a:endParaRPr>
+          </a:p>
+        </p:txBody>
+      </p:sp>
+      <p:pic>
+        <p:nvPicPr>
+          <p:cNvPr id="4" name="Picture 3">
+            <a:extLst>
+              <a:ext uri="{FF2B5EF4-FFF2-40B4-BE49-F238E27FC236}">
+                <a16:creationId xmlns:a16="http://schemas.microsoft.com/office/drawing/2014/main" id="{BCE208B9-1593-1CC7-1465-88A6F39489BB}"/>
+              </a:ext>
+            </a:extLst>
+          </p:cNvPr>
+          <p:cNvPicPr>
+            <a:picLocks noChangeAspect="1"/>
+          </p:cNvPicPr>
+          <p:nvPr/>
+        </p:nvPicPr>
+        <p:blipFill>
+          <a:blip r:embed="rId2"/>
+          <a:stretch>
+            <a:fillRect/>
+          </a:stretch>
+        </p:blipFill>
+        <p:spPr>
+          <a:xfrm>
+            <a:off x="1510947" y="1296736"/>
+            <a:ext cx="3867300" cy="2439375"/>
+          </a:xfrm>
+          <a:prstGeom prst="rect">
+            <a:avLst/>
+          </a:prstGeom>
+          <a:ln>
+            <a:solidFill>
+              <a:schemeClr val="tx1"/>
+            </a:solidFill>
+          </a:ln>
+        </p:spPr>
+      </p:pic>
+      <p:pic>
+        <p:nvPicPr>
+          <p:cNvPr id="6" name="Picture 5">
+            <a:extLst>
+              <a:ext uri="{FF2B5EF4-FFF2-40B4-BE49-F238E27FC236}">
+                <a16:creationId xmlns:a16="http://schemas.microsoft.com/office/drawing/2014/main" id="{D49F3C14-AE84-4E6C-F605-E0C9446A0FD0}"/>
+              </a:ext>
+            </a:extLst>
+          </p:cNvPr>
+          <p:cNvPicPr>
+            <a:picLocks noChangeAspect="1"/>
+          </p:cNvPicPr>
+          <p:nvPr/>
+        </p:nvPicPr>
+        <p:blipFill rotWithShape="1">
+          <a:blip r:embed="rId3"/>
+          <a:srcRect r="2570"/>
+          <a:stretch/>
+        </p:blipFill>
+        <p:spPr>
+          <a:xfrm>
+            <a:off x="1510947" y="3831969"/>
+            <a:ext cx="3867300" cy="2770857"/>
+          </a:xfrm>
+          <a:prstGeom prst="rect">
+            <a:avLst/>
+          </a:prstGeom>
+          <a:ln>
+            <a:solidFill>
+              <a:schemeClr val="tx1"/>
+            </a:solidFill>
+          </a:ln>
+        </p:spPr>
+      </p:pic>
+      <p:pic>
+        <p:nvPicPr>
+          <p:cNvPr id="8" name="Picture 7">
+            <a:extLst>
+              <a:ext uri="{FF2B5EF4-FFF2-40B4-BE49-F238E27FC236}">
+                <a16:creationId xmlns:a16="http://schemas.microsoft.com/office/drawing/2014/main" id="{2C05630D-A6A7-61C8-5060-308935F6D331}"/>
+              </a:ext>
+            </a:extLst>
+          </p:cNvPr>
+          <p:cNvPicPr>
+            <a:picLocks noChangeAspect="1"/>
+          </p:cNvPicPr>
+          <p:nvPr/>
+        </p:nvPicPr>
+        <p:blipFill>
+          <a:blip r:embed="rId4"/>
+          <a:stretch>
+            <a:fillRect/>
+          </a:stretch>
+        </p:blipFill>
+        <p:spPr>
+          <a:xfrm>
+            <a:off x="6590942" y="1299380"/>
+            <a:ext cx="4090111" cy="5303446"/>
+          </a:xfrm>
+          <a:prstGeom prst="rect">
+            <a:avLst/>
+          </a:prstGeom>
+          <a:ln>
+            <a:solidFill>
+              <a:schemeClr val="tx1"/>
+            </a:solidFill>
+          </a:ln>
+        </p:spPr>
+      </p:pic>
+    </p:spTree>
+    <p:extLst>
+      <p:ext uri="{BB962C8B-B14F-4D97-AF65-F5344CB8AC3E}">
+        <p14:creationId xmlns:p14="http://schemas.microsoft.com/office/powerpoint/2010/main" val="1926838372"/>
+      </p:ext>
+    </p:extLst>
+  </p:cSld>
+  <p:clrMapOvr>
+    <a:masterClrMapping/>
+  </p:clrMapOvr>
+</p:sld>
+</file>
+
+<file path=ppt/slides/slide33.xml><?xml version="1.0" encoding="utf-8"?>
+<p:sld xmlns:a="http://schemas.openxmlformats.org/drawingml/2006/main" xmlns:r="http://schemas.openxmlformats.org/officeDocument/2006/relationships" xmlns:p="http://schemas.openxmlformats.org/presentationml/2006/main">
+  <p:cSld>
+    <p:spTree>
+      <p:nvGrpSpPr>
+        <p:cNvPr id="1" name=""/>
+        <p:cNvGrpSpPr/>
+        <p:nvPr/>
+      </p:nvGrpSpPr>
+      <p:grpSpPr>
+        <a:xfrm>
+          <a:off x="0" y="0"/>
+          <a:ext cx="0" cy="0"/>
+          <a:chOff x="0" y="0"/>
+          <a:chExt cx="0" cy="0"/>
+        </a:xfrm>
+      </p:grpSpPr>
+      <p:sp>
+        <p:nvSpPr>
+          <p:cNvPr id="2" name="TextBox 1">
+            <a:extLst>
+              <a:ext uri="{FF2B5EF4-FFF2-40B4-BE49-F238E27FC236}">
+                <a16:creationId xmlns:a16="http://schemas.microsoft.com/office/drawing/2014/main" id="{09A2C8D5-9857-C28B-C755-AC04629BDA59}"/>
+              </a:ext>
+            </a:extLst>
+          </p:cNvPr>
+          <p:cNvSpPr txBox="1"/>
+          <p:nvPr/>
+        </p:nvSpPr>
+        <p:spPr>
+          <a:xfrm>
+            <a:off x="2697635" y="255174"/>
+            <a:ext cx="6796729" cy="646331"/>
+          </a:xfrm>
+          <a:prstGeom prst="rect">
+            <a:avLst/>
+          </a:prstGeom>
+          <a:noFill/>
+        </p:spPr>
+        <p:txBody>
+          <a:bodyPr wrap="square">
+            <a:spAutoFit/>
+          </a:bodyPr>
+          <a:lstStyle/>
+          <a:p>
+            <a:pPr algn="ctr"/>
+            <a:r>
+              <a:rPr lang="en-US" sz="3600" b="1" dirty="0">
+                <a:ln w="13462">
+                  <a:solidFill>
+                    <a:schemeClr val="bg1">
+                      <a:lumMod val="85000"/>
+                    </a:schemeClr>
+                  </a:solidFill>
+                  <a:prstDash val="solid"/>
+                </a:ln>
+                <a:solidFill>
+                  <a:srgbClr val="7030A0"/>
+                </a:solidFill>
+                <a:effectLst>
+                  <a:outerShdw dist="38100" dir="2700000" algn="bl" rotWithShape="0">
+                    <a:schemeClr val="accent5"/>
+                  </a:outerShdw>
+                </a:effectLst>
+              </a:rPr>
+              <a:t>Examples of Logical Questions -</a:t>
+            </a:r>
+            <a:endParaRPr lang="en-US" sz="3600" b="0" cap="none" spc="0" dirty="0">
+              <a:ln w="13462">
+                <a:solidFill>
+                  <a:schemeClr val="bg1">
+                    <a:lumMod val="85000"/>
+                  </a:schemeClr>
+                </a:solidFill>
+                <a:prstDash val="solid"/>
+              </a:ln>
+              <a:solidFill>
+                <a:srgbClr val="7030A0"/>
+              </a:solidFill>
+              <a:effectLst>
+                <a:outerShdw blurRad="38100" dist="25400" dir="5400000" algn="ctr" rotWithShape="0">
+                  <a:srgbClr val="6E747A">
+                    <a:alpha val="43000"/>
+                  </a:srgbClr>
+                </a:outerShdw>
+              </a:effectLst>
+            </a:endParaRPr>
+          </a:p>
+        </p:txBody>
+      </p:sp>
+      <p:pic>
+        <p:nvPicPr>
+          <p:cNvPr id="4" name="Picture 3">
+            <a:extLst>
+              <a:ext uri="{FF2B5EF4-FFF2-40B4-BE49-F238E27FC236}">
+                <a16:creationId xmlns:a16="http://schemas.microsoft.com/office/drawing/2014/main" id="{241A9F32-79F7-591B-E202-EA49C0606FCF}"/>
+              </a:ext>
+            </a:extLst>
+          </p:cNvPr>
+          <p:cNvPicPr>
+            <a:picLocks noChangeAspect="1"/>
+          </p:cNvPicPr>
+          <p:nvPr/>
+        </p:nvPicPr>
+        <p:blipFill>
+          <a:blip r:embed="rId2"/>
+          <a:stretch>
+            <a:fillRect/>
+          </a:stretch>
+        </p:blipFill>
+        <p:spPr>
+          <a:xfrm>
+            <a:off x="233044" y="1312412"/>
+            <a:ext cx="5722389" cy="2659820"/>
+          </a:xfrm>
+          <a:prstGeom prst="rect">
+            <a:avLst/>
+          </a:prstGeom>
+          <a:ln>
+            <a:solidFill>
+              <a:schemeClr val="tx1"/>
+            </a:solidFill>
+          </a:ln>
+        </p:spPr>
+      </p:pic>
+      <p:pic>
+        <p:nvPicPr>
+          <p:cNvPr id="8" name="Picture 7">
+            <a:extLst>
+              <a:ext uri="{FF2B5EF4-FFF2-40B4-BE49-F238E27FC236}">
+                <a16:creationId xmlns:a16="http://schemas.microsoft.com/office/drawing/2014/main" id="{C0222741-E797-DF37-81C2-45DB384415C0}"/>
+              </a:ext>
+            </a:extLst>
+          </p:cNvPr>
+          <p:cNvPicPr>
+            <a:picLocks noChangeAspect="1"/>
+          </p:cNvPicPr>
+          <p:nvPr/>
+        </p:nvPicPr>
+        <p:blipFill>
+          <a:blip r:embed="rId3"/>
+          <a:stretch>
+            <a:fillRect/>
+          </a:stretch>
+        </p:blipFill>
+        <p:spPr>
+          <a:xfrm>
+            <a:off x="6236569" y="2255418"/>
+            <a:ext cx="5779305" cy="3201485"/>
+          </a:xfrm>
+          <a:prstGeom prst="rect">
+            <a:avLst/>
+          </a:prstGeom>
+          <a:ln>
+            <a:solidFill>
+              <a:schemeClr val="tx1"/>
+            </a:solidFill>
+          </a:ln>
+        </p:spPr>
+      </p:pic>
+      <p:pic>
+        <p:nvPicPr>
+          <p:cNvPr id="10" name="Picture 9">
+            <a:extLst>
+              <a:ext uri="{FF2B5EF4-FFF2-40B4-BE49-F238E27FC236}">
+                <a16:creationId xmlns:a16="http://schemas.microsoft.com/office/drawing/2014/main" id="{A5B98367-9279-884B-E713-B33C3689590C}"/>
+              </a:ext>
+            </a:extLst>
+          </p:cNvPr>
+          <p:cNvPicPr>
+            <a:picLocks noChangeAspect="1"/>
+          </p:cNvPicPr>
+          <p:nvPr/>
+        </p:nvPicPr>
+        <p:blipFill>
+          <a:blip r:embed="rId4"/>
+          <a:stretch>
+            <a:fillRect/>
+          </a:stretch>
+        </p:blipFill>
+        <p:spPr>
+          <a:xfrm>
+            <a:off x="233044" y="4104122"/>
+            <a:ext cx="5722388" cy="2502799"/>
+          </a:xfrm>
+          <a:prstGeom prst="rect">
+            <a:avLst/>
+          </a:prstGeom>
+          <a:ln>
+            <a:solidFill>
+              <a:schemeClr val="tx1"/>
+            </a:solidFill>
+          </a:ln>
+        </p:spPr>
+      </p:pic>
+    </p:spTree>
+    <p:extLst>
+      <p:ext uri="{BB962C8B-B14F-4D97-AF65-F5344CB8AC3E}">
+        <p14:creationId xmlns:p14="http://schemas.microsoft.com/office/powerpoint/2010/main" val="410115191"/>
+      </p:ext>
+    </p:extLst>
+  </p:cSld>
+  <p:clrMapOvr>
+    <a:masterClrMapping/>
+  </p:clrMapOvr>
+</p:sld>
+</file>
+
+<file path=ppt/slides/slide34.xml><?xml version="1.0" encoding="utf-8"?>
+<p:sld xmlns:a="http://schemas.openxmlformats.org/drawingml/2006/main" xmlns:r="http://schemas.openxmlformats.org/officeDocument/2006/relationships" xmlns:p="http://schemas.openxmlformats.org/presentationml/2006/main">
+  <p:cSld>
+    <p:spTree>
+      <p:nvGrpSpPr>
+        <p:cNvPr id="1" name=""/>
+        <p:cNvGrpSpPr/>
+        <p:nvPr/>
+      </p:nvGrpSpPr>
+      <p:grpSpPr>
+        <a:xfrm>
+          <a:off x="0" y="0"/>
+          <a:ext cx="0" cy="0"/>
+          <a:chOff x="0" y="0"/>
+          <a:chExt cx="0" cy="0"/>
+        </a:xfrm>
+      </p:grpSpPr>
+      <p:sp>
+        <p:nvSpPr>
+          <p:cNvPr id="2" name="TextBox 1">
+            <a:extLst>
+              <a:ext uri="{FF2B5EF4-FFF2-40B4-BE49-F238E27FC236}">
+                <a16:creationId xmlns:a16="http://schemas.microsoft.com/office/drawing/2014/main" id="{09A2C8D5-9857-C28B-C755-AC04629BDA59}"/>
+              </a:ext>
+            </a:extLst>
+          </p:cNvPr>
+          <p:cNvSpPr txBox="1"/>
+          <p:nvPr/>
+        </p:nvSpPr>
+        <p:spPr>
+          <a:xfrm>
+            <a:off x="2697635" y="255174"/>
+            <a:ext cx="6796729" cy="646331"/>
+          </a:xfrm>
+          <a:prstGeom prst="rect">
+            <a:avLst/>
+          </a:prstGeom>
+          <a:noFill/>
+        </p:spPr>
+        <p:txBody>
+          <a:bodyPr wrap="square">
+            <a:spAutoFit/>
+          </a:bodyPr>
+          <a:lstStyle/>
+          <a:p>
+            <a:pPr algn="ctr"/>
+            <a:r>
+              <a:rPr lang="en-US" sz="3600" b="1" dirty="0">
+                <a:ln w="13462">
+                  <a:solidFill>
+                    <a:schemeClr val="bg1">
+                      <a:lumMod val="85000"/>
+                    </a:schemeClr>
+                  </a:solidFill>
+                  <a:prstDash val="solid"/>
+                </a:ln>
+                <a:solidFill>
+                  <a:srgbClr val="7030A0"/>
+                </a:solidFill>
+                <a:effectLst>
+                  <a:outerShdw dist="38100" dir="2700000" algn="bl" rotWithShape="0">
+                    <a:schemeClr val="accent5"/>
+                  </a:outerShdw>
+                </a:effectLst>
+              </a:rPr>
+              <a:t>Examples of Logical Questions -</a:t>
+            </a:r>
+            <a:endParaRPr lang="en-US" sz="3600" b="0" cap="none" spc="0" dirty="0">
+              <a:ln w="13462">
+                <a:solidFill>
+                  <a:schemeClr val="bg1">
+                    <a:lumMod val="85000"/>
+                  </a:schemeClr>
+                </a:solidFill>
+                <a:prstDash val="solid"/>
+              </a:ln>
+              <a:solidFill>
+                <a:srgbClr val="7030A0"/>
+              </a:solidFill>
+              <a:effectLst>
+                <a:outerShdw blurRad="38100" dist="25400" dir="5400000" algn="ctr" rotWithShape="0">
+                  <a:srgbClr val="6E747A">
+                    <a:alpha val="43000"/>
+                  </a:srgbClr>
+                </a:outerShdw>
+              </a:effectLst>
+            </a:endParaRPr>
+          </a:p>
+        </p:txBody>
+      </p:sp>
+      <p:pic>
+        <p:nvPicPr>
+          <p:cNvPr id="6" name="Picture 5">
+            <a:extLst>
+              <a:ext uri="{FF2B5EF4-FFF2-40B4-BE49-F238E27FC236}">
+                <a16:creationId xmlns:a16="http://schemas.microsoft.com/office/drawing/2014/main" id="{871AA424-563A-F49E-2161-283AEBC19FA0}"/>
+              </a:ext>
+            </a:extLst>
+          </p:cNvPr>
+          <p:cNvPicPr>
+            <a:picLocks noChangeAspect="1"/>
+          </p:cNvPicPr>
+          <p:nvPr/>
+        </p:nvPicPr>
+        <p:blipFill>
+          <a:blip r:embed="rId2"/>
+          <a:stretch>
+            <a:fillRect/>
+          </a:stretch>
+        </p:blipFill>
+        <p:spPr>
+          <a:xfrm>
+            <a:off x="1125008" y="1635121"/>
+            <a:ext cx="9941983" cy="4276019"/>
+          </a:xfrm>
+          <a:prstGeom prst="rect">
+            <a:avLst/>
+          </a:prstGeom>
+          <a:ln>
+            <a:solidFill>
+              <a:schemeClr val="tx1"/>
+            </a:solidFill>
+          </a:ln>
+        </p:spPr>
+      </p:pic>
+    </p:spTree>
+    <p:extLst>
+      <p:ext uri="{BB962C8B-B14F-4D97-AF65-F5344CB8AC3E}">
+        <p14:creationId xmlns:p14="http://schemas.microsoft.com/office/powerpoint/2010/main" val="3197834547"/>
+      </p:ext>
+    </p:extLst>
+  </p:cSld>
+  <p:clrMapOvr>
+    <a:masterClrMapping/>
+  </p:clrMapOvr>
+</p:sld>
+</file>
+
+<file path=ppt/slides/slide35.xml><?xml version="1.0" encoding="utf-8"?>
+<p:sld xmlns:a="http://schemas.openxmlformats.org/drawingml/2006/main" xmlns:r="http://schemas.openxmlformats.org/officeDocument/2006/relationships" xmlns:p="http://schemas.openxmlformats.org/presentationml/2006/main">
+  <p:cSld>
+    <p:spTree>
+      <p:nvGrpSpPr>
+        <p:cNvPr id="1" name=""/>
+        <p:cNvGrpSpPr/>
+        <p:nvPr/>
+      </p:nvGrpSpPr>
+      <p:grpSpPr>
+        <a:xfrm>
+          <a:off x="0" y="0"/>
+          <a:ext cx="0" cy="0"/>
+          <a:chOff x="0" y="0"/>
+          <a:chExt cx="0" cy="0"/>
+        </a:xfrm>
+      </p:grpSpPr>
+      <p:sp>
+        <p:nvSpPr>
+          <p:cNvPr id="2" name="TextBox 1">
+            <a:extLst>
+              <a:ext uri="{FF2B5EF4-FFF2-40B4-BE49-F238E27FC236}">
+                <a16:creationId xmlns:a16="http://schemas.microsoft.com/office/drawing/2014/main" id="{09A2C8D5-9857-C28B-C755-AC04629BDA59}"/>
+              </a:ext>
+            </a:extLst>
+          </p:cNvPr>
+          <p:cNvSpPr txBox="1"/>
+          <p:nvPr/>
+        </p:nvSpPr>
+        <p:spPr>
+          <a:xfrm>
+            <a:off x="2697635" y="255174"/>
+            <a:ext cx="6796729" cy="646331"/>
+          </a:xfrm>
+          <a:prstGeom prst="rect">
+            <a:avLst/>
+          </a:prstGeom>
+          <a:noFill/>
+        </p:spPr>
+        <p:txBody>
+          <a:bodyPr wrap="square">
+            <a:spAutoFit/>
+          </a:bodyPr>
+          <a:lstStyle/>
+          <a:p>
+            <a:pPr algn="ctr"/>
+            <a:r>
+              <a:rPr lang="en-US" sz="3600" b="1" dirty="0">
+                <a:ln w="13462">
+                  <a:solidFill>
+                    <a:schemeClr val="bg1">
+                      <a:lumMod val="85000"/>
+                    </a:schemeClr>
+                  </a:solidFill>
+                  <a:prstDash val="solid"/>
+                </a:ln>
+                <a:solidFill>
+                  <a:srgbClr val="7030A0"/>
+                </a:solidFill>
+                <a:effectLst>
+                  <a:outerShdw dist="38100" dir="2700000" algn="bl" rotWithShape="0">
+                    <a:schemeClr val="accent5"/>
+                  </a:outerShdw>
+                </a:effectLst>
+              </a:rPr>
+              <a:t>Examples of Logical Questions -</a:t>
+            </a:r>
+            <a:endParaRPr lang="en-US" sz="3600" b="0" cap="none" spc="0" dirty="0">
+              <a:ln w="13462">
+                <a:solidFill>
+                  <a:schemeClr val="bg1">
+                    <a:lumMod val="85000"/>
+                  </a:schemeClr>
+                </a:solidFill>
+                <a:prstDash val="solid"/>
+              </a:ln>
+              <a:solidFill>
+                <a:srgbClr val="7030A0"/>
+              </a:solidFill>
+              <a:effectLst>
+                <a:outerShdw blurRad="38100" dist="25400" dir="5400000" algn="ctr" rotWithShape="0">
+                  <a:srgbClr val="6E747A">
+                    <a:alpha val="43000"/>
+                  </a:srgbClr>
+                </a:outerShdw>
+              </a:effectLst>
+            </a:endParaRPr>
+          </a:p>
+        </p:txBody>
+      </p:sp>
+      <p:pic>
+        <p:nvPicPr>
+          <p:cNvPr id="12" name="Picture 11">
+            <a:extLst>
+              <a:ext uri="{FF2B5EF4-FFF2-40B4-BE49-F238E27FC236}">
+                <a16:creationId xmlns:a16="http://schemas.microsoft.com/office/drawing/2014/main" id="{B9602501-399D-3B3E-D8F3-F20A494936ED}"/>
+              </a:ext>
+            </a:extLst>
+          </p:cNvPr>
+          <p:cNvPicPr>
+            <a:picLocks noChangeAspect="1"/>
+          </p:cNvPicPr>
+          <p:nvPr/>
+        </p:nvPicPr>
+        <p:blipFill>
+          <a:blip r:embed="rId2"/>
+          <a:stretch>
+            <a:fillRect/>
+          </a:stretch>
+        </p:blipFill>
+        <p:spPr>
+          <a:xfrm>
+            <a:off x="373626" y="1534632"/>
+            <a:ext cx="11444748" cy="4398338"/>
+          </a:xfrm>
+          <a:prstGeom prst="rect">
+            <a:avLst/>
+          </a:prstGeom>
+          <a:ln>
+            <a:solidFill>
+              <a:schemeClr val="tx1"/>
+            </a:solidFill>
+          </a:ln>
+        </p:spPr>
+      </p:pic>
+    </p:spTree>
+    <p:extLst>
+      <p:ext uri="{BB962C8B-B14F-4D97-AF65-F5344CB8AC3E}">
+        <p14:creationId xmlns:p14="http://schemas.microsoft.com/office/powerpoint/2010/main" val="1576289154"/>
+      </p:ext>
+    </p:extLst>
+  </p:cSld>
+  <p:clrMapOvr>
+    <a:masterClrMapping/>
+  </p:clrMapOvr>
+</p:sld>
+</file>
+
+<file path=ppt/slides/slide36.xml><?xml version="1.0" encoding="utf-8"?>
 <p:sld xmlns:a="http://schemas.openxmlformats.org/drawingml/2006/main" xmlns:r="http://schemas.openxmlformats.org/officeDocument/2006/relationships" xmlns:p="http://schemas.openxmlformats.org/presentationml/2006/main">
   <p:cSld>
     <p:spTree>
@@ -8666,10 +9691,10 @@
       </p:grpSpPr>
       <p:pic>
         <p:nvPicPr>
-          <p:cNvPr id="3" name="Picture 2">
-            <a:extLst>
-              <a:ext uri="{FF2B5EF4-FFF2-40B4-BE49-F238E27FC236}">
-                <a16:creationId xmlns:a16="http://schemas.microsoft.com/office/drawing/2014/main" id="{62C4F418-4D5A-6135-4DE2-F64AE46A7C90}"/>
+          <p:cNvPr id="2" name="Picture 1">
+            <a:extLst>
+              <a:ext uri="{FF2B5EF4-FFF2-40B4-BE49-F238E27FC236}">
+                <a16:creationId xmlns:a16="http://schemas.microsoft.com/office/drawing/2014/main" id="{7BF261E1-03E7-4994-5CEB-BB8B9581987A}"/>
               </a:ext>
             </a:extLst>
           </p:cNvPr>
@@ -8678,33 +9703,32 @@
           </p:cNvPicPr>
           <p:nvPr/>
         </p:nvPicPr>
-        <p:blipFill>
+        <p:blipFill rotWithShape="1">
           <a:blip r:embed="rId2"/>
-          <a:stretch>
-            <a:fillRect/>
-          </a:stretch>
+          <a:srcRect l="5548" t="3097" r="44516" b="2967"/>
+          <a:stretch/>
         </p:blipFill>
         <p:spPr>
           <a:xfrm>
-            <a:off x="124691" y="1227458"/>
-            <a:ext cx="5870865" cy="1291702"/>
+            <a:off x="4236891" y="840659"/>
+            <a:ext cx="6962049" cy="3274142"/>
           </a:xfrm>
           <a:prstGeom prst="rect">
             <a:avLst/>
           </a:prstGeom>
           <a:ln>
             <a:solidFill>
-              <a:schemeClr val="tx1"/>
+              <a:schemeClr val="bg1"/>
             </a:solidFill>
           </a:ln>
         </p:spPr>
       </p:pic>
       <p:pic>
         <p:nvPicPr>
-          <p:cNvPr id="5" name="Picture 4">
-            <a:extLst>
-              <a:ext uri="{FF2B5EF4-FFF2-40B4-BE49-F238E27FC236}">
-                <a16:creationId xmlns:a16="http://schemas.microsoft.com/office/drawing/2014/main" id="{EA999AEF-2085-190A-A42A-296DCD4C9E9F}"/>
+          <p:cNvPr id="3" name="Picture 2">
+            <a:extLst>
+              <a:ext uri="{FF2B5EF4-FFF2-40B4-BE49-F238E27FC236}">
+                <a16:creationId xmlns:a16="http://schemas.microsoft.com/office/drawing/2014/main" id="{BA64319D-B364-6FE9-C840-DA5ABA7E5D68}"/>
               </a:ext>
             </a:extLst>
           </p:cNvPr>
@@ -8713,138 +9737,32 @@
           </p:cNvPicPr>
           <p:nvPr/>
         </p:nvPicPr>
-        <p:blipFill>
-          <a:blip r:embed="rId3"/>
-          <a:stretch>
-            <a:fillRect/>
-          </a:stretch>
+        <p:blipFill rotWithShape="1">
+          <a:blip r:embed="rId2"/>
+          <a:srcRect l="45484" t="1678" r="9742" b="4387"/>
+          <a:stretch/>
         </p:blipFill>
         <p:spPr>
           <a:xfrm>
-            <a:off x="124692" y="2884575"/>
-            <a:ext cx="5870864" cy="1815244"/>
+            <a:off x="5201262" y="4006646"/>
+            <a:ext cx="5436373" cy="2851354"/>
           </a:xfrm>
           <a:prstGeom prst="rect">
             <a:avLst/>
           </a:prstGeom>
           <a:ln>
             <a:solidFill>
-              <a:schemeClr val="tx1"/>
+              <a:schemeClr val="bg1"/>
             </a:solidFill>
           </a:ln>
         </p:spPr>
       </p:pic>
-      <p:pic>
-        <p:nvPicPr>
-          <p:cNvPr id="7" name="Picture 6">
-            <a:extLst>
-              <a:ext uri="{FF2B5EF4-FFF2-40B4-BE49-F238E27FC236}">
-                <a16:creationId xmlns:a16="http://schemas.microsoft.com/office/drawing/2014/main" id="{C8010D57-33D0-70A9-C716-20EDFCAE1CDD}"/>
-              </a:ext>
-            </a:extLst>
-          </p:cNvPr>
-          <p:cNvPicPr>
-            <a:picLocks noChangeAspect="1"/>
-          </p:cNvPicPr>
-          <p:nvPr/>
-        </p:nvPicPr>
-        <p:blipFill>
-          <a:blip r:embed="rId4"/>
-          <a:stretch>
-            <a:fillRect/>
-          </a:stretch>
-        </p:blipFill>
-        <p:spPr>
-          <a:xfrm>
-            <a:off x="124692" y="5106794"/>
-            <a:ext cx="5870864" cy="1291702"/>
-          </a:xfrm>
-          <a:prstGeom prst="rect">
-            <a:avLst/>
-          </a:prstGeom>
-          <a:ln>
-            <a:solidFill>
-              <a:schemeClr val="tx1"/>
-            </a:solidFill>
-          </a:ln>
-        </p:spPr>
-      </p:pic>
-      <p:pic>
-        <p:nvPicPr>
-          <p:cNvPr id="9" name="Picture 8">
-            <a:extLst>
-              <a:ext uri="{FF2B5EF4-FFF2-40B4-BE49-F238E27FC236}">
-                <a16:creationId xmlns:a16="http://schemas.microsoft.com/office/drawing/2014/main" id="{2ADE01C8-A79D-B1E1-D388-8582D3E26BA6}"/>
-              </a:ext>
-            </a:extLst>
-          </p:cNvPr>
-          <p:cNvPicPr>
-            <a:picLocks noChangeAspect="1"/>
-          </p:cNvPicPr>
-          <p:nvPr/>
-        </p:nvPicPr>
-        <p:blipFill>
-          <a:blip r:embed="rId5"/>
-          <a:stretch>
-            <a:fillRect/>
-          </a:stretch>
-        </p:blipFill>
-        <p:spPr>
-          <a:xfrm>
-            <a:off x="6210299" y="2207668"/>
-            <a:ext cx="5791202" cy="1174299"/>
-          </a:xfrm>
-          <a:prstGeom prst="rect">
-            <a:avLst/>
-          </a:prstGeom>
-          <a:ln>
-            <a:solidFill>
-              <a:schemeClr val="tx1"/>
-            </a:solidFill>
-          </a:ln>
-        </p:spPr>
-      </p:pic>
-      <p:pic>
-        <p:nvPicPr>
-          <p:cNvPr id="11" name="Picture 10">
-            <a:extLst>
-              <a:ext uri="{FF2B5EF4-FFF2-40B4-BE49-F238E27FC236}">
-                <a16:creationId xmlns:a16="http://schemas.microsoft.com/office/drawing/2014/main" id="{32AF1703-BA61-BA1D-F3B0-3C86C959C4A7}"/>
-              </a:ext>
-            </a:extLst>
-          </p:cNvPr>
-          <p:cNvPicPr>
-            <a:picLocks noChangeAspect="1"/>
-          </p:cNvPicPr>
-          <p:nvPr/>
-        </p:nvPicPr>
-        <p:blipFill>
-          <a:blip r:embed="rId6"/>
-          <a:stretch>
-            <a:fillRect/>
-          </a:stretch>
-        </p:blipFill>
-        <p:spPr>
-          <a:xfrm>
-            <a:off x="6210299" y="3788281"/>
-            <a:ext cx="5791202" cy="1636038"/>
-          </a:xfrm>
-          <a:prstGeom prst="rect">
-            <a:avLst/>
-          </a:prstGeom>
-          <a:ln>
-            <a:solidFill>
-              <a:schemeClr val="tx1"/>
-            </a:solidFill>
-          </a:ln>
-        </p:spPr>
-      </p:pic>
-      <p:sp>
-        <p:nvSpPr>
-          <p:cNvPr id="13" name="TextBox 12">
-            <a:extLst>
-              <a:ext uri="{FF2B5EF4-FFF2-40B4-BE49-F238E27FC236}">
-                <a16:creationId xmlns:a16="http://schemas.microsoft.com/office/drawing/2014/main" id="{6505910D-7ED3-AA2C-9C06-266221D001F2}"/>
+      <p:sp>
+        <p:nvSpPr>
+          <p:cNvPr id="4" name="TextBox 3">
+            <a:extLst>
+              <a:ext uri="{FF2B5EF4-FFF2-40B4-BE49-F238E27FC236}">
+                <a16:creationId xmlns:a16="http://schemas.microsoft.com/office/drawing/2014/main" id="{5BF854C8-08E1-6C95-1F4C-F42F288FFCF6}"/>
               </a:ext>
             </a:extLst>
           </p:cNvPr>
@@ -8853,8 +9771,8 @@
         </p:nvSpPr>
         <p:spPr>
           <a:xfrm>
-            <a:off x="3163165" y="274838"/>
-            <a:ext cx="6094268" cy="646331"/>
+            <a:off x="5820694" y="778897"/>
+            <a:ext cx="3470788" cy="369332"/>
           </a:xfrm>
           <a:prstGeom prst="rect">
             <a:avLst/>
@@ -8862,60 +9780,169 @@
           <a:noFill/>
         </p:spPr>
         <p:txBody>
-          <a:bodyPr wrap="square">
+          <a:bodyPr wrap="square" rtlCol="0">
             <a:spAutoFit/>
           </a:bodyPr>
           <a:lstStyle/>
           <a:p>
+            <a:r>
+              <a:rPr lang="en-US" dirty="0">
+                <a:solidFill>
+                  <a:schemeClr val="accent5">
+                    <a:lumMod val="75000"/>
+                  </a:schemeClr>
+                </a:solidFill>
+              </a:rPr>
+              <a:t>Positive indexing starts from left</a:t>
+            </a:r>
+            <a:endParaRPr lang="en-IN" dirty="0">
+              <a:solidFill>
+                <a:schemeClr val="accent5">
+                  <a:lumMod val="75000"/>
+                </a:schemeClr>
+              </a:solidFill>
+            </a:endParaRPr>
+          </a:p>
+        </p:txBody>
+      </p:sp>
+      <p:sp>
+        <p:nvSpPr>
+          <p:cNvPr id="5" name="TextBox 4">
+            <a:extLst>
+              <a:ext uri="{FF2B5EF4-FFF2-40B4-BE49-F238E27FC236}">
+                <a16:creationId xmlns:a16="http://schemas.microsoft.com/office/drawing/2014/main" id="{D5F82024-D996-3065-C89E-38766D0136AB}"/>
+              </a:ext>
+            </a:extLst>
+          </p:cNvPr>
+          <p:cNvSpPr txBox="1"/>
+          <p:nvPr/>
+        </p:nvSpPr>
+        <p:spPr>
+          <a:xfrm>
+            <a:off x="6346722" y="3821980"/>
+            <a:ext cx="3470788" cy="369332"/>
+          </a:xfrm>
+          <a:prstGeom prst="rect">
+            <a:avLst/>
+          </a:prstGeom>
+          <a:noFill/>
+        </p:spPr>
+        <p:txBody>
+          <a:bodyPr wrap="square" rtlCol="0">
+            <a:spAutoFit/>
+          </a:bodyPr>
+          <a:lstStyle/>
+          <a:p>
+            <a:r>
+              <a:rPr lang="en-US" dirty="0">
+                <a:solidFill>
+                  <a:schemeClr val="accent5">
+                    <a:lumMod val="75000"/>
+                  </a:schemeClr>
+                </a:solidFill>
+              </a:rPr>
+              <a:t>Negative indexing starts from right</a:t>
+            </a:r>
+            <a:endParaRPr lang="en-IN" dirty="0">
+              <a:solidFill>
+                <a:schemeClr val="accent5">
+                  <a:lumMod val="75000"/>
+                </a:schemeClr>
+              </a:solidFill>
+            </a:endParaRPr>
+          </a:p>
+        </p:txBody>
+      </p:sp>
+      <p:sp>
+        <p:nvSpPr>
+          <p:cNvPr id="6" name="Rectangle 5">
+            <a:extLst>
+              <a:ext uri="{FF2B5EF4-FFF2-40B4-BE49-F238E27FC236}">
+                <a16:creationId xmlns:a16="http://schemas.microsoft.com/office/drawing/2014/main" id="{347FDBBE-C3F5-4B28-89B0-36EBDD4476F4}"/>
+              </a:ext>
+            </a:extLst>
+          </p:cNvPr>
+          <p:cNvSpPr/>
+          <p:nvPr/>
+        </p:nvSpPr>
+        <p:spPr>
+          <a:xfrm>
+            <a:off x="846743" y="469942"/>
+            <a:ext cx="3006337" cy="2585323"/>
+          </a:xfrm>
+          <a:prstGeom prst="rect">
+            <a:avLst/>
+          </a:prstGeom>
+          <a:noFill/>
+        </p:spPr>
+        <p:txBody>
+          <a:bodyPr wrap="none" lIns="91440" tIns="45720" rIns="91440" bIns="45720">
+            <a:spAutoFit/>
+            <a:scene3d>
+              <a:camera prst="orthographicFront"/>
+              <a:lightRig rig="soft" dir="t">
+                <a:rot lat="0" lon="0" rev="15600000"/>
+              </a:lightRig>
+            </a:scene3d>
+            <a:sp3d extrusionH="57150" prstMaterial="softEdge">
+              <a:bevelT w="25400" h="38100"/>
+            </a:sp3d>
+          </a:bodyPr>
+          <a:lstStyle/>
+          <a:p>
             <a:pPr algn="ctr"/>
             <a:r>
-              <a:rPr lang="en-US" sz="3600" b="1" dirty="0">
-                <a:ln w="13462">
+              <a:rPr lang="en-US" sz="5400" b="1" dirty="0">
+                <a:ln>
                   <a:solidFill>
-                    <a:schemeClr val="bg1">
-                      <a:lumMod val="85000"/>
-                    </a:schemeClr>
+                    <a:srgbClr val="721B83"/>
                   </a:solidFill>
-                  <a:prstDash val="solid"/>
                 </a:ln>
                 <a:solidFill>
-                  <a:srgbClr val="7030A0"/>
+                  <a:srgbClr val="C08CD0"/>
                 </a:solidFill>
-                <a:effectLst>
-                  <a:outerShdw dist="38100" dir="2700000" algn="bl" rotWithShape="0">
-                    <a:schemeClr val="accent5"/>
-                  </a:outerShdw>
-                </a:effectLst>
               </a:rPr>
-              <a:t>Examples of String Indexing -</a:t>
-            </a:r>
-            <a:endParaRPr lang="en-US" sz="3600" b="0" cap="none" spc="0" dirty="0">
-              <a:ln w="13462">
+              <a:t>Syntax of</a:t>
+            </a:r>
+          </a:p>
+          <a:p>
+            <a:pPr algn="ctr"/>
+            <a:r>
+              <a:rPr lang="en-US" sz="5400" b="1" dirty="0">
+                <a:ln>
+                  <a:solidFill>
+                    <a:srgbClr val="721B83"/>
+                  </a:solidFill>
+                </a:ln>
                 <a:solidFill>
-                  <a:schemeClr val="bg1">
-                    <a:lumMod val="85000"/>
-                  </a:schemeClr>
+                  <a:srgbClr val="C08CD0"/>
                 </a:solidFill>
-                <a:prstDash val="solid"/>
-              </a:ln>
-              <a:solidFill>
-                <a:srgbClr val="7030A0"/>
-              </a:solidFill>
-              <a:effectLst>
-                <a:outerShdw blurRad="38100" dist="25400" dir="5400000" algn="ctr" rotWithShape="0">
-                  <a:srgbClr val="6E747A">
-                    <a:alpha val="43000"/>
-                  </a:srgbClr>
-                </a:outerShdw>
-              </a:effectLst>
-            </a:endParaRPr>
+              </a:rPr>
+              <a:t>String</a:t>
+            </a:r>
+          </a:p>
+          <a:p>
+            <a:pPr algn="ctr"/>
+            <a:r>
+              <a:rPr lang="en-US" sz="5400" b="1" dirty="0">
+                <a:ln>
+                  <a:solidFill>
+                    <a:srgbClr val="721B83"/>
+                  </a:solidFill>
+                </a:ln>
+                <a:solidFill>
+                  <a:srgbClr val="C08CD0"/>
+                </a:solidFill>
+              </a:rPr>
+              <a:t>Indexing -</a:t>
+            </a:r>
           </a:p>
         </p:txBody>
       </p:sp>
     </p:spTree>
     <p:extLst>
       <p:ext uri="{BB962C8B-B14F-4D97-AF65-F5344CB8AC3E}">
-        <p14:creationId xmlns:p14="http://schemas.microsoft.com/office/powerpoint/2010/main" val="273489467"/>
+        <p14:creationId xmlns:p14="http://schemas.microsoft.com/office/powerpoint/2010/main" val="1529232701"/>
       </p:ext>
     </p:extLst>
   </p:cSld>
@@ -8947,7 +9974,7 @@
           <p:cNvPr id="3" name="Picture 2">
             <a:extLst>
               <a:ext uri="{FF2B5EF4-FFF2-40B4-BE49-F238E27FC236}">
-                <a16:creationId xmlns:a16="http://schemas.microsoft.com/office/drawing/2014/main" id="{6AA61DFC-6864-C4D6-DCAB-E661496E9B04}"/>
+                <a16:creationId xmlns:a16="http://schemas.microsoft.com/office/drawing/2014/main" id="{62C4F418-4D5A-6135-4DE2-F64AE46A7C90}"/>
               </a:ext>
             </a:extLst>
           </p:cNvPr>
@@ -8964,30 +9991,175 @@
         </p:blipFill>
         <p:spPr>
           <a:xfrm>
-            <a:off x="0" y="6880"/>
-            <a:ext cx="12192000" cy="1458237"/>
-          </a:xfrm>
-          <a:prstGeom prst="rect">
-            <a:avLst/>
-          </a:prstGeom>
+            <a:off x="124691" y="1227458"/>
+            <a:ext cx="5870865" cy="1291702"/>
+          </a:xfrm>
+          <a:prstGeom prst="rect">
+            <a:avLst/>
+          </a:prstGeom>
+          <a:ln>
+            <a:solidFill>
+              <a:schemeClr val="tx1"/>
+            </a:solidFill>
+          </a:ln>
         </p:spPr>
       </p:pic>
-      <p:sp>
-        <p:nvSpPr>
-          <p:cNvPr id="4" name="Rectangle 3">
-            <a:extLst>
-              <a:ext uri="{FF2B5EF4-FFF2-40B4-BE49-F238E27FC236}">
-                <a16:creationId xmlns:a16="http://schemas.microsoft.com/office/drawing/2014/main" id="{2AC5AAD4-AC44-4912-B68F-4945E2958B33}"/>
-              </a:ext>
-            </a:extLst>
-          </p:cNvPr>
-          <p:cNvSpPr/>
-          <p:nvPr/>
-        </p:nvSpPr>
-        <p:spPr>
-          <a:xfrm>
-            <a:off x="3062155" y="874455"/>
-            <a:ext cx="6067688" cy="2554545"/>
+      <p:pic>
+        <p:nvPicPr>
+          <p:cNvPr id="5" name="Picture 4">
+            <a:extLst>
+              <a:ext uri="{FF2B5EF4-FFF2-40B4-BE49-F238E27FC236}">
+                <a16:creationId xmlns:a16="http://schemas.microsoft.com/office/drawing/2014/main" id="{EA999AEF-2085-190A-A42A-296DCD4C9E9F}"/>
+              </a:ext>
+            </a:extLst>
+          </p:cNvPr>
+          <p:cNvPicPr>
+            <a:picLocks noChangeAspect="1"/>
+          </p:cNvPicPr>
+          <p:nvPr/>
+        </p:nvPicPr>
+        <p:blipFill>
+          <a:blip r:embed="rId3"/>
+          <a:stretch>
+            <a:fillRect/>
+          </a:stretch>
+        </p:blipFill>
+        <p:spPr>
+          <a:xfrm>
+            <a:off x="124692" y="2884575"/>
+            <a:ext cx="5870864" cy="1815244"/>
+          </a:xfrm>
+          <a:prstGeom prst="rect">
+            <a:avLst/>
+          </a:prstGeom>
+          <a:ln>
+            <a:solidFill>
+              <a:schemeClr val="tx1"/>
+            </a:solidFill>
+          </a:ln>
+        </p:spPr>
+      </p:pic>
+      <p:pic>
+        <p:nvPicPr>
+          <p:cNvPr id="7" name="Picture 6">
+            <a:extLst>
+              <a:ext uri="{FF2B5EF4-FFF2-40B4-BE49-F238E27FC236}">
+                <a16:creationId xmlns:a16="http://schemas.microsoft.com/office/drawing/2014/main" id="{C8010D57-33D0-70A9-C716-20EDFCAE1CDD}"/>
+              </a:ext>
+            </a:extLst>
+          </p:cNvPr>
+          <p:cNvPicPr>
+            <a:picLocks noChangeAspect="1"/>
+          </p:cNvPicPr>
+          <p:nvPr/>
+        </p:nvPicPr>
+        <p:blipFill>
+          <a:blip r:embed="rId4"/>
+          <a:stretch>
+            <a:fillRect/>
+          </a:stretch>
+        </p:blipFill>
+        <p:spPr>
+          <a:xfrm>
+            <a:off x="124692" y="5106794"/>
+            <a:ext cx="5870864" cy="1291702"/>
+          </a:xfrm>
+          <a:prstGeom prst="rect">
+            <a:avLst/>
+          </a:prstGeom>
+          <a:ln>
+            <a:solidFill>
+              <a:schemeClr val="tx1"/>
+            </a:solidFill>
+          </a:ln>
+        </p:spPr>
+      </p:pic>
+      <p:pic>
+        <p:nvPicPr>
+          <p:cNvPr id="9" name="Picture 8">
+            <a:extLst>
+              <a:ext uri="{FF2B5EF4-FFF2-40B4-BE49-F238E27FC236}">
+                <a16:creationId xmlns:a16="http://schemas.microsoft.com/office/drawing/2014/main" id="{2ADE01C8-A79D-B1E1-D388-8582D3E26BA6}"/>
+              </a:ext>
+            </a:extLst>
+          </p:cNvPr>
+          <p:cNvPicPr>
+            <a:picLocks noChangeAspect="1"/>
+          </p:cNvPicPr>
+          <p:nvPr/>
+        </p:nvPicPr>
+        <p:blipFill>
+          <a:blip r:embed="rId5"/>
+          <a:stretch>
+            <a:fillRect/>
+          </a:stretch>
+        </p:blipFill>
+        <p:spPr>
+          <a:xfrm>
+            <a:off x="6210299" y="2207668"/>
+            <a:ext cx="5791202" cy="1174299"/>
+          </a:xfrm>
+          <a:prstGeom prst="rect">
+            <a:avLst/>
+          </a:prstGeom>
+          <a:ln>
+            <a:solidFill>
+              <a:schemeClr val="tx1"/>
+            </a:solidFill>
+          </a:ln>
+        </p:spPr>
+      </p:pic>
+      <p:pic>
+        <p:nvPicPr>
+          <p:cNvPr id="11" name="Picture 10">
+            <a:extLst>
+              <a:ext uri="{FF2B5EF4-FFF2-40B4-BE49-F238E27FC236}">
+                <a16:creationId xmlns:a16="http://schemas.microsoft.com/office/drawing/2014/main" id="{32AF1703-BA61-BA1D-F3B0-3C86C959C4A7}"/>
+              </a:ext>
+            </a:extLst>
+          </p:cNvPr>
+          <p:cNvPicPr>
+            <a:picLocks noChangeAspect="1"/>
+          </p:cNvPicPr>
+          <p:nvPr/>
+        </p:nvPicPr>
+        <p:blipFill>
+          <a:blip r:embed="rId6"/>
+          <a:stretch>
+            <a:fillRect/>
+          </a:stretch>
+        </p:blipFill>
+        <p:spPr>
+          <a:xfrm>
+            <a:off x="6210299" y="3788281"/>
+            <a:ext cx="5791202" cy="1636038"/>
+          </a:xfrm>
+          <a:prstGeom prst="rect">
+            <a:avLst/>
+          </a:prstGeom>
+          <a:ln>
+            <a:solidFill>
+              <a:schemeClr val="tx1"/>
+            </a:solidFill>
+          </a:ln>
+        </p:spPr>
+      </p:pic>
+      <p:sp>
+        <p:nvSpPr>
+          <p:cNvPr id="13" name="TextBox 12">
+            <a:extLst>
+              <a:ext uri="{FF2B5EF4-FFF2-40B4-BE49-F238E27FC236}">
+                <a16:creationId xmlns:a16="http://schemas.microsoft.com/office/drawing/2014/main" id="{6505910D-7ED3-AA2C-9C06-266221D001F2}"/>
+              </a:ext>
+            </a:extLst>
+          </p:cNvPr>
+          <p:cNvSpPr txBox="1"/>
+          <p:nvPr/>
+        </p:nvSpPr>
+        <p:spPr>
+          <a:xfrm>
+            <a:off x="3163165" y="274838"/>
+            <a:ext cx="6094268" cy="646331"/>
           </a:xfrm>
           <a:prstGeom prst="rect">
             <a:avLst/>
@@ -8995,97 +10167,50 @@
           <a:noFill/>
         </p:spPr>
         <p:txBody>
-          <a:bodyPr wrap="none" lIns="91440" tIns="45720" rIns="91440" bIns="45720">
+          <a:bodyPr wrap="square">
             <a:spAutoFit/>
           </a:bodyPr>
           <a:lstStyle/>
           <a:p>
             <a:pPr algn="ctr"/>
             <a:r>
-              <a:rPr lang="en-US" sz="8000" b="1" spc="300" dirty="0">
-                <a:ln w="0"/>
+              <a:rPr lang="en-US" sz="3600" b="1" dirty="0">
+                <a:ln w="13462">
+                  <a:solidFill>
+                    <a:schemeClr val="bg1">
+                      <a:lumMod val="85000"/>
+                    </a:schemeClr>
+                  </a:solidFill>
+                  <a:prstDash val="solid"/>
+                </a:ln>
                 <a:solidFill>
                   <a:srgbClr val="7030A0"/>
                 </a:solidFill>
                 <a:effectLst>
-                  <a:innerShdw blurRad="63500" dist="50800" dir="13500000">
-                    <a:srgbClr val="000000">
-                      <a:alpha val="50000"/>
-                    </a:srgbClr>
-                  </a:innerShdw>
+                  <a:outerShdw dist="38100" dir="2700000" algn="bl" rotWithShape="0">
+                    <a:schemeClr val="accent5"/>
+                  </a:outerShdw>
                 </a:effectLst>
               </a:rPr>
-              <a:t>LIST</a:t>
-            </a:r>
-          </a:p>
-          <a:p>
-            <a:pPr algn="ctr"/>
-            <a:r>
-              <a:rPr lang="en-US" sz="8000" b="1" spc="300" dirty="0">
-                <a:ln w="0"/>
+              <a:t>Examples of String Indexing -</a:t>
+            </a:r>
+            <a:endParaRPr lang="en-US" sz="3600" b="0" cap="none" spc="0" dirty="0">
+              <a:ln w="13462">
                 <a:solidFill>
-                  <a:srgbClr val="7030A0"/>
+                  <a:schemeClr val="bg1">
+                    <a:lumMod val="85000"/>
+                  </a:schemeClr>
                 </a:solidFill>
-                <a:effectLst>
-                  <a:innerShdw blurRad="63500" dist="50800" dir="13500000">
-                    <a:srgbClr val="000000">
-                      <a:alpha val="50000"/>
-                    </a:srgbClr>
-                  </a:innerShdw>
-                </a:effectLst>
-              </a:rPr>
-              <a:t>OPERATIONS</a:t>
-            </a:r>
-          </a:p>
-        </p:txBody>
-      </p:sp>
-      <p:sp>
-        <p:nvSpPr>
-          <p:cNvPr id="5" name="Rectangle 4">
-            <a:extLst>
-              <a:ext uri="{FF2B5EF4-FFF2-40B4-BE49-F238E27FC236}">
-                <a16:creationId xmlns:a16="http://schemas.microsoft.com/office/drawing/2014/main" id="{DD4BAAC6-11B4-A99C-ABA2-3D4C6EC857AE}"/>
-              </a:ext>
-            </a:extLst>
-          </p:cNvPr>
-          <p:cNvSpPr/>
-          <p:nvPr/>
-        </p:nvSpPr>
-        <p:spPr>
-          <a:xfrm>
-            <a:off x="536863" y="3574474"/>
-            <a:ext cx="11118273" cy="3046988"/>
-          </a:xfrm>
-          <a:prstGeom prst="rect">
-            <a:avLst/>
-          </a:prstGeom>
-          <a:noFill/>
-        </p:spPr>
-        <p:txBody>
-          <a:bodyPr wrap="square" lIns="91440" tIns="45720" rIns="91440" bIns="45720">
-            <a:spAutoFit/>
-          </a:bodyPr>
-          <a:lstStyle/>
-          <a:p>
-            <a:pPr algn="ctr">
-              <a:spcAft>
-                <a:spcPts val="500"/>
-              </a:spcAft>
-            </a:pPr>
-            <a:r>
-              <a:rPr lang="en-US" sz="3200" b="0" i="0" dirty="0">
-                <a:effectLst/>
-                <a:latin typeface="-apple-system"/>
-              </a:rPr>
-              <a:t>List operations refer to various actions that can be performed on lists. A simple new element can be added to the end of a list using the append() method, or multiple elements can be added using extend() or can removed using pop() method. Order of a list can be reversed with reverse() method, startswith() method can be used to check whether a string starts with a specified prefix.</a:t>
-            </a:r>
-            <a:endParaRPr lang="en-US" sz="3200" b="0" cap="none" spc="0" dirty="0">
-              <a:ln w="0"/>
+                <a:prstDash val="solid"/>
+              </a:ln>
+              <a:solidFill>
+                <a:srgbClr val="7030A0"/>
+              </a:solidFill>
               <a:effectLst>
-                <a:outerShdw blurRad="38100" dist="19050" dir="2700000" algn="tl" rotWithShape="0">
-                  <a:schemeClr val="dk1">
-                    <a:alpha val="40000"/>
-                  </a:schemeClr>
+                <a:outerShdw blurRad="38100" dist="25400" dir="5400000" algn="ctr" rotWithShape="0">
+                  <a:srgbClr val="6E747A">
+                    <a:alpha val="43000"/>
+                  </a:srgbClr>
                 </a:outerShdw>
               </a:effectLst>
             </a:endParaRPr>
@@ -9095,7 +10220,7 @@
     </p:spTree>
     <p:extLst>
       <p:ext uri="{BB962C8B-B14F-4D97-AF65-F5344CB8AC3E}">
-        <p14:creationId xmlns:p14="http://schemas.microsoft.com/office/powerpoint/2010/main" val="1581563840"/>
+        <p14:creationId xmlns:p14="http://schemas.microsoft.com/office/powerpoint/2010/main" val="273489467"/>
       </p:ext>
     </p:extLst>
   </p:cSld>
@@ -9127,7 +10252,7 @@
           <p:cNvPr id="3" name="Picture 2">
             <a:extLst>
               <a:ext uri="{FF2B5EF4-FFF2-40B4-BE49-F238E27FC236}">
-                <a16:creationId xmlns:a16="http://schemas.microsoft.com/office/drawing/2014/main" id="{7103C601-572B-31D7-DED2-FBF71C65A968}"/>
+                <a16:creationId xmlns:a16="http://schemas.microsoft.com/office/drawing/2014/main" id="{6AA61DFC-6864-C4D6-DCAB-E661496E9B04}"/>
               </a:ext>
             </a:extLst>
           </p:cNvPr>
@@ -9144,140 +10269,30 @@
         </p:blipFill>
         <p:spPr>
           <a:xfrm>
-            <a:off x="141009" y="1186416"/>
-            <a:ext cx="5841565" cy="1494781"/>
-          </a:xfrm>
-          <a:prstGeom prst="rect">
-            <a:avLst/>
-          </a:prstGeom>
-          <a:ln>
-            <a:solidFill>
-              <a:schemeClr val="tx1"/>
-            </a:solidFill>
-          </a:ln>
+            <a:off x="0" y="6880"/>
+            <a:ext cx="12192000" cy="1458237"/>
+          </a:xfrm>
+          <a:prstGeom prst="rect">
+            <a:avLst/>
+          </a:prstGeom>
         </p:spPr>
       </p:pic>
-      <p:pic>
-        <p:nvPicPr>
-          <p:cNvPr id="5" name="Picture 4">
-            <a:extLst>
-              <a:ext uri="{FF2B5EF4-FFF2-40B4-BE49-F238E27FC236}">
-                <a16:creationId xmlns:a16="http://schemas.microsoft.com/office/drawing/2014/main" id="{B3A45FF7-01D8-EB4B-085D-AC572E299118}"/>
-              </a:ext>
-            </a:extLst>
-          </p:cNvPr>
-          <p:cNvPicPr>
-            <a:picLocks noChangeAspect="1"/>
-          </p:cNvPicPr>
-          <p:nvPr/>
-        </p:nvPicPr>
-        <p:blipFill>
-          <a:blip r:embed="rId3"/>
-          <a:stretch>
-            <a:fillRect/>
-          </a:stretch>
-        </p:blipFill>
-        <p:spPr>
-          <a:xfrm>
-            <a:off x="141008" y="3070332"/>
-            <a:ext cx="5841566" cy="1580327"/>
-          </a:xfrm>
-          <a:prstGeom prst="rect">
-            <a:avLst/>
-          </a:prstGeom>
-          <a:ln>
-            <a:solidFill>
-              <a:schemeClr val="tx1"/>
-            </a:solidFill>
-          </a:ln>
-        </p:spPr>
-      </p:pic>
-      <p:pic>
-        <p:nvPicPr>
-          <p:cNvPr id="7" name="Picture 6">
-            <a:extLst>
-              <a:ext uri="{FF2B5EF4-FFF2-40B4-BE49-F238E27FC236}">
-                <a16:creationId xmlns:a16="http://schemas.microsoft.com/office/drawing/2014/main" id="{C3E68AC5-920F-B910-24EB-7D891C76A998}"/>
-              </a:ext>
-            </a:extLst>
-          </p:cNvPr>
-          <p:cNvPicPr>
-            <a:picLocks noChangeAspect="1"/>
-          </p:cNvPicPr>
-          <p:nvPr/>
-        </p:nvPicPr>
-        <p:blipFill>
-          <a:blip r:embed="rId4"/>
-          <a:stretch>
-            <a:fillRect/>
-          </a:stretch>
-        </p:blipFill>
-        <p:spPr>
-          <a:xfrm>
-            <a:off x="141008" y="5039794"/>
-            <a:ext cx="5841566" cy="1471678"/>
-          </a:xfrm>
-          <a:prstGeom prst="rect">
-            <a:avLst/>
-          </a:prstGeom>
-          <a:ln>
-            <a:solidFill>
-              <a:schemeClr val="tx1"/>
-            </a:solidFill>
-          </a:ln>
-        </p:spPr>
-      </p:pic>
-      <p:pic>
-        <p:nvPicPr>
-          <p:cNvPr id="11" name="Picture 10">
-            <a:extLst>
-              <a:ext uri="{FF2B5EF4-FFF2-40B4-BE49-F238E27FC236}">
-                <a16:creationId xmlns:a16="http://schemas.microsoft.com/office/drawing/2014/main" id="{5038E2BE-0390-B8EC-C02B-A0D4A8654C0A}"/>
-              </a:ext>
-            </a:extLst>
-          </p:cNvPr>
-          <p:cNvPicPr>
-            <a:picLocks noChangeAspect="1"/>
-          </p:cNvPicPr>
-          <p:nvPr/>
-        </p:nvPicPr>
-        <p:blipFill>
-          <a:blip r:embed="rId5"/>
-          <a:stretch>
-            <a:fillRect/>
-          </a:stretch>
-        </p:blipFill>
-        <p:spPr>
-          <a:xfrm>
-            <a:off x="6223419" y="1825791"/>
-            <a:ext cx="5827572" cy="3799307"/>
-          </a:xfrm>
-          <a:prstGeom prst="rect">
-            <a:avLst/>
-          </a:prstGeom>
-          <a:ln>
-            <a:solidFill>
-              <a:schemeClr val="tx1"/>
-            </a:solidFill>
-          </a:ln>
-        </p:spPr>
-      </p:pic>
-      <p:sp>
-        <p:nvSpPr>
-          <p:cNvPr id="12" name="TextBox 11">
-            <a:extLst>
-              <a:ext uri="{FF2B5EF4-FFF2-40B4-BE49-F238E27FC236}">
-                <a16:creationId xmlns:a16="http://schemas.microsoft.com/office/drawing/2014/main" id="{A75ADE5B-E2C4-A5D6-5493-6E9467CF257F}"/>
-              </a:ext>
-            </a:extLst>
-          </p:cNvPr>
-          <p:cNvSpPr txBox="1"/>
-          <p:nvPr/>
-        </p:nvSpPr>
-        <p:spPr>
-          <a:xfrm>
-            <a:off x="3163165" y="274838"/>
-            <a:ext cx="6094268" cy="646331"/>
+      <p:sp>
+        <p:nvSpPr>
+          <p:cNvPr id="4" name="Rectangle 3">
+            <a:extLst>
+              <a:ext uri="{FF2B5EF4-FFF2-40B4-BE49-F238E27FC236}">
+                <a16:creationId xmlns:a16="http://schemas.microsoft.com/office/drawing/2014/main" id="{2AC5AAD4-AC44-4912-B68F-4945E2958B33}"/>
+              </a:ext>
+            </a:extLst>
+          </p:cNvPr>
+          <p:cNvSpPr/>
+          <p:nvPr/>
+        </p:nvSpPr>
+        <p:spPr>
+          <a:xfrm>
+            <a:off x="3062155" y="874455"/>
+            <a:ext cx="6067688" cy="2554545"/>
           </a:xfrm>
           <a:prstGeom prst="rect">
             <a:avLst/>
@@ -9285,50 +10300,97 @@
           <a:noFill/>
         </p:spPr>
         <p:txBody>
-          <a:bodyPr wrap="square">
+          <a:bodyPr wrap="none" lIns="91440" tIns="45720" rIns="91440" bIns="45720">
             <a:spAutoFit/>
           </a:bodyPr>
           <a:lstStyle/>
           <a:p>
             <a:pPr algn="ctr"/>
             <a:r>
-              <a:rPr lang="en-US" sz="3600" b="1" dirty="0">
-                <a:ln w="13462">
-                  <a:solidFill>
-                    <a:schemeClr val="bg1">
-                      <a:lumMod val="85000"/>
-                    </a:schemeClr>
-                  </a:solidFill>
-                  <a:prstDash val="solid"/>
-                </a:ln>
+              <a:rPr lang="en-US" sz="8000" b="1" spc="300" dirty="0">
+                <a:ln w="0"/>
                 <a:solidFill>
                   <a:srgbClr val="7030A0"/>
                 </a:solidFill>
                 <a:effectLst>
-                  <a:outerShdw dist="38100" dir="2700000" algn="bl" rotWithShape="0">
-                    <a:schemeClr val="accent5"/>
-                  </a:outerShdw>
+                  <a:innerShdw blurRad="63500" dist="50800" dir="13500000">
+                    <a:srgbClr val="000000">
+                      <a:alpha val="50000"/>
+                    </a:srgbClr>
+                  </a:innerShdw>
                 </a:effectLst>
               </a:rPr>
-              <a:t>Examples of List Operations -</a:t>
-            </a:r>
-            <a:endParaRPr lang="en-US" sz="3600" b="0" cap="none" spc="0" dirty="0">
-              <a:ln w="13462">
+              <a:t>LIST</a:t>
+            </a:r>
+          </a:p>
+          <a:p>
+            <a:pPr algn="ctr"/>
+            <a:r>
+              <a:rPr lang="en-US" sz="8000" b="1" spc="300" dirty="0">
+                <a:ln w="0"/>
                 <a:solidFill>
-                  <a:schemeClr val="bg1">
-                    <a:lumMod val="85000"/>
+                  <a:srgbClr val="7030A0"/>
+                </a:solidFill>
+                <a:effectLst>
+                  <a:innerShdw blurRad="63500" dist="50800" dir="13500000">
+                    <a:srgbClr val="000000">
+                      <a:alpha val="50000"/>
+                    </a:srgbClr>
+                  </a:innerShdw>
+                </a:effectLst>
+              </a:rPr>
+              <a:t>OPERATIONS</a:t>
+            </a:r>
+          </a:p>
+        </p:txBody>
+      </p:sp>
+      <p:sp>
+        <p:nvSpPr>
+          <p:cNvPr id="5" name="Rectangle 4">
+            <a:extLst>
+              <a:ext uri="{FF2B5EF4-FFF2-40B4-BE49-F238E27FC236}">
+                <a16:creationId xmlns:a16="http://schemas.microsoft.com/office/drawing/2014/main" id="{DD4BAAC6-11B4-A99C-ABA2-3D4C6EC857AE}"/>
+              </a:ext>
+            </a:extLst>
+          </p:cNvPr>
+          <p:cNvSpPr/>
+          <p:nvPr/>
+        </p:nvSpPr>
+        <p:spPr>
+          <a:xfrm>
+            <a:off x="536863" y="3574474"/>
+            <a:ext cx="11118273" cy="3046988"/>
+          </a:xfrm>
+          <a:prstGeom prst="rect">
+            <a:avLst/>
+          </a:prstGeom>
+          <a:noFill/>
+        </p:spPr>
+        <p:txBody>
+          <a:bodyPr wrap="square" lIns="91440" tIns="45720" rIns="91440" bIns="45720">
+            <a:spAutoFit/>
+          </a:bodyPr>
+          <a:lstStyle/>
+          <a:p>
+            <a:pPr algn="ctr">
+              <a:spcAft>
+                <a:spcPts val="500"/>
+              </a:spcAft>
+            </a:pPr>
+            <a:r>
+              <a:rPr lang="en-US" sz="3200" b="0" i="0" dirty="0">
+                <a:effectLst/>
+                <a:latin typeface="-apple-system"/>
+              </a:rPr>
+              <a:t>List operations refer to various actions that can be performed on lists. A simple new element can be added to the end of a list using the append() method, or multiple elements can be added using extend() or can removed using pop() method. Order of a list can be reversed with reverse() method, startswith() method can be used to check whether a string starts with a specified prefix.</a:t>
+            </a:r>
+            <a:endParaRPr lang="en-US" sz="3200" b="0" cap="none" spc="0" dirty="0">
+              <a:ln w="0"/>
+              <a:effectLst>
+                <a:outerShdw blurRad="38100" dist="19050" dir="2700000" algn="tl" rotWithShape="0">
+                  <a:schemeClr val="dk1">
+                    <a:alpha val="40000"/>
                   </a:schemeClr>
-                </a:solidFill>
-                <a:prstDash val="solid"/>
-              </a:ln>
-              <a:solidFill>
-                <a:srgbClr val="7030A0"/>
-              </a:solidFill>
-              <a:effectLst>
-                <a:outerShdw blurRad="38100" dist="25400" dir="5400000" algn="ctr" rotWithShape="0">
-                  <a:srgbClr val="6E747A">
-                    <a:alpha val="43000"/>
-                  </a:srgbClr>
                 </a:outerShdw>
               </a:effectLst>
             </a:endParaRPr>
@@ -9338,7 +10400,7 @@
     </p:spTree>
     <p:extLst>
       <p:ext uri="{BB962C8B-B14F-4D97-AF65-F5344CB8AC3E}">
-        <p14:creationId xmlns:p14="http://schemas.microsoft.com/office/powerpoint/2010/main" val="337954209"/>
+        <p14:creationId xmlns:p14="http://schemas.microsoft.com/office/powerpoint/2010/main" val="1581563840"/>
       </p:ext>
     </p:extLst>
   </p:cSld>
@@ -9367,10 +10429,10 @@
       </p:grpSpPr>
       <p:pic>
         <p:nvPicPr>
-          <p:cNvPr id="2" name="Picture 1">
-            <a:extLst>
-              <a:ext uri="{FF2B5EF4-FFF2-40B4-BE49-F238E27FC236}">
-                <a16:creationId xmlns:a16="http://schemas.microsoft.com/office/drawing/2014/main" id="{6DD60B25-AFEE-A2F7-67FD-BAEE4D2BE065}"/>
+          <p:cNvPr id="3" name="Picture 2">
+            <a:extLst>
+              <a:ext uri="{FF2B5EF4-FFF2-40B4-BE49-F238E27FC236}">
+                <a16:creationId xmlns:a16="http://schemas.microsoft.com/office/drawing/2014/main" id="{7103C601-572B-31D7-DED2-FBF71C65A968}"/>
               </a:ext>
             </a:extLst>
           </p:cNvPr>
@@ -9387,8 +10449,8 @@
         </p:blipFill>
         <p:spPr>
           <a:xfrm>
-            <a:off x="284923" y="1685021"/>
-            <a:ext cx="11662663" cy="4578127"/>
+            <a:off x="141009" y="1186416"/>
+            <a:ext cx="5841565" cy="1494781"/>
           </a:xfrm>
           <a:prstGeom prst="rect">
             <a:avLst/>
@@ -9400,12 +10462,117 @@
           </a:ln>
         </p:spPr>
       </p:pic>
-      <p:sp>
-        <p:nvSpPr>
-          <p:cNvPr id="3" name="TextBox 2">
-            <a:extLst>
-              <a:ext uri="{FF2B5EF4-FFF2-40B4-BE49-F238E27FC236}">
-                <a16:creationId xmlns:a16="http://schemas.microsoft.com/office/drawing/2014/main" id="{28F34616-7B7A-9E20-BAA9-EAD86F635744}"/>
+      <p:pic>
+        <p:nvPicPr>
+          <p:cNvPr id="5" name="Picture 4">
+            <a:extLst>
+              <a:ext uri="{FF2B5EF4-FFF2-40B4-BE49-F238E27FC236}">
+                <a16:creationId xmlns:a16="http://schemas.microsoft.com/office/drawing/2014/main" id="{B3A45FF7-01D8-EB4B-085D-AC572E299118}"/>
+              </a:ext>
+            </a:extLst>
+          </p:cNvPr>
+          <p:cNvPicPr>
+            <a:picLocks noChangeAspect="1"/>
+          </p:cNvPicPr>
+          <p:nvPr/>
+        </p:nvPicPr>
+        <p:blipFill>
+          <a:blip r:embed="rId3"/>
+          <a:stretch>
+            <a:fillRect/>
+          </a:stretch>
+        </p:blipFill>
+        <p:spPr>
+          <a:xfrm>
+            <a:off x="141008" y="3070332"/>
+            <a:ext cx="5841566" cy="1580327"/>
+          </a:xfrm>
+          <a:prstGeom prst="rect">
+            <a:avLst/>
+          </a:prstGeom>
+          <a:ln>
+            <a:solidFill>
+              <a:schemeClr val="tx1"/>
+            </a:solidFill>
+          </a:ln>
+        </p:spPr>
+      </p:pic>
+      <p:pic>
+        <p:nvPicPr>
+          <p:cNvPr id="7" name="Picture 6">
+            <a:extLst>
+              <a:ext uri="{FF2B5EF4-FFF2-40B4-BE49-F238E27FC236}">
+                <a16:creationId xmlns:a16="http://schemas.microsoft.com/office/drawing/2014/main" id="{C3E68AC5-920F-B910-24EB-7D891C76A998}"/>
+              </a:ext>
+            </a:extLst>
+          </p:cNvPr>
+          <p:cNvPicPr>
+            <a:picLocks noChangeAspect="1"/>
+          </p:cNvPicPr>
+          <p:nvPr/>
+        </p:nvPicPr>
+        <p:blipFill>
+          <a:blip r:embed="rId4"/>
+          <a:stretch>
+            <a:fillRect/>
+          </a:stretch>
+        </p:blipFill>
+        <p:spPr>
+          <a:xfrm>
+            <a:off x="141008" y="5039794"/>
+            <a:ext cx="5841566" cy="1471678"/>
+          </a:xfrm>
+          <a:prstGeom prst="rect">
+            <a:avLst/>
+          </a:prstGeom>
+          <a:ln>
+            <a:solidFill>
+              <a:schemeClr val="tx1"/>
+            </a:solidFill>
+          </a:ln>
+        </p:spPr>
+      </p:pic>
+      <p:pic>
+        <p:nvPicPr>
+          <p:cNvPr id="11" name="Picture 10">
+            <a:extLst>
+              <a:ext uri="{FF2B5EF4-FFF2-40B4-BE49-F238E27FC236}">
+                <a16:creationId xmlns:a16="http://schemas.microsoft.com/office/drawing/2014/main" id="{5038E2BE-0390-B8EC-C02B-A0D4A8654C0A}"/>
+              </a:ext>
+            </a:extLst>
+          </p:cNvPr>
+          <p:cNvPicPr>
+            <a:picLocks noChangeAspect="1"/>
+          </p:cNvPicPr>
+          <p:nvPr/>
+        </p:nvPicPr>
+        <p:blipFill>
+          <a:blip r:embed="rId5"/>
+          <a:stretch>
+            <a:fillRect/>
+          </a:stretch>
+        </p:blipFill>
+        <p:spPr>
+          <a:xfrm>
+            <a:off x="6223419" y="1825791"/>
+            <a:ext cx="5827572" cy="3799307"/>
+          </a:xfrm>
+          <a:prstGeom prst="rect">
+            <a:avLst/>
+          </a:prstGeom>
+          <a:ln>
+            <a:solidFill>
+              <a:schemeClr val="tx1"/>
+            </a:solidFill>
+          </a:ln>
+        </p:spPr>
+      </p:pic>
+      <p:sp>
+        <p:nvSpPr>
+          <p:cNvPr id="12" name="TextBox 11">
+            <a:extLst>
+              <a:ext uri="{FF2B5EF4-FFF2-40B4-BE49-F238E27FC236}">
+                <a16:creationId xmlns:a16="http://schemas.microsoft.com/office/drawing/2014/main" id="{A75ADE5B-E2C4-A5D6-5493-6E9467CF257F}"/>
               </a:ext>
             </a:extLst>
           </p:cNvPr>
@@ -9476,7 +10643,7 @@
     </p:spTree>
     <p:extLst>
       <p:ext uri="{BB962C8B-B14F-4D97-AF65-F5344CB8AC3E}">
-        <p14:creationId xmlns:p14="http://schemas.microsoft.com/office/powerpoint/2010/main" val="3160485817"/>
+        <p14:creationId xmlns:p14="http://schemas.microsoft.com/office/powerpoint/2010/main" val="337954209"/>
       </p:ext>
     </p:extLst>
   </p:cSld>
@@ -9505,10 +10672,10 @@
       </p:grpSpPr>
       <p:pic>
         <p:nvPicPr>
-          <p:cNvPr id="3" name="Picture 2">
-            <a:extLst>
-              <a:ext uri="{FF2B5EF4-FFF2-40B4-BE49-F238E27FC236}">
-                <a16:creationId xmlns:a16="http://schemas.microsoft.com/office/drawing/2014/main" id="{6AA61DFC-6864-C4D6-DCAB-E661496E9B04}"/>
+          <p:cNvPr id="2" name="Picture 1">
+            <a:extLst>
+              <a:ext uri="{FF2B5EF4-FFF2-40B4-BE49-F238E27FC236}">
+                <a16:creationId xmlns:a16="http://schemas.microsoft.com/office/drawing/2014/main" id="{6DD60B25-AFEE-A2F7-67FD-BAEE4D2BE065}"/>
               </a:ext>
             </a:extLst>
           </p:cNvPr>
@@ -9525,30 +10692,35 @@
         </p:blipFill>
         <p:spPr>
           <a:xfrm>
-            <a:off x="0" y="6880"/>
-            <a:ext cx="12192000" cy="1458237"/>
-          </a:xfrm>
-          <a:prstGeom prst="rect">
-            <a:avLst/>
-          </a:prstGeom>
+            <a:off x="284923" y="1685021"/>
+            <a:ext cx="11662663" cy="4578127"/>
+          </a:xfrm>
+          <a:prstGeom prst="rect">
+            <a:avLst/>
+          </a:prstGeom>
+          <a:ln>
+            <a:solidFill>
+              <a:schemeClr val="tx1"/>
+            </a:solidFill>
+          </a:ln>
         </p:spPr>
       </p:pic>
       <p:sp>
         <p:nvSpPr>
-          <p:cNvPr id="4" name="Rectangle 3">
-            <a:extLst>
-              <a:ext uri="{FF2B5EF4-FFF2-40B4-BE49-F238E27FC236}">
-                <a16:creationId xmlns:a16="http://schemas.microsoft.com/office/drawing/2014/main" id="{2AC5AAD4-AC44-4912-B68F-4945E2958B33}"/>
-              </a:ext>
-            </a:extLst>
-          </p:cNvPr>
-          <p:cNvSpPr/>
-          <p:nvPr/>
-        </p:nvSpPr>
-        <p:spPr>
-          <a:xfrm>
-            <a:off x="3328157" y="1465117"/>
-            <a:ext cx="5535683" cy="2554545"/>
+          <p:cNvPr id="3" name="TextBox 2">
+            <a:extLst>
+              <a:ext uri="{FF2B5EF4-FFF2-40B4-BE49-F238E27FC236}">
+                <a16:creationId xmlns:a16="http://schemas.microsoft.com/office/drawing/2014/main" id="{28F34616-7B7A-9E20-BAA9-EAD86F635744}"/>
+              </a:ext>
+            </a:extLst>
+          </p:cNvPr>
+          <p:cNvSpPr txBox="1"/>
+          <p:nvPr/>
+        </p:nvSpPr>
+        <p:spPr>
+          <a:xfrm>
+            <a:off x="3163165" y="274838"/>
+            <a:ext cx="6094268" cy="646331"/>
           </a:xfrm>
           <a:prstGeom prst="rect">
             <a:avLst/>
@@ -9556,97 +10728,50 @@
           <a:noFill/>
         </p:spPr>
         <p:txBody>
-          <a:bodyPr wrap="none" lIns="91440" tIns="45720" rIns="91440" bIns="45720">
+          <a:bodyPr wrap="square">
             <a:spAutoFit/>
           </a:bodyPr>
           <a:lstStyle/>
           <a:p>
             <a:pPr algn="ctr"/>
             <a:r>
-              <a:rPr lang="en-US" sz="8000" b="1" spc="300" dirty="0">
-                <a:ln w="0"/>
+              <a:rPr lang="en-US" sz="3600" b="1" dirty="0">
+                <a:ln w="13462">
+                  <a:solidFill>
+                    <a:schemeClr val="bg1">
+                      <a:lumMod val="85000"/>
+                    </a:schemeClr>
+                  </a:solidFill>
+                  <a:prstDash val="solid"/>
+                </a:ln>
                 <a:solidFill>
                   <a:srgbClr val="7030A0"/>
                 </a:solidFill>
                 <a:effectLst>
-                  <a:innerShdw blurRad="63500" dist="50800" dir="13500000">
-                    <a:srgbClr val="000000">
-                      <a:alpha val="50000"/>
-                    </a:srgbClr>
-                  </a:innerShdw>
+                  <a:outerShdw dist="38100" dir="2700000" algn="bl" rotWithShape="0">
+                    <a:schemeClr val="accent5"/>
+                  </a:outerShdw>
                 </a:effectLst>
               </a:rPr>
-              <a:t>LAMBDA </a:t>
-            </a:r>
-          </a:p>
-          <a:p>
-            <a:pPr algn="ctr"/>
-            <a:r>
-              <a:rPr lang="en-US" sz="8000" b="1" spc="300" dirty="0">
-                <a:ln w="0"/>
+              <a:t>Examples of List Operations -</a:t>
+            </a:r>
+            <a:endParaRPr lang="en-US" sz="3600" b="0" cap="none" spc="0" dirty="0">
+              <a:ln w="13462">
                 <a:solidFill>
-                  <a:srgbClr val="7030A0"/>
+                  <a:schemeClr val="bg1">
+                    <a:lumMod val="85000"/>
+                  </a:schemeClr>
                 </a:solidFill>
-                <a:effectLst>
-                  <a:innerShdw blurRad="63500" dist="50800" dir="13500000">
-                    <a:srgbClr val="000000">
-                      <a:alpha val="50000"/>
-                    </a:srgbClr>
-                  </a:innerShdw>
-                </a:effectLst>
-              </a:rPr>
-              <a:t>FUNCTIONS</a:t>
-            </a:r>
-          </a:p>
-        </p:txBody>
-      </p:sp>
-      <p:sp>
-        <p:nvSpPr>
-          <p:cNvPr id="5" name="Rectangle 4">
-            <a:extLst>
-              <a:ext uri="{FF2B5EF4-FFF2-40B4-BE49-F238E27FC236}">
-                <a16:creationId xmlns:a16="http://schemas.microsoft.com/office/drawing/2014/main" id="{DD4BAAC6-11B4-A99C-ABA2-3D4C6EC857AE}"/>
-              </a:ext>
-            </a:extLst>
-          </p:cNvPr>
-          <p:cNvSpPr/>
-          <p:nvPr/>
-        </p:nvSpPr>
-        <p:spPr>
-          <a:xfrm>
-            <a:off x="536863" y="4428942"/>
-            <a:ext cx="11118273" cy="1569660"/>
-          </a:xfrm>
-          <a:prstGeom prst="rect">
-            <a:avLst/>
-          </a:prstGeom>
-          <a:noFill/>
-        </p:spPr>
-        <p:txBody>
-          <a:bodyPr wrap="square" lIns="91440" tIns="45720" rIns="91440" bIns="45720">
-            <a:spAutoFit/>
-          </a:bodyPr>
-          <a:lstStyle/>
-          <a:p>
-            <a:pPr algn="ctr">
-              <a:spcAft>
-                <a:spcPts val="500"/>
-              </a:spcAft>
-            </a:pPr>
-            <a:r>
-              <a:rPr lang="en-US" sz="3200" b="0" i="0" dirty="0">
-                <a:effectLst/>
-                <a:latin typeface="-apple-system"/>
-              </a:rPr>
-              <a:t>Lambda functions are defined inline functions without a formal name. They are typically used for small, simple tasks and fit on a single line of code.</a:t>
-            </a:r>
-            <a:endParaRPr lang="en-US" sz="3200" b="0" cap="none" spc="0" dirty="0">
-              <a:ln w="0"/>
+                <a:prstDash val="solid"/>
+              </a:ln>
+              <a:solidFill>
+                <a:srgbClr val="7030A0"/>
+              </a:solidFill>
               <a:effectLst>
-                <a:outerShdw blurRad="38100" dist="19050" dir="2700000" algn="tl" rotWithShape="0">
-                  <a:schemeClr val="dk1">
-                    <a:alpha val="40000"/>
-                  </a:schemeClr>
+                <a:outerShdw blurRad="38100" dist="25400" dir="5400000" algn="ctr" rotWithShape="0">
+                  <a:srgbClr val="6E747A">
+                    <a:alpha val="43000"/>
+                  </a:srgbClr>
                 </a:outerShdw>
               </a:effectLst>
             </a:endParaRPr>
@@ -9656,7 +10781,7 @@
     </p:spTree>
     <p:extLst>
       <p:ext uri="{BB962C8B-B14F-4D97-AF65-F5344CB8AC3E}">
-        <p14:creationId xmlns:p14="http://schemas.microsoft.com/office/powerpoint/2010/main" val="3015936181"/>
+        <p14:creationId xmlns:p14="http://schemas.microsoft.com/office/powerpoint/2010/main" val="3160485817"/>
       </p:ext>
     </p:extLst>
   </p:cSld>
